--- a/Supervised Machine Learning Approach to Heart Disease Detection.pptx
+++ b/Supervised Machine Learning Approach to Heart Disease Detection.pptx
@@ -1,51 +1,51 @@
 
 <file path=ppt/presentation.xml><?xml version="1.0" encoding="utf-8"?>
-<p:presentation xmlns:a="http://schemas.openxmlformats.org/drawingml/2006/main" xmlns:r="http://schemas.openxmlformats.org/officeDocument/2006/relationships" xmlns:mc="http://schemas.openxmlformats.org/markup-compatibility/2006" xmlns:mv="urn:schemas-microsoft-com:mac:vml" xmlns:p="http://schemas.openxmlformats.org/presentationml/2006/main" xmlns:c="http://schemas.openxmlformats.org/drawingml/2006/chart" xmlns:dgm="http://schemas.openxmlformats.org/drawingml/2006/diagram" xmlns:o="urn:schemas-microsoft-com:office:office" xmlns:v="urn:schemas-microsoft-com:vml" xmlns:pvml="urn:schemas-microsoft-com:office:powerpoint" xmlns:com="http://schemas.openxmlformats.org/drawingml/2006/compatibility" xmlns:p14="http://schemas.microsoft.com/office/powerpoint/2010/main" xmlns:p15="http://schemas.microsoft.com/office/powerpoint/2012/main" xmlns:ahyp="http://schemas.microsoft.com/office/drawing/2018/hyperlinkcolor" autoCompressPictures="0" embedTrueTypeFonts="1" strictFirstAndLastChars="0" saveSubsetFonts="1">
+<p:presentation xmlns:a="http://schemas.openxmlformats.org/drawingml/2006/main" xmlns:r="http://schemas.openxmlformats.org/officeDocument/2006/relationships" xmlns:p="http://schemas.openxmlformats.org/presentationml/2006/main" strictFirstAndLastChars="0" embedTrueTypeFonts="1" saveSubsetFonts="1" autoCompressPictures="0">
   <p:sldMasterIdLst>
-    <p:sldMasterId id="2147483659" r:id="rId5"/>
+    <p:sldMasterId id="2147483659" r:id="rId1"/>
   </p:sldMasterIdLst>
   <p:notesMasterIdLst>
-    <p:notesMasterId r:id="rId6"/>
+    <p:notesMasterId r:id="rId12"/>
   </p:notesMasterIdLst>
   <p:sldIdLst>
-    <p:sldId id="256" r:id="rId7"/>
-    <p:sldId id="257" r:id="rId8"/>
-    <p:sldId id="258" r:id="rId9"/>
-    <p:sldId id="259" r:id="rId10"/>
-    <p:sldId id="260" r:id="rId11"/>
-    <p:sldId id="261" r:id="rId12"/>
-    <p:sldId id="262" r:id="rId13"/>
-    <p:sldId id="263" r:id="rId14"/>
-    <p:sldId id="264" r:id="rId15"/>
-    <p:sldId id="265" r:id="rId16"/>
+    <p:sldId id="256" r:id="rId2"/>
+    <p:sldId id="257" r:id="rId3"/>
+    <p:sldId id="258" r:id="rId4"/>
+    <p:sldId id="259" r:id="rId5"/>
+    <p:sldId id="260" r:id="rId6"/>
+    <p:sldId id="261" r:id="rId7"/>
+    <p:sldId id="262" r:id="rId8"/>
+    <p:sldId id="263" r:id="rId9"/>
+    <p:sldId id="264" r:id="rId10"/>
+    <p:sldId id="265" r:id="rId11"/>
   </p:sldIdLst>
-  <p:sldSz cy="5143500" cx="9144000"/>
+  <p:sldSz cx="9144000" cy="5143500" type="screen16x9"/>
   <p:notesSz cx="6858000" cy="9144000"/>
   <p:embeddedFontLst>
     <p:embeddedFont>
-      <p:font typeface="Raleway"/>
+      <p:font typeface="Lato" panose="020F0502020204030203" pitchFamily="34" charset="0"/>
+      <p:regular r:id="rId13"/>
+      <p:bold r:id="rId14"/>
+      <p:italic r:id="rId15"/>
+      <p:boldItalic r:id="rId16"/>
+    </p:embeddedFont>
+    <p:embeddedFont>
+      <p:font typeface="Raleway" panose="020B0503030101060003" pitchFamily="34" charset="0"/>
       <p:regular r:id="rId17"/>
       <p:bold r:id="rId18"/>
       <p:italic r:id="rId19"/>
       <p:boldItalic r:id="rId20"/>
     </p:embeddedFont>
     <p:embeddedFont>
-      <p:font typeface="Roboto"/>
+      <p:font typeface="Roboto" pitchFamily="2" charset="0"/>
       <p:regular r:id="rId21"/>
       <p:bold r:id="rId22"/>
       <p:italic r:id="rId23"/>
       <p:boldItalic r:id="rId24"/>
     </p:embeddedFont>
-    <p:embeddedFont>
-      <p:font typeface="Lato"/>
-      <p:regular r:id="rId25"/>
-      <p:bold r:id="rId26"/>
-      <p:italic r:id="rId27"/>
-      <p:boldItalic r:id="rId28"/>
-    </p:embeddedFont>
   </p:embeddedFontLst>
   <p:defaultTextStyle>
-    <a:defPPr lvl="0" marR="0" rtl="0" algn="l">
+    <a:defPPr marR="0" lvl="0" algn="l" rtl="0">
       <a:lnSpc>
         <a:spcPct val="100000"/>
       </a:lnSpc>
@@ -56,7 +56,7 @@
         <a:spcPts val="0"/>
       </a:spcAft>
     </a:defPPr>
-    <a:lvl1pPr lvl="0" marR="0" rtl="0" algn="l">
+    <a:lvl1pPr marR="0" lvl="0" algn="l" rtl="0">
       <a:lnSpc>
         <a:spcPct val="100000"/>
       </a:lnSpc>
@@ -70,7 +70,7 @@
         <a:srgbClr val="000000"/>
       </a:buClr>
       <a:buFont typeface="Arial"/>
-      <a:defRPr b="0" i="0" sz="1400" u="none" cap="none" strike="noStrike">
+      <a:defRPr sz="1400" b="0" i="0" u="none" strike="noStrike" cap="none">
         <a:solidFill>
           <a:srgbClr val="000000"/>
         </a:solidFill>
@@ -80,7 +80,7 @@
         <a:sym typeface="Arial"/>
       </a:defRPr>
     </a:lvl1pPr>
-    <a:lvl2pPr lvl="1" marR="0" rtl="0" algn="l">
+    <a:lvl2pPr marR="0" lvl="1" algn="l" rtl="0">
       <a:lnSpc>
         <a:spcPct val="100000"/>
       </a:lnSpc>
@@ -94,7 +94,7 @@
         <a:srgbClr val="000000"/>
       </a:buClr>
       <a:buFont typeface="Arial"/>
-      <a:defRPr b="0" i="0" sz="1400" u="none" cap="none" strike="noStrike">
+      <a:defRPr sz="1400" b="0" i="0" u="none" strike="noStrike" cap="none">
         <a:solidFill>
           <a:srgbClr val="000000"/>
         </a:solidFill>
@@ -104,7 +104,7 @@
         <a:sym typeface="Arial"/>
       </a:defRPr>
     </a:lvl2pPr>
-    <a:lvl3pPr lvl="2" marR="0" rtl="0" algn="l">
+    <a:lvl3pPr marR="0" lvl="2" algn="l" rtl="0">
       <a:lnSpc>
         <a:spcPct val="100000"/>
       </a:lnSpc>
@@ -118,7 +118,7 @@
         <a:srgbClr val="000000"/>
       </a:buClr>
       <a:buFont typeface="Arial"/>
-      <a:defRPr b="0" i="0" sz="1400" u="none" cap="none" strike="noStrike">
+      <a:defRPr sz="1400" b="0" i="0" u="none" strike="noStrike" cap="none">
         <a:solidFill>
           <a:srgbClr val="000000"/>
         </a:solidFill>
@@ -128,7 +128,7 @@
         <a:sym typeface="Arial"/>
       </a:defRPr>
     </a:lvl3pPr>
-    <a:lvl4pPr lvl="3" marR="0" rtl="0" algn="l">
+    <a:lvl4pPr marR="0" lvl="3" algn="l" rtl="0">
       <a:lnSpc>
         <a:spcPct val="100000"/>
       </a:lnSpc>
@@ -142,7 +142,7 @@
         <a:srgbClr val="000000"/>
       </a:buClr>
       <a:buFont typeface="Arial"/>
-      <a:defRPr b="0" i="0" sz="1400" u="none" cap="none" strike="noStrike">
+      <a:defRPr sz="1400" b="0" i="0" u="none" strike="noStrike" cap="none">
         <a:solidFill>
           <a:srgbClr val="000000"/>
         </a:solidFill>
@@ -152,7 +152,7 @@
         <a:sym typeface="Arial"/>
       </a:defRPr>
     </a:lvl4pPr>
-    <a:lvl5pPr lvl="4" marR="0" rtl="0" algn="l">
+    <a:lvl5pPr marR="0" lvl="4" algn="l" rtl="0">
       <a:lnSpc>
         <a:spcPct val="100000"/>
       </a:lnSpc>
@@ -166,7 +166,7 @@
         <a:srgbClr val="000000"/>
       </a:buClr>
       <a:buFont typeface="Arial"/>
-      <a:defRPr b="0" i="0" sz="1400" u="none" cap="none" strike="noStrike">
+      <a:defRPr sz="1400" b="0" i="0" u="none" strike="noStrike" cap="none">
         <a:solidFill>
           <a:srgbClr val="000000"/>
         </a:solidFill>
@@ -176,7 +176,7 @@
         <a:sym typeface="Arial"/>
       </a:defRPr>
     </a:lvl5pPr>
-    <a:lvl6pPr lvl="5" marR="0" rtl="0" algn="l">
+    <a:lvl6pPr marR="0" lvl="5" algn="l" rtl="0">
       <a:lnSpc>
         <a:spcPct val="100000"/>
       </a:lnSpc>
@@ -190,7 +190,7 @@
         <a:srgbClr val="000000"/>
       </a:buClr>
       <a:buFont typeface="Arial"/>
-      <a:defRPr b="0" i="0" sz="1400" u="none" cap="none" strike="noStrike">
+      <a:defRPr sz="1400" b="0" i="0" u="none" strike="noStrike" cap="none">
         <a:solidFill>
           <a:srgbClr val="000000"/>
         </a:solidFill>
@@ -200,7 +200,7 @@
         <a:sym typeface="Arial"/>
       </a:defRPr>
     </a:lvl6pPr>
-    <a:lvl7pPr lvl="6" marR="0" rtl="0" algn="l">
+    <a:lvl7pPr marR="0" lvl="6" algn="l" rtl="0">
       <a:lnSpc>
         <a:spcPct val="100000"/>
       </a:lnSpc>
@@ -214,7 +214,7 @@
         <a:srgbClr val="000000"/>
       </a:buClr>
       <a:buFont typeface="Arial"/>
-      <a:defRPr b="0" i="0" sz="1400" u="none" cap="none" strike="noStrike">
+      <a:defRPr sz="1400" b="0" i="0" u="none" strike="noStrike" cap="none">
         <a:solidFill>
           <a:srgbClr val="000000"/>
         </a:solidFill>
@@ -224,7 +224,7 @@
         <a:sym typeface="Arial"/>
       </a:defRPr>
     </a:lvl7pPr>
-    <a:lvl8pPr lvl="7" marR="0" rtl="0" algn="l">
+    <a:lvl8pPr marR="0" lvl="7" algn="l" rtl="0">
       <a:lnSpc>
         <a:spcPct val="100000"/>
       </a:lnSpc>
@@ -238,7 +238,7 @@
         <a:srgbClr val="000000"/>
       </a:buClr>
       <a:buFont typeface="Arial"/>
-      <a:defRPr b="0" i="0" sz="1400" u="none" cap="none" strike="noStrike">
+      <a:defRPr sz="1400" b="0" i="0" u="none" strike="noStrike" cap="none">
         <a:solidFill>
           <a:srgbClr val="000000"/>
         </a:solidFill>
@@ -248,7 +248,7 @@
         <a:sym typeface="Arial"/>
       </a:defRPr>
     </a:lvl8pPr>
-    <a:lvl9pPr lvl="8" marR="0" rtl="0" algn="l">
+    <a:lvl9pPr marR="0" lvl="8" algn="l" rtl="0">
       <a:lnSpc>
         <a:spcPct val="100000"/>
       </a:lnSpc>
@@ -262,7 +262,7 @@
         <a:srgbClr val="000000"/>
       </a:buClr>
       <a:buFont typeface="Arial"/>
-      <a:defRPr b="0" i="0" sz="1400" u="none" cap="none" strike="noStrike">
+      <a:defRPr sz="1400" b="0" i="0" u="none" strike="noStrike" cap="none">
         <a:solidFill>
           <a:srgbClr val="000000"/>
         </a:solidFill>
@@ -275,7 +275,7 @@
   </p:defaultTextStyle>
   <p:extLst>
     <p:ext uri="{EFAFB233-063F-42B5-8137-9DF3F51BA10A}">
-      <p15:sldGuideLst>
+      <p15:sldGuideLst xmlns:p15="http://schemas.microsoft.com/office/powerpoint/2012/main">
         <p15:guide id="1" orient="horz" pos="1620">
           <p15:clr>
             <a:srgbClr val="A4A3A4"/>
@@ -293,11 +293,16 @@
 </file>
 
 <file path=ppt/notesMasters/notesMaster1.xml><?xml version="1.0" encoding="utf-8"?>
-<p:notesMaster xmlns:a="http://schemas.openxmlformats.org/drawingml/2006/main" xmlns:r="http://schemas.openxmlformats.org/officeDocument/2006/relationships" xmlns:mc="http://schemas.openxmlformats.org/markup-compatibility/2006" xmlns:mv="urn:schemas-microsoft-com:mac:vml" xmlns:p="http://schemas.openxmlformats.org/presentationml/2006/main" xmlns:c="http://schemas.openxmlformats.org/drawingml/2006/chart" xmlns:dgm="http://schemas.openxmlformats.org/drawingml/2006/diagram" xmlns:o="urn:schemas-microsoft-com:office:office" xmlns:v="urn:schemas-microsoft-com:vml" xmlns:pvml="urn:schemas-microsoft-com:office:powerpoint" xmlns:com="http://schemas.openxmlformats.org/drawingml/2006/compatibility" xmlns:p14="http://schemas.microsoft.com/office/powerpoint/2010/main" xmlns:p15="http://schemas.microsoft.com/office/powerpoint/2012/main" xmlns:ahyp="http://schemas.microsoft.com/office/drawing/2018/hyperlinkcolor">
+<p:notesMaster xmlns:a="http://schemas.openxmlformats.org/drawingml/2006/main" xmlns:r="http://schemas.openxmlformats.org/officeDocument/2006/relationships" xmlns:p="http://schemas.openxmlformats.org/presentationml/2006/main">
   <p:cSld>
+    <p:bg>
+      <p:bgRef idx="1001">
+        <a:schemeClr val="bg1"/>
+      </p:bgRef>
+    </p:bg>
     <p:spTree>
       <p:nvGrpSpPr>
-        <p:cNvPr id="2" name="Shape 2"/>
+        <p:cNvPr id="1" name="Shape 2"/>
         <p:cNvGrpSpPr/>
         <p:nvPr/>
       </p:nvGrpSpPr>
@@ -312,9 +317,11 @@
       <p:sp>
         <p:nvSpPr>
           <p:cNvPr id="3" name="Google Shape;3;n"/>
-          <p:cNvSpPr/>
+          <p:cNvSpPr>
+            <a:spLocks noGrp="1" noRot="1" noChangeAspect="1"/>
+          </p:cNvSpPr>
           <p:nvPr>
-            <p:ph idx="2" type="sldImg"/>
+            <p:ph type="sldImg" idx="2"/>
           </p:nvPr>
         </p:nvSpPr>
         <p:spPr>
@@ -323,9 +330,13 @@
             <a:ext cx="6096075" cy="3429000"/>
           </a:xfrm>
           <a:custGeom>
-            <a:rect b="b" l="l" r="r" t="t"/>
+            <a:avLst/>
+            <a:gdLst/>
+            <a:ahLst/>
+            <a:cxnLst/>
+            <a:rect l="l" t="t" r="r" b="b"/>
             <a:pathLst>
-              <a:path extrusionOk="0" h="120000" w="120000">
+              <a:path w="120000" h="120000" extrusionOk="0">
                 <a:moveTo>
                   <a:pt x="0" y="0"/>
                 </a:moveTo>
@@ -343,23 +354,25 @@
             </a:pathLst>
           </a:custGeom>
           <a:noFill/>
-          <a:ln cap="flat" cmpd="sng" w="9525">
+          <a:ln w="9525" cap="flat" cmpd="sng">
             <a:solidFill>
               <a:srgbClr val="000000"/>
             </a:solidFill>
             <a:prstDash val="solid"/>
             <a:round/>
-            <a:headEnd len="sm" w="sm" type="none"/>
-            <a:tailEnd len="sm" w="sm" type="none"/>
+            <a:headEnd type="none" w="sm" len="sm"/>
+            <a:tailEnd type="none" w="sm" len="sm"/>
           </a:ln>
         </p:spPr>
       </p:sp>
       <p:sp>
         <p:nvSpPr>
           <p:cNvPr id="4" name="Google Shape;4;n"/>
-          <p:cNvSpPr txBox="1"/>
+          <p:cNvSpPr txBox="1">
+            <a:spLocks noGrp="1"/>
+          </p:cNvSpPr>
           <p:nvPr>
-            <p:ph idx="1" type="body"/>
+            <p:ph type="body" idx="1"/>
           </p:nvPr>
         </p:nvSpPr>
         <p:spPr>
@@ -376,11 +389,11 @@
           </a:ln>
         </p:spPr>
         <p:txBody>
-          <a:bodyPr anchorCtr="0" anchor="t" bIns="91425" lIns="91425" spcFirstLastPara="1" rIns="91425" wrap="square" tIns="91425">
+          <a:bodyPr spcFirstLastPara="1" wrap="square" lIns="91425" tIns="91425" rIns="91425" bIns="91425" anchor="t" anchorCtr="0">
             <a:noAutofit/>
           </a:bodyPr>
           <a:lstStyle>
-            <a:lvl1pPr indent="-298450" lvl="0" marL="457200">
+            <a:lvl1pPr marL="457200" lvl="0" indent="-298450">
               <a:spcBef>
                 <a:spcPts val="0"/>
               </a:spcBef>
@@ -391,7 +404,7 @@
               <a:buChar char="●"/>
               <a:defRPr sz="1100"/>
             </a:lvl1pPr>
-            <a:lvl2pPr indent="-298450" lvl="1" marL="914400">
+            <a:lvl2pPr marL="914400" lvl="1" indent="-298450">
               <a:spcBef>
                 <a:spcPts val="0"/>
               </a:spcBef>
@@ -402,7 +415,7 @@
               <a:buChar char="○"/>
               <a:defRPr sz="1100"/>
             </a:lvl2pPr>
-            <a:lvl3pPr indent="-298450" lvl="2" marL="1371600">
+            <a:lvl3pPr marL="1371600" lvl="2" indent="-298450">
               <a:spcBef>
                 <a:spcPts val="0"/>
               </a:spcBef>
@@ -413,7 +426,7 @@
               <a:buChar char="■"/>
               <a:defRPr sz="1100"/>
             </a:lvl3pPr>
-            <a:lvl4pPr indent="-298450" lvl="3" marL="1828800">
+            <a:lvl4pPr marL="1828800" lvl="3" indent="-298450">
               <a:spcBef>
                 <a:spcPts val="0"/>
               </a:spcBef>
@@ -424,7 +437,7 @@
               <a:buChar char="●"/>
               <a:defRPr sz="1100"/>
             </a:lvl4pPr>
-            <a:lvl5pPr indent="-298450" lvl="4" marL="2286000">
+            <a:lvl5pPr marL="2286000" lvl="4" indent="-298450">
               <a:spcBef>
                 <a:spcPts val="0"/>
               </a:spcBef>
@@ -435,7 +448,7 @@
               <a:buChar char="○"/>
               <a:defRPr sz="1100"/>
             </a:lvl5pPr>
-            <a:lvl6pPr indent="-298450" lvl="5" marL="2743200">
+            <a:lvl6pPr marL="2743200" lvl="5" indent="-298450">
               <a:spcBef>
                 <a:spcPts val="0"/>
               </a:spcBef>
@@ -446,7 +459,7 @@
               <a:buChar char="■"/>
               <a:defRPr sz="1100"/>
             </a:lvl6pPr>
-            <a:lvl7pPr indent="-298450" lvl="6" marL="3200400">
+            <a:lvl7pPr marL="3200400" lvl="6" indent="-298450">
               <a:spcBef>
                 <a:spcPts val="0"/>
               </a:spcBef>
@@ -457,7 +470,7 @@
               <a:buChar char="●"/>
               <a:defRPr sz="1100"/>
             </a:lvl7pPr>
-            <a:lvl8pPr indent="-298450" lvl="7" marL="3657600">
+            <a:lvl8pPr marL="3657600" lvl="7" indent="-298450">
               <a:spcBef>
                 <a:spcPts val="0"/>
               </a:spcBef>
@@ -468,7 +481,7 @@
               <a:buChar char="○"/>
               <a:defRPr sz="1100"/>
             </a:lvl8pPr>
-            <a:lvl9pPr indent="-298450" lvl="8" marL="4114800">
+            <a:lvl9pPr marL="4114800" lvl="8" indent="-298450">
               <a:spcBef>
                 <a:spcPts val="0"/>
               </a:spcBef>
@@ -480,14 +493,16 @@
               <a:defRPr sz="1100"/>
             </a:lvl9pPr>
           </a:lstStyle>
-          <a:p/>
+          <a:p>
+            <a:endParaRPr/>
+          </a:p>
         </p:txBody>
       </p:sp>
     </p:spTree>
   </p:cSld>
-  <p:clrMap accent1="accent1" accent2="accent2" accent3="accent3" accent4="accent4" accent5="accent5" accent6="accent6" bg1="lt1" bg2="dk2" tx1="dk1" tx2="lt2" folHlink="folHlink" hlink="hlink"/>
+  <p:clrMap bg1="lt1" tx1="dk1" bg2="dk2" tx2="lt2" accent1="accent1" accent2="accent2" accent3="accent3" accent4="accent4" accent5="accent5" accent6="accent6" hlink="hlink" folHlink="folHlink"/>
   <p:notesStyle>
-    <a:defPPr lvl="0" marR="0" rtl="0" algn="l">
+    <a:defPPr marR="0" lvl="0" algn="l" rtl="0">
       <a:lnSpc>
         <a:spcPct val="100000"/>
       </a:lnSpc>
@@ -498,7 +513,7 @@
         <a:spcPts val="0"/>
       </a:spcAft>
     </a:defPPr>
-    <a:lvl1pPr lvl="0" marR="0" rtl="0" algn="l">
+    <a:lvl1pPr marR="0" lvl="0" algn="l" rtl="0">
       <a:lnSpc>
         <a:spcPct val="100000"/>
       </a:lnSpc>
@@ -512,7 +527,7 @@
         <a:srgbClr val="000000"/>
       </a:buClr>
       <a:buFont typeface="Arial"/>
-      <a:defRPr b="0" i="0" sz="1400" u="none" cap="none" strike="noStrike">
+      <a:defRPr sz="1400" b="0" i="0" u="none" strike="noStrike" cap="none">
         <a:solidFill>
           <a:srgbClr val="000000"/>
         </a:solidFill>
@@ -522,7 +537,7 @@
         <a:sym typeface="Arial"/>
       </a:defRPr>
     </a:lvl1pPr>
-    <a:lvl2pPr lvl="1" marR="0" rtl="0" algn="l">
+    <a:lvl2pPr marR="0" lvl="1" algn="l" rtl="0">
       <a:lnSpc>
         <a:spcPct val="100000"/>
       </a:lnSpc>
@@ -536,7 +551,7 @@
         <a:srgbClr val="000000"/>
       </a:buClr>
       <a:buFont typeface="Arial"/>
-      <a:defRPr b="0" i="0" sz="1400" u="none" cap="none" strike="noStrike">
+      <a:defRPr sz="1400" b="0" i="0" u="none" strike="noStrike" cap="none">
         <a:solidFill>
           <a:srgbClr val="000000"/>
         </a:solidFill>
@@ -546,7 +561,7 @@
         <a:sym typeface="Arial"/>
       </a:defRPr>
     </a:lvl2pPr>
-    <a:lvl3pPr lvl="2" marR="0" rtl="0" algn="l">
+    <a:lvl3pPr marR="0" lvl="2" algn="l" rtl="0">
       <a:lnSpc>
         <a:spcPct val="100000"/>
       </a:lnSpc>
@@ -560,7 +575,7 @@
         <a:srgbClr val="000000"/>
       </a:buClr>
       <a:buFont typeface="Arial"/>
-      <a:defRPr b="0" i="0" sz="1400" u="none" cap="none" strike="noStrike">
+      <a:defRPr sz="1400" b="0" i="0" u="none" strike="noStrike" cap="none">
         <a:solidFill>
           <a:srgbClr val="000000"/>
         </a:solidFill>
@@ -570,7 +585,7 @@
         <a:sym typeface="Arial"/>
       </a:defRPr>
     </a:lvl3pPr>
-    <a:lvl4pPr lvl="3" marR="0" rtl="0" algn="l">
+    <a:lvl4pPr marR="0" lvl="3" algn="l" rtl="0">
       <a:lnSpc>
         <a:spcPct val="100000"/>
       </a:lnSpc>
@@ -584,7 +599,7 @@
         <a:srgbClr val="000000"/>
       </a:buClr>
       <a:buFont typeface="Arial"/>
-      <a:defRPr b="0" i="0" sz="1400" u="none" cap="none" strike="noStrike">
+      <a:defRPr sz="1400" b="0" i="0" u="none" strike="noStrike" cap="none">
         <a:solidFill>
           <a:srgbClr val="000000"/>
         </a:solidFill>
@@ -594,7 +609,7 @@
         <a:sym typeface="Arial"/>
       </a:defRPr>
     </a:lvl4pPr>
-    <a:lvl5pPr lvl="4" marR="0" rtl="0" algn="l">
+    <a:lvl5pPr marR="0" lvl="4" algn="l" rtl="0">
       <a:lnSpc>
         <a:spcPct val="100000"/>
       </a:lnSpc>
@@ -608,7 +623,7 @@
         <a:srgbClr val="000000"/>
       </a:buClr>
       <a:buFont typeface="Arial"/>
-      <a:defRPr b="0" i="0" sz="1400" u="none" cap="none" strike="noStrike">
+      <a:defRPr sz="1400" b="0" i="0" u="none" strike="noStrike" cap="none">
         <a:solidFill>
           <a:srgbClr val="000000"/>
         </a:solidFill>
@@ -618,7 +633,7 @@
         <a:sym typeface="Arial"/>
       </a:defRPr>
     </a:lvl5pPr>
-    <a:lvl6pPr lvl="5" marR="0" rtl="0" algn="l">
+    <a:lvl6pPr marR="0" lvl="5" algn="l" rtl="0">
       <a:lnSpc>
         <a:spcPct val="100000"/>
       </a:lnSpc>
@@ -632,7 +647,7 @@
         <a:srgbClr val="000000"/>
       </a:buClr>
       <a:buFont typeface="Arial"/>
-      <a:defRPr b="0" i="0" sz="1400" u="none" cap="none" strike="noStrike">
+      <a:defRPr sz="1400" b="0" i="0" u="none" strike="noStrike" cap="none">
         <a:solidFill>
           <a:srgbClr val="000000"/>
         </a:solidFill>
@@ -642,7 +657,7 @@
         <a:sym typeface="Arial"/>
       </a:defRPr>
     </a:lvl6pPr>
-    <a:lvl7pPr lvl="6" marR="0" rtl="0" algn="l">
+    <a:lvl7pPr marR="0" lvl="6" algn="l" rtl="0">
       <a:lnSpc>
         <a:spcPct val="100000"/>
       </a:lnSpc>
@@ -656,7 +671,7 @@
         <a:srgbClr val="000000"/>
       </a:buClr>
       <a:buFont typeface="Arial"/>
-      <a:defRPr b="0" i="0" sz="1400" u="none" cap="none" strike="noStrike">
+      <a:defRPr sz="1400" b="0" i="0" u="none" strike="noStrike" cap="none">
         <a:solidFill>
           <a:srgbClr val="000000"/>
         </a:solidFill>
@@ -666,7 +681,7 @@
         <a:sym typeface="Arial"/>
       </a:defRPr>
     </a:lvl7pPr>
-    <a:lvl8pPr lvl="7" marR="0" rtl="0" algn="l">
+    <a:lvl8pPr marR="0" lvl="7" algn="l" rtl="0">
       <a:lnSpc>
         <a:spcPct val="100000"/>
       </a:lnSpc>
@@ -680,7 +695,7 @@
         <a:srgbClr val="000000"/>
       </a:buClr>
       <a:buFont typeface="Arial"/>
-      <a:defRPr b="0" i="0" sz="1400" u="none" cap="none" strike="noStrike">
+      <a:defRPr sz="1400" b="0" i="0" u="none" strike="noStrike" cap="none">
         <a:solidFill>
           <a:srgbClr val="000000"/>
         </a:solidFill>
@@ -690,7 +705,7 @@
         <a:sym typeface="Arial"/>
       </a:defRPr>
     </a:lvl8pPr>
-    <a:lvl9pPr lvl="8" marR="0" rtl="0" algn="l">
+    <a:lvl9pPr marR="0" lvl="8" algn="l" rtl="0">
       <a:lnSpc>
         <a:spcPct val="100000"/>
       </a:lnSpc>
@@ -704,7 +719,7 @@
         <a:srgbClr val="000000"/>
       </a:buClr>
       <a:buFont typeface="Arial"/>
-      <a:defRPr b="0" i="0" sz="1400" u="none" cap="none" strike="noStrike">
+      <a:defRPr sz="1400" b="0" i="0" u="none" strike="noStrike" cap="none">
         <a:solidFill>
           <a:srgbClr val="000000"/>
         </a:solidFill>
@@ -719,11 +734,11 @@
 </file>
 
 <file path=ppt/notesSlides/notesSlide1.xml><?xml version="1.0" encoding="utf-8"?>
-<p:notes xmlns:a="http://schemas.openxmlformats.org/drawingml/2006/main" xmlns:r="http://schemas.openxmlformats.org/officeDocument/2006/relationships" xmlns:mc="http://schemas.openxmlformats.org/markup-compatibility/2006" xmlns:mv="urn:schemas-microsoft-com:mac:vml" xmlns:p="http://schemas.openxmlformats.org/presentationml/2006/main" xmlns:c="http://schemas.openxmlformats.org/drawingml/2006/chart" xmlns:dgm="http://schemas.openxmlformats.org/drawingml/2006/diagram" xmlns:o="urn:schemas-microsoft-com:office:office" xmlns:v="urn:schemas-microsoft-com:vml" xmlns:pvml="urn:schemas-microsoft-com:office:powerpoint" xmlns:com="http://schemas.openxmlformats.org/drawingml/2006/compatibility" xmlns:p14="http://schemas.microsoft.com/office/powerpoint/2010/main" xmlns:p15="http://schemas.microsoft.com/office/powerpoint/2012/main" xmlns:ahyp="http://schemas.microsoft.com/office/drawing/2018/hyperlinkcolor" showMasterPhAnim="0" showMasterSp="0">
+<p:notes xmlns:a="http://schemas.openxmlformats.org/drawingml/2006/main" xmlns:r="http://schemas.openxmlformats.org/officeDocument/2006/relationships" xmlns:p="http://schemas.openxmlformats.org/presentationml/2006/main" showMasterSp="0" showMasterPhAnim="0">
   <p:cSld>
     <p:spTree>
       <p:nvGrpSpPr>
-        <p:cNvPr id="82" name="Shape 82"/>
+        <p:cNvPr id="1" name="Shape 82"/>
         <p:cNvGrpSpPr/>
         <p:nvPr/>
       </p:nvGrpSpPr>
@@ -738,20 +753,26 @@
       <p:sp>
         <p:nvSpPr>
           <p:cNvPr id="83" name="Google Shape;83;p:notes"/>
-          <p:cNvSpPr/>
+          <p:cNvSpPr>
+            <a:spLocks noGrp="1" noRot="1" noChangeAspect="1"/>
+          </p:cNvSpPr>
           <p:nvPr>
-            <p:ph idx="2" type="sldImg"/>
+            <p:ph type="sldImg" idx="2"/>
           </p:nvPr>
         </p:nvSpPr>
         <p:spPr>
           <a:xfrm>
-            <a:off x="381300" y="685800"/>
-            <a:ext cx="6096075" cy="3429000"/>
+            <a:off x="381000" y="685800"/>
+            <a:ext cx="6096000" cy="3429000"/>
           </a:xfrm>
           <a:custGeom>
-            <a:rect b="b" l="l" r="r" t="t"/>
+            <a:avLst/>
+            <a:gdLst/>
+            <a:ahLst/>
+            <a:cxnLst/>
+            <a:rect l="l" t="t" r="r" b="b"/>
             <a:pathLst>
-              <a:path extrusionOk="0" h="120000" w="120000">
+              <a:path w="120000" h="120000" extrusionOk="0">
                 <a:moveTo>
                   <a:pt x="0" y="0"/>
                 </a:moveTo>
@@ -773,9 +794,11 @@
       <p:sp>
         <p:nvSpPr>
           <p:cNvPr id="84" name="Google Shape;84;p:notes"/>
-          <p:cNvSpPr txBox="1"/>
+          <p:cNvSpPr txBox="1">
+            <a:spLocks noGrp="1"/>
+          </p:cNvSpPr>
           <p:nvPr>
-            <p:ph idx="1" type="body"/>
+            <p:ph type="body" idx="1"/>
           </p:nvPr>
         </p:nvSpPr>
         <p:spPr>
@@ -788,12 +811,12 @@
           </a:prstGeom>
         </p:spPr>
         <p:txBody>
-          <a:bodyPr anchorCtr="0" anchor="t" bIns="91425" lIns="91425" spcFirstLastPara="1" rIns="91425" wrap="square" tIns="91425">
+          <a:bodyPr spcFirstLastPara="1" wrap="square" lIns="91425" tIns="91425" rIns="91425" bIns="91425" anchor="t" anchorCtr="0">
             <a:noAutofit/>
           </a:bodyPr>
           <a:lstStyle/>
           <a:p>
-            <a:pPr indent="0" lvl="0" marL="0" rtl="0" algn="l">
+            <a:pPr marL="0" lvl="0" indent="0" algn="l" rtl="0">
               <a:spcBef>
                 <a:spcPts val="0"/>
               </a:spcBef>
@@ -802,9 +825,6 @@
               </a:spcAft>
               <a:buNone/>
             </a:pPr>
-            <a:r>
-              <a:t/>
-            </a:r>
             <a:endParaRPr/>
           </a:p>
         </p:txBody>
@@ -818,11 +838,11 @@
 </file>
 
 <file path=ppt/notesSlides/notesSlide10.xml><?xml version="1.0" encoding="utf-8"?>
-<p:notes xmlns:a="http://schemas.openxmlformats.org/drawingml/2006/main" xmlns:r="http://schemas.openxmlformats.org/officeDocument/2006/relationships" xmlns:mc="http://schemas.openxmlformats.org/markup-compatibility/2006" xmlns:mv="urn:schemas-microsoft-com:mac:vml" xmlns:p="http://schemas.openxmlformats.org/presentationml/2006/main" xmlns:c="http://schemas.openxmlformats.org/drawingml/2006/chart" xmlns:dgm="http://schemas.openxmlformats.org/drawingml/2006/diagram" xmlns:o="urn:schemas-microsoft-com:office:office" xmlns:v="urn:schemas-microsoft-com:vml" xmlns:pvml="urn:schemas-microsoft-com:office:powerpoint" xmlns:com="http://schemas.openxmlformats.org/drawingml/2006/compatibility" xmlns:p14="http://schemas.microsoft.com/office/powerpoint/2010/main" xmlns:p15="http://schemas.microsoft.com/office/powerpoint/2012/main" xmlns:ahyp="http://schemas.microsoft.com/office/drawing/2018/hyperlinkcolor" showMasterPhAnim="0" showMasterSp="0">
+<p:notes xmlns:a="http://schemas.openxmlformats.org/drawingml/2006/main" xmlns:r="http://schemas.openxmlformats.org/officeDocument/2006/relationships" xmlns:p="http://schemas.openxmlformats.org/presentationml/2006/main" showMasterSp="0" showMasterPhAnim="0">
   <p:cSld>
     <p:spTree>
       <p:nvGrpSpPr>
-        <p:cNvPr id="156" name="Shape 156"/>
+        <p:cNvPr id="1" name="Shape 156"/>
         <p:cNvGrpSpPr/>
         <p:nvPr/>
       </p:nvGrpSpPr>
@@ -837,20 +857,26 @@
       <p:sp>
         <p:nvSpPr>
           <p:cNvPr id="157" name="Google Shape;157;gb340320453_0_492:notes"/>
-          <p:cNvSpPr/>
+          <p:cNvSpPr>
+            <a:spLocks noGrp="1" noRot="1" noChangeAspect="1"/>
+          </p:cNvSpPr>
           <p:nvPr>
-            <p:ph idx="2" type="sldImg"/>
+            <p:ph type="sldImg" idx="2"/>
           </p:nvPr>
         </p:nvSpPr>
         <p:spPr>
           <a:xfrm>
-            <a:off x="381300" y="685800"/>
+            <a:off x="381000" y="685800"/>
             <a:ext cx="6096000" cy="3429000"/>
           </a:xfrm>
           <a:custGeom>
-            <a:rect b="b" l="l" r="r" t="t"/>
+            <a:avLst/>
+            <a:gdLst/>
+            <a:ahLst/>
+            <a:cxnLst/>
+            <a:rect l="l" t="t" r="r" b="b"/>
             <a:pathLst>
-              <a:path extrusionOk="0" h="120000" w="120000">
+              <a:path w="120000" h="120000" extrusionOk="0">
                 <a:moveTo>
                   <a:pt x="0" y="0"/>
                 </a:moveTo>
@@ -872,9 +898,11 @@
       <p:sp>
         <p:nvSpPr>
           <p:cNvPr id="158" name="Google Shape;158;gb340320453_0_492:notes"/>
-          <p:cNvSpPr txBox="1"/>
+          <p:cNvSpPr txBox="1">
+            <a:spLocks noGrp="1"/>
+          </p:cNvSpPr>
           <p:nvPr>
-            <p:ph idx="1" type="body"/>
+            <p:ph type="body" idx="1"/>
           </p:nvPr>
         </p:nvSpPr>
         <p:spPr>
@@ -887,12 +915,12 @@
           </a:prstGeom>
         </p:spPr>
         <p:txBody>
-          <a:bodyPr anchorCtr="0" anchor="t" bIns="91425" lIns="91425" spcFirstLastPara="1" rIns="91425" wrap="square" tIns="91425">
+          <a:bodyPr spcFirstLastPara="1" wrap="square" lIns="91425" tIns="91425" rIns="91425" bIns="91425" anchor="t" anchorCtr="0">
             <a:noAutofit/>
           </a:bodyPr>
           <a:lstStyle/>
           <a:p>
-            <a:pPr indent="0" lvl="0" marL="0" rtl="0" algn="l">
+            <a:pPr marL="0" lvl="0" indent="0" algn="l" rtl="0">
               <a:spcBef>
                 <a:spcPts val="0"/>
               </a:spcBef>
@@ -901,9 +929,6 @@
               </a:spcAft>
               <a:buNone/>
             </a:pPr>
-            <a:r>
-              <a:t/>
-            </a:r>
             <a:endParaRPr/>
           </a:p>
         </p:txBody>
@@ -917,11 +942,11 @@
 </file>
 
 <file path=ppt/notesSlides/notesSlide2.xml><?xml version="1.0" encoding="utf-8"?>
-<p:notes xmlns:a="http://schemas.openxmlformats.org/drawingml/2006/main" xmlns:r="http://schemas.openxmlformats.org/officeDocument/2006/relationships" xmlns:mc="http://schemas.openxmlformats.org/markup-compatibility/2006" xmlns:mv="urn:schemas-microsoft-com:mac:vml" xmlns:p="http://schemas.openxmlformats.org/presentationml/2006/main" xmlns:c="http://schemas.openxmlformats.org/drawingml/2006/chart" xmlns:dgm="http://schemas.openxmlformats.org/drawingml/2006/diagram" xmlns:o="urn:schemas-microsoft-com:office:office" xmlns:v="urn:schemas-microsoft-com:vml" xmlns:pvml="urn:schemas-microsoft-com:office:powerpoint" xmlns:com="http://schemas.openxmlformats.org/drawingml/2006/compatibility" xmlns:p14="http://schemas.microsoft.com/office/powerpoint/2010/main" xmlns:p15="http://schemas.microsoft.com/office/powerpoint/2012/main" xmlns:ahyp="http://schemas.microsoft.com/office/drawing/2018/hyperlinkcolor" showMasterPhAnim="0" showMasterSp="0">
+<p:notes xmlns:a="http://schemas.openxmlformats.org/drawingml/2006/main" xmlns:r="http://schemas.openxmlformats.org/officeDocument/2006/relationships" xmlns:p="http://schemas.openxmlformats.org/presentationml/2006/main" showMasterSp="0" showMasterPhAnim="0">
   <p:cSld>
     <p:spTree>
       <p:nvGrpSpPr>
-        <p:cNvPr id="88" name="Shape 88"/>
+        <p:cNvPr id="1" name="Shape 88"/>
         <p:cNvGrpSpPr/>
         <p:nvPr/>
       </p:nvGrpSpPr>
@@ -936,20 +961,26 @@
       <p:sp>
         <p:nvSpPr>
           <p:cNvPr id="89" name="Google Shape;89;gb340320453_0_77:notes"/>
-          <p:cNvSpPr/>
+          <p:cNvSpPr>
+            <a:spLocks noGrp="1" noRot="1" noChangeAspect="1"/>
+          </p:cNvSpPr>
           <p:nvPr>
-            <p:ph idx="2" type="sldImg"/>
+            <p:ph type="sldImg" idx="2"/>
           </p:nvPr>
         </p:nvSpPr>
         <p:spPr>
           <a:xfrm>
-            <a:off x="381300" y="685800"/>
+            <a:off x="381000" y="685800"/>
             <a:ext cx="6096000" cy="3429000"/>
           </a:xfrm>
           <a:custGeom>
-            <a:rect b="b" l="l" r="r" t="t"/>
+            <a:avLst/>
+            <a:gdLst/>
+            <a:ahLst/>
+            <a:cxnLst/>
+            <a:rect l="l" t="t" r="r" b="b"/>
             <a:pathLst>
-              <a:path extrusionOk="0" h="120000" w="120000">
+              <a:path w="120000" h="120000" extrusionOk="0">
                 <a:moveTo>
                   <a:pt x="0" y="0"/>
                 </a:moveTo>
@@ -971,9 +1002,11 @@
       <p:sp>
         <p:nvSpPr>
           <p:cNvPr id="90" name="Google Shape;90;gb340320453_0_77:notes"/>
-          <p:cNvSpPr txBox="1"/>
+          <p:cNvSpPr txBox="1">
+            <a:spLocks noGrp="1"/>
+          </p:cNvSpPr>
           <p:nvPr>
-            <p:ph idx="1" type="body"/>
+            <p:ph type="body" idx="1"/>
           </p:nvPr>
         </p:nvSpPr>
         <p:spPr>
@@ -986,12 +1019,12 @@
           </a:prstGeom>
         </p:spPr>
         <p:txBody>
-          <a:bodyPr anchorCtr="0" anchor="t" bIns="91425" lIns="91425" spcFirstLastPara="1" rIns="91425" wrap="square" tIns="91425">
+          <a:bodyPr spcFirstLastPara="1" wrap="square" lIns="91425" tIns="91425" rIns="91425" bIns="91425" anchor="t" anchorCtr="0">
             <a:noAutofit/>
           </a:bodyPr>
           <a:lstStyle/>
           <a:p>
-            <a:pPr indent="0" lvl="0" marL="0" rtl="0" algn="l">
+            <a:pPr marL="0" lvl="0" indent="0" algn="l" rtl="0">
               <a:spcBef>
                 <a:spcPts val="0"/>
               </a:spcBef>
@@ -1000,9 +1033,6 @@
               </a:spcAft>
               <a:buNone/>
             </a:pPr>
-            <a:r>
-              <a:t/>
-            </a:r>
             <a:endParaRPr/>
           </a:p>
         </p:txBody>
@@ -1016,11 +1046,11 @@
 </file>
 
 <file path=ppt/notesSlides/notesSlide3.xml><?xml version="1.0" encoding="utf-8"?>
-<p:notes xmlns:a="http://schemas.openxmlformats.org/drawingml/2006/main" xmlns:r="http://schemas.openxmlformats.org/officeDocument/2006/relationships" xmlns:mc="http://schemas.openxmlformats.org/markup-compatibility/2006" xmlns:mv="urn:schemas-microsoft-com:mac:vml" xmlns:p="http://schemas.openxmlformats.org/presentationml/2006/main" xmlns:c="http://schemas.openxmlformats.org/drawingml/2006/chart" xmlns:dgm="http://schemas.openxmlformats.org/drawingml/2006/diagram" xmlns:o="urn:schemas-microsoft-com:office:office" xmlns:v="urn:schemas-microsoft-com:vml" xmlns:pvml="urn:schemas-microsoft-com:office:powerpoint" xmlns:com="http://schemas.openxmlformats.org/drawingml/2006/compatibility" xmlns:p14="http://schemas.microsoft.com/office/powerpoint/2010/main" xmlns:p15="http://schemas.microsoft.com/office/powerpoint/2012/main" xmlns:ahyp="http://schemas.microsoft.com/office/drawing/2018/hyperlinkcolor" showMasterPhAnim="0" showMasterSp="0">
+<p:notes xmlns:a="http://schemas.openxmlformats.org/drawingml/2006/main" xmlns:r="http://schemas.openxmlformats.org/officeDocument/2006/relationships" xmlns:p="http://schemas.openxmlformats.org/presentationml/2006/main" showMasterSp="0" showMasterPhAnim="0">
   <p:cSld>
     <p:spTree>
       <p:nvGrpSpPr>
-        <p:cNvPr id="94" name="Shape 94"/>
+        <p:cNvPr id="1" name="Shape 94"/>
         <p:cNvGrpSpPr/>
         <p:nvPr/>
       </p:nvGrpSpPr>
@@ -1035,20 +1065,26 @@
       <p:sp>
         <p:nvSpPr>
           <p:cNvPr id="95" name="Google Shape;95;gb340320453_0_82:notes"/>
-          <p:cNvSpPr/>
+          <p:cNvSpPr>
+            <a:spLocks noGrp="1" noRot="1" noChangeAspect="1"/>
+          </p:cNvSpPr>
           <p:nvPr>
-            <p:ph idx="2" type="sldImg"/>
+            <p:ph type="sldImg" idx="2"/>
           </p:nvPr>
         </p:nvSpPr>
         <p:spPr>
           <a:xfrm>
-            <a:off x="381300" y="685800"/>
+            <a:off x="381000" y="685800"/>
             <a:ext cx="6096000" cy="3429000"/>
           </a:xfrm>
           <a:custGeom>
-            <a:rect b="b" l="l" r="r" t="t"/>
+            <a:avLst/>
+            <a:gdLst/>
+            <a:ahLst/>
+            <a:cxnLst/>
+            <a:rect l="l" t="t" r="r" b="b"/>
             <a:pathLst>
-              <a:path extrusionOk="0" h="120000" w="120000">
+              <a:path w="120000" h="120000" extrusionOk="0">
                 <a:moveTo>
                   <a:pt x="0" y="0"/>
                 </a:moveTo>
@@ -1070,9 +1106,11 @@
       <p:sp>
         <p:nvSpPr>
           <p:cNvPr id="96" name="Google Shape;96;gb340320453_0_82:notes"/>
-          <p:cNvSpPr txBox="1"/>
+          <p:cNvSpPr txBox="1">
+            <a:spLocks noGrp="1"/>
+          </p:cNvSpPr>
           <p:nvPr>
-            <p:ph idx="1" type="body"/>
+            <p:ph type="body" idx="1"/>
           </p:nvPr>
         </p:nvSpPr>
         <p:spPr>
@@ -1085,12 +1123,12 @@
           </a:prstGeom>
         </p:spPr>
         <p:txBody>
-          <a:bodyPr anchorCtr="0" anchor="t" bIns="91425" lIns="91425" spcFirstLastPara="1" rIns="91425" wrap="square" tIns="91425">
+          <a:bodyPr spcFirstLastPara="1" wrap="square" lIns="91425" tIns="91425" rIns="91425" bIns="91425" anchor="t" anchorCtr="0">
             <a:noAutofit/>
           </a:bodyPr>
           <a:lstStyle/>
           <a:p>
-            <a:pPr indent="0" lvl="0" marL="0" rtl="0" algn="l">
+            <a:pPr marL="0" lvl="0" indent="0" algn="l" rtl="0">
               <a:spcBef>
                 <a:spcPts val="0"/>
               </a:spcBef>
@@ -1099,9 +1137,6 @@
               </a:spcAft>
               <a:buNone/>
             </a:pPr>
-            <a:r>
-              <a:t/>
-            </a:r>
             <a:endParaRPr/>
           </a:p>
         </p:txBody>
@@ -1115,11 +1150,11 @@
 </file>
 
 <file path=ppt/notesSlides/notesSlide4.xml><?xml version="1.0" encoding="utf-8"?>
-<p:notes xmlns:a="http://schemas.openxmlformats.org/drawingml/2006/main" xmlns:r="http://schemas.openxmlformats.org/officeDocument/2006/relationships" xmlns:mc="http://schemas.openxmlformats.org/markup-compatibility/2006" xmlns:mv="urn:schemas-microsoft-com:mac:vml" xmlns:p="http://schemas.openxmlformats.org/presentationml/2006/main" xmlns:c="http://schemas.openxmlformats.org/drawingml/2006/chart" xmlns:dgm="http://schemas.openxmlformats.org/drawingml/2006/diagram" xmlns:o="urn:schemas-microsoft-com:office:office" xmlns:v="urn:schemas-microsoft-com:vml" xmlns:pvml="urn:schemas-microsoft-com:office:powerpoint" xmlns:com="http://schemas.openxmlformats.org/drawingml/2006/compatibility" xmlns:p14="http://schemas.microsoft.com/office/powerpoint/2010/main" xmlns:p15="http://schemas.microsoft.com/office/powerpoint/2012/main" xmlns:ahyp="http://schemas.microsoft.com/office/drawing/2018/hyperlinkcolor" showMasterPhAnim="0" showMasterSp="0">
+<p:notes xmlns:a="http://schemas.openxmlformats.org/drawingml/2006/main" xmlns:r="http://schemas.openxmlformats.org/officeDocument/2006/relationships" xmlns:p="http://schemas.openxmlformats.org/presentationml/2006/main" showMasterSp="0" showMasterPhAnim="0">
   <p:cSld>
     <p:spTree>
       <p:nvGrpSpPr>
-        <p:cNvPr id="100" name="Shape 100"/>
+        <p:cNvPr id="1" name="Shape 100"/>
         <p:cNvGrpSpPr/>
         <p:nvPr/>
       </p:nvGrpSpPr>
@@ -1134,20 +1169,26 @@
       <p:sp>
         <p:nvSpPr>
           <p:cNvPr id="101" name="Google Shape;101;gb340320453_0_90:notes"/>
-          <p:cNvSpPr/>
+          <p:cNvSpPr>
+            <a:spLocks noGrp="1" noRot="1" noChangeAspect="1"/>
+          </p:cNvSpPr>
           <p:nvPr>
-            <p:ph idx="2" type="sldImg"/>
+            <p:ph type="sldImg" idx="2"/>
           </p:nvPr>
         </p:nvSpPr>
         <p:spPr>
           <a:xfrm>
-            <a:off x="381300" y="685800"/>
+            <a:off x="381000" y="685800"/>
             <a:ext cx="6096000" cy="3429000"/>
           </a:xfrm>
           <a:custGeom>
-            <a:rect b="b" l="l" r="r" t="t"/>
+            <a:avLst/>
+            <a:gdLst/>
+            <a:ahLst/>
+            <a:cxnLst/>
+            <a:rect l="l" t="t" r="r" b="b"/>
             <a:pathLst>
-              <a:path extrusionOk="0" h="120000" w="120000">
+              <a:path w="120000" h="120000" extrusionOk="0">
                 <a:moveTo>
                   <a:pt x="0" y="0"/>
                 </a:moveTo>
@@ -1169,9 +1210,11 @@
       <p:sp>
         <p:nvSpPr>
           <p:cNvPr id="102" name="Google Shape;102;gb340320453_0_90:notes"/>
-          <p:cNvSpPr txBox="1"/>
+          <p:cNvSpPr txBox="1">
+            <a:spLocks noGrp="1"/>
+          </p:cNvSpPr>
           <p:nvPr>
-            <p:ph idx="1" type="body"/>
+            <p:ph type="body" idx="1"/>
           </p:nvPr>
         </p:nvSpPr>
         <p:spPr>
@@ -1184,12 +1227,12 @@
           </a:prstGeom>
         </p:spPr>
         <p:txBody>
-          <a:bodyPr anchorCtr="0" anchor="t" bIns="91425" lIns="91425" spcFirstLastPara="1" rIns="91425" wrap="square" tIns="91425">
+          <a:bodyPr spcFirstLastPara="1" wrap="square" lIns="91425" tIns="91425" rIns="91425" bIns="91425" anchor="t" anchorCtr="0">
             <a:noAutofit/>
           </a:bodyPr>
           <a:lstStyle/>
           <a:p>
-            <a:pPr indent="0" lvl="0" marL="0" rtl="0" algn="l">
+            <a:pPr marL="0" lvl="0" indent="0" algn="l" rtl="0">
               <a:spcBef>
                 <a:spcPts val="0"/>
               </a:spcBef>
@@ -1198,9 +1241,6 @@
               </a:spcAft>
               <a:buNone/>
             </a:pPr>
-            <a:r>
-              <a:t/>
-            </a:r>
             <a:endParaRPr/>
           </a:p>
         </p:txBody>
@@ -1214,11 +1254,11 @@
 </file>
 
 <file path=ppt/notesSlides/notesSlide5.xml><?xml version="1.0" encoding="utf-8"?>
-<p:notes xmlns:a="http://schemas.openxmlformats.org/drawingml/2006/main" xmlns:r="http://schemas.openxmlformats.org/officeDocument/2006/relationships" xmlns:mc="http://schemas.openxmlformats.org/markup-compatibility/2006" xmlns:mv="urn:schemas-microsoft-com:mac:vml" xmlns:p="http://schemas.openxmlformats.org/presentationml/2006/main" xmlns:c="http://schemas.openxmlformats.org/drawingml/2006/chart" xmlns:dgm="http://schemas.openxmlformats.org/drawingml/2006/diagram" xmlns:o="urn:schemas-microsoft-com:office:office" xmlns:v="urn:schemas-microsoft-com:vml" xmlns:pvml="urn:schemas-microsoft-com:office:powerpoint" xmlns:com="http://schemas.openxmlformats.org/drawingml/2006/compatibility" xmlns:p14="http://schemas.microsoft.com/office/powerpoint/2010/main" xmlns:p15="http://schemas.microsoft.com/office/powerpoint/2012/main" xmlns:ahyp="http://schemas.microsoft.com/office/drawing/2018/hyperlinkcolor" showMasterPhAnim="0" showMasterSp="0">
+<p:notes xmlns:a="http://schemas.openxmlformats.org/drawingml/2006/main" xmlns:r="http://schemas.openxmlformats.org/officeDocument/2006/relationships" xmlns:p="http://schemas.openxmlformats.org/presentationml/2006/main" showMasterSp="0" showMasterPhAnim="0">
   <p:cSld>
     <p:spTree>
       <p:nvGrpSpPr>
-        <p:cNvPr id="106" name="Shape 106"/>
+        <p:cNvPr id="1" name="Shape 106"/>
         <p:cNvGrpSpPr/>
         <p:nvPr/>
       </p:nvGrpSpPr>
@@ -1233,20 +1273,26 @@
       <p:sp>
         <p:nvSpPr>
           <p:cNvPr id="107" name="Google Shape;107;gb340320453_0_444:notes"/>
-          <p:cNvSpPr/>
+          <p:cNvSpPr>
+            <a:spLocks noGrp="1" noRot="1" noChangeAspect="1"/>
+          </p:cNvSpPr>
           <p:nvPr>
-            <p:ph idx="2" type="sldImg"/>
+            <p:ph type="sldImg" idx="2"/>
           </p:nvPr>
         </p:nvSpPr>
         <p:spPr>
           <a:xfrm>
-            <a:off x="381300" y="685800"/>
+            <a:off x="381000" y="685800"/>
             <a:ext cx="6096000" cy="3429000"/>
           </a:xfrm>
           <a:custGeom>
-            <a:rect b="b" l="l" r="r" t="t"/>
+            <a:avLst/>
+            <a:gdLst/>
+            <a:ahLst/>
+            <a:cxnLst/>
+            <a:rect l="l" t="t" r="r" b="b"/>
             <a:pathLst>
-              <a:path extrusionOk="0" h="120000" w="120000">
+              <a:path w="120000" h="120000" extrusionOk="0">
                 <a:moveTo>
                   <a:pt x="0" y="0"/>
                 </a:moveTo>
@@ -1268,9 +1314,11 @@
       <p:sp>
         <p:nvSpPr>
           <p:cNvPr id="108" name="Google Shape;108;gb340320453_0_444:notes"/>
-          <p:cNvSpPr txBox="1"/>
+          <p:cNvSpPr txBox="1">
+            <a:spLocks noGrp="1"/>
+          </p:cNvSpPr>
           <p:nvPr>
-            <p:ph idx="1" type="body"/>
+            <p:ph type="body" idx="1"/>
           </p:nvPr>
         </p:nvSpPr>
         <p:spPr>
@@ -1283,12 +1331,12 @@
           </a:prstGeom>
         </p:spPr>
         <p:txBody>
-          <a:bodyPr anchorCtr="0" anchor="t" bIns="91425" lIns="91425" spcFirstLastPara="1" rIns="91425" wrap="square" tIns="91425">
+          <a:bodyPr spcFirstLastPara="1" wrap="square" lIns="91425" tIns="91425" rIns="91425" bIns="91425" anchor="t" anchorCtr="0">
             <a:noAutofit/>
           </a:bodyPr>
           <a:lstStyle/>
           <a:p>
-            <a:pPr indent="0" lvl="0" marL="0" rtl="0" algn="l">
+            <a:pPr marL="0" lvl="0" indent="0" algn="l" rtl="0">
               <a:spcBef>
                 <a:spcPts val="0"/>
               </a:spcBef>
@@ -1297,9 +1345,6 @@
               </a:spcAft>
               <a:buNone/>
             </a:pPr>
-            <a:r>
-              <a:t/>
-            </a:r>
             <a:endParaRPr/>
           </a:p>
         </p:txBody>
@@ -1313,11 +1358,11 @@
 </file>
 
 <file path=ppt/notesSlides/notesSlide6.xml><?xml version="1.0" encoding="utf-8"?>
-<p:notes xmlns:a="http://schemas.openxmlformats.org/drawingml/2006/main" xmlns:r="http://schemas.openxmlformats.org/officeDocument/2006/relationships" xmlns:mc="http://schemas.openxmlformats.org/markup-compatibility/2006" xmlns:mv="urn:schemas-microsoft-com:mac:vml" xmlns:p="http://schemas.openxmlformats.org/presentationml/2006/main" xmlns:c="http://schemas.openxmlformats.org/drawingml/2006/chart" xmlns:dgm="http://schemas.openxmlformats.org/drawingml/2006/diagram" xmlns:o="urn:schemas-microsoft-com:office:office" xmlns:v="urn:schemas-microsoft-com:vml" xmlns:pvml="urn:schemas-microsoft-com:office:powerpoint" xmlns:com="http://schemas.openxmlformats.org/drawingml/2006/compatibility" xmlns:p14="http://schemas.microsoft.com/office/powerpoint/2010/main" xmlns:p15="http://schemas.microsoft.com/office/powerpoint/2012/main" xmlns:ahyp="http://schemas.microsoft.com/office/drawing/2018/hyperlinkcolor" showMasterPhAnim="0" showMasterSp="0">
+<p:notes xmlns:a="http://schemas.openxmlformats.org/drawingml/2006/main" xmlns:r="http://schemas.openxmlformats.org/officeDocument/2006/relationships" xmlns:p="http://schemas.openxmlformats.org/presentationml/2006/main" showMasterSp="0" showMasterPhAnim="0">
   <p:cSld>
     <p:spTree>
       <p:nvGrpSpPr>
-        <p:cNvPr id="131" name="Shape 131"/>
+        <p:cNvPr id="1" name="Shape 131"/>
         <p:cNvGrpSpPr/>
         <p:nvPr/>
       </p:nvGrpSpPr>
@@ -1332,20 +1377,26 @@
       <p:sp>
         <p:nvSpPr>
           <p:cNvPr id="132" name="Google Shape;132;gb340320453_0_480:notes"/>
-          <p:cNvSpPr/>
+          <p:cNvSpPr>
+            <a:spLocks noGrp="1" noRot="1" noChangeAspect="1"/>
+          </p:cNvSpPr>
           <p:nvPr>
-            <p:ph idx="2" type="sldImg"/>
+            <p:ph type="sldImg" idx="2"/>
           </p:nvPr>
         </p:nvSpPr>
         <p:spPr>
           <a:xfrm>
-            <a:off x="381300" y="685800"/>
+            <a:off x="381000" y="685800"/>
             <a:ext cx="6096000" cy="3429000"/>
           </a:xfrm>
           <a:custGeom>
-            <a:rect b="b" l="l" r="r" t="t"/>
+            <a:avLst/>
+            <a:gdLst/>
+            <a:ahLst/>
+            <a:cxnLst/>
+            <a:rect l="l" t="t" r="r" b="b"/>
             <a:pathLst>
-              <a:path extrusionOk="0" h="120000" w="120000">
+              <a:path w="120000" h="120000" extrusionOk="0">
                 <a:moveTo>
                   <a:pt x="0" y="0"/>
                 </a:moveTo>
@@ -1367,9 +1418,11 @@
       <p:sp>
         <p:nvSpPr>
           <p:cNvPr id="133" name="Google Shape;133;gb340320453_0_480:notes"/>
-          <p:cNvSpPr txBox="1"/>
+          <p:cNvSpPr txBox="1">
+            <a:spLocks noGrp="1"/>
+          </p:cNvSpPr>
           <p:nvPr>
-            <p:ph idx="1" type="body"/>
+            <p:ph type="body" idx="1"/>
           </p:nvPr>
         </p:nvSpPr>
         <p:spPr>
@@ -1382,12 +1435,12 @@
           </a:prstGeom>
         </p:spPr>
         <p:txBody>
-          <a:bodyPr anchorCtr="0" anchor="t" bIns="91425" lIns="91425" spcFirstLastPara="1" rIns="91425" wrap="square" tIns="91425">
+          <a:bodyPr spcFirstLastPara="1" wrap="square" lIns="91425" tIns="91425" rIns="91425" bIns="91425" anchor="t" anchorCtr="0">
             <a:noAutofit/>
           </a:bodyPr>
           <a:lstStyle/>
           <a:p>
-            <a:pPr indent="0" lvl="0" marL="0" rtl="0" algn="l">
+            <a:pPr marL="0" lvl="0" indent="0" algn="l" rtl="0">
               <a:spcBef>
                 <a:spcPts val="0"/>
               </a:spcBef>
@@ -1396,9 +1449,6 @@
               </a:spcAft>
               <a:buNone/>
             </a:pPr>
-            <a:r>
-              <a:t/>
-            </a:r>
             <a:endParaRPr/>
           </a:p>
         </p:txBody>
@@ -1412,11 +1462,11 @@
 </file>
 
 <file path=ppt/notesSlides/notesSlide7.xml><?xml version="1.0" encoding="utf-8"?>
-<p:notes xmlns:a="http://schemas.openxmlformats.org/drawingml/2006/main" xmlns:r="http://schemas.openxmlformats.org/officeDocument/2006/relationships" xmlns:mc="http://schemas.openxmlformats.org/markup-compatibility/2006" xmlns:mv="urn:schemas-microsoft-com:mac:vml" xmlns:p="http://schemas.openxmlformats.org/presentationml/2006/main" xmlns:c="http://schemas.openxmlformats.org/drawingml/2006/chart" xmlns:dgm="http://schemas.openxmlformats.org/drawingml/2006/diagram" xmlns:o="urn:schemas-microsoft-com:office:office" xmlns:v="urn:schemas-microsoft-com:vml" xmlns:pvml="urn:schemas-microsoft-com:office:powerpoint" xmlns:com="http://schemas.openxmlformats.org/drawingml/2006/compatibility" xmlns:p14="http://schemas.microsoft.com/office/powerpoint/2010/main" xmlns:p15="http://schemas.microsoft.com/office/powerpoint/2012/main" xmlns:ahyp="http://schemas.microsoft.com/office/drawing/2018/hyperlinkcolor" showMasterPhAnim="0" showMasterSp="0">
+<p:notes xmlns:a="http://schemas.openxmlformats.org/drawingml/2006/main" xmlns:r="http://schemas.openxmlformats.org/officeDocument/2006/relationships" xmlns:p="http://schemas.openxmlformats.org/presentationml/2006/main" showMasterSp="0" showMasterPhAnim="0">
   <p:cSld>
     <p:spTree>
       <p:nvGrpSpPr>
-        <p:cNvPr id="137" name="Shape 137"/>
+        <p:cNvPr id="1" name="Shape 137"/>
         <p:cNvGrpSpPr/>
         <p:nvPr/>
       </p:nvGrpSpPr>
@@ -1431,20 +1481,26 @@
       <p:sp>
         <p:nvSpPr>
           <p:cNvPr id="138" name="Google Shape;138;gb340320453_0_469:notes"/>
-          <p:cNvSpPr/>
+          <p:cNvSpPr>
+            <a:spLocks noGrp="1" noRot="1" noChangeAspect="1"/>
+          </p:cNvSpPr>
           <p:nvPr>
-            <p:ph idx="2" type="sldImg"/>
+            <p:ph type="sldImg" idx="2"/>
           </p:nvPr>
         </p:nvSpPr>
         <p:spPr>
           <a:xfrm>
-            <a:off x="381300" y="685800"/>
+            <a:off x="381000" y="685800"/>
             <a:ext cx="6096000" cy="3429000"/>
           </a:xfrm>
           <a:custGeom>
-            <a:rect b="b" l="l" r="r" t="t"/>
+            <a:avLst/>
+            <a:gdLst/>
+            <a:ahLst/>
+            <a:cxnLst/>
+            <a:rect l="l" t="t" r="r" b="b"/>
             <a:pathLst>
-              <a:path extrusionOk="0" h="120000" w="120000">
+              <a:path w="120000" h="120000" extrusionOk="0">
                 <a:moveTo>
                   <a:pt x="0" y="0"/>
                 </a:moveTo>
@@ -1466,9 +1522,11 @@
       <p:sp>
         <p:nvSpPr>
           <p:cNvPr id="139" name="Google Shape;139;gb340320453_0_469:notes"/>
-          <p:cNvSpPr txBox="1"/>
+          <p:cNvSpPr txBox="1">
+            <a:spLocks noGrp="1"/>
+          </p:cNvSpPr>
           <p:nvPr>
-            <p:ph idx="1" type="body"/>
+            <p:ph type="body" idx="1"/>
           </p:nvPr>
         </p:nvSpPr>
         <p:spPr>
@@ -1481,12 +1539,12 @@
           </a:prstGeom>
         </p:spPr>
         <p:txBody>
-          <a:bodyPr anchorCtr="0" anchor="t" bIns="91425" lIns="91425" spcFirstLastPara="1" rIns="91425" wrap="square" tIns="91425">
+          <a:bodyPr spcFirstLastPara="1" wrap="square" lIns="91425" tIns="91425" rIns="91425" bIns="91425" anchor="t" anchorCtr="0">
             <a:noAutofit/>
           </a:bodyPr>
           <a:lstStyle/>
           <a:p>
-            <a:pPr indent="0" lvl="0" marL="0" rtl="0" algn="l">
+            <a:pPr marL="0" lvl="0" indent="0" algn="l" rtl="0">
               <a:spcBef>
                 <a:spcPts val="0"/>
               </a:spcBef>
@@ -1495,9 +1553,6 @@
               </a:spcAft>
               <a:buNone/>
             </a:pPr>
-            <a:r>
-              <a:t/>
-            </a:r>
             <a:endParaRPr/>
           </a:p>
         </p:txBody>
@@ -1511,11 +1566,11 @@
 </file>
 
 <file path=ppt/notesSlides/notesSlide8.xml><?xml version="1.0" encoding="utf-8"?>
-<p:notes xmlns:a="http://schemas.openxmlformats.org/drawingml/2006/main" xmlns:r="http://schemas.openxmlformats.org/officeDocument/2006/relationships" xmlns:mc="http://schemas.openxmlformats.org/markup-compatibility/2006" xmlns:mv="urn:schemas-microsoft-com:mac:vml" xmlns:p="http://schemas.openxmlformats.org/presentationml/2006/main" xmlns:c="http://schemas.openxmlformats.org/drawingml/2006/chart" xmlns:dgm="http://schemas.openxmlformats.org/drawingml/2006/diagram" xmlns:o="urn:schemas-microsoft-com:office:office" xmlns:v="urn:schemas-microsoft-com:vml" xmlns:pvml="urn:schemas-microsoft-com:office:powerpoint" xmlns:com="http://schemas.openxmlformats.org/drawingml/2006/compatibility" xmlns:p14="http://schemas.microsoft.com/office/powerpoint/2010/main" xmlns:p15="http://schemas.microsoft.com/office/powerpoint/2012/main" xmlns:ahyp="http://schemas.microsoft.com/office/drawing/2018/hyperlinkcolor" showMasterPhAnim="0" showMasterSp="0">
+<p:notes xmlns:a="http://schemas.openxmlformats.org/drawingml/2006/main" xmlns:r="http://schemas.openxmlformats.org/officeDocument/2006/relationships" xmlns:p="http://schemas.openxmlformats.org/presentationml/2006/main" showMasterSp="0" showMasterPhAnim="0">
   <p:cSld>
     <p:spTree>
       <p:nvGrpSpPr>
-        <p:cNvPr id="144" name="Shape 144"/>
+        <p:cNvPr id="1" name="Shape 144"/>
         <p:cNvGrpSpPr/>
         <p:nvPr/>
       </p:nvGrpSpPr>
@@ -1530,20 +1585,26 @@
       <p:sp>
         <p:nvSpPr>
           <p:cNvPr id="145" name="Google Shape;145;gb340320453_0_475:notes"/>
-          <p:cNvSpPr/>
+          <p:cNvSpPr>
+            <a:spLocks noGrp="1" noRot="1" noChangeAspect="1"/>
+          </p:cNvSpPr>
           <p:nvPr>
-            <p:ph idx="2" type="sldImg"/>
+            <p:ph type="sldImg" idx="2"/>
           </p:nvPr>
         </p:nvSpPr>
         <p:spPr>
           <a:xfrm>
-            <a:off x="381300" y="685800"/>
+            <a:off x="381000" y="685800"/>
             <a:ext cx="6096000" cy="3429000"/>
           </a:xfrm>
           <a:custGeom>
-            <a:rect b="b" l="l" r="r" t="t"/>
+            <a:avLst/>
+            <a:gdLst/>
+            <a:ahLst/>
+            <a:cxnLst/>
+            <a:rect l="l" t="t" r="r" b="b"/>
             <a:pathLst>
-              <a:path extrusionOk="0" h="120000" w="120000">
+              <a:path w="120000" h="120000" extrusionOk="0">
                 <a:moveTo>
                   <a:pt x="0" y="0"/>
                 </a:moveTo>
@@ -1565,9 +1626,11 @@
       <p:sp>
         <p:nvSpPr>
           <p:cNvPr id="146" name="Google Shape;146;gb340320453_0_475:notes"/>
-          <p:cNvSpPr txBox="1"/>
+          <p:cNvSpPr txBox="1">
+            <a:spLocks noGrp="1"/>
+          </p:cNvSpPr>
           <p:nvPr>
-            <p:ph idx="1" type="body"/>
+            <p:ph type="body" idx="1"/>
           </p:nvPr>
         </p:nvSpPr>
         <p:spPr>
@@ -1580,12 +1643,12 @@
           </a:prstGeom>
         </p:spPr>
         <p:txBody>
-          <a:bodyPr anchorCtr="0" anchor="t" bIns="91425" lIns="91425" spcFirstLastPara="1" rIns="91425" wrap="square" tIns="91425">
+          <a:bodyPr spcFirstLastPara="1" wrap="square" lIns="91425" tIns="91425" rIns="91425" bIns="91425" anchor="t" anchorCtr="0">
             <a:noAutofit/>
           </a:bodyPr>
           <a:lstStyle/>
           <a:p>
-            <a:pPr indent="0" lvl="0" marL="0" rtl="0" algn="l">
+            <a:pPr marL="0" lvl="0" indent="0" algn="l" rtl="0">
               <a:spcBef>
                 <a:spcPts val="0"/>
               </a:spcBef>
@@ -1594,9 +1657,6 @@
               </a:spcAft>
               <a:buNone/>
             </a:pPr>
-            <a:r>
-              <a:t/>
-            </a:r>
             <a:endParaRPr/>
           </a:p>
         </p:txBody>
@@ -1610,11 +1670,11 @@
 </file>
 
 <file path=ppt/notesSlides/notesSlide9.xml><?xml version="1.0" encoding="utf-8"?>
-<p:notes xmlns:a="http://schemas.openxmlformats.org/drawingml/2006/main" xmlns:r="http://schemas.openxmlformats.org/officeDocument/2006/relationships" xmlns:mc="http://schemas.openxmlformats.org/markup-compatibility/2006" xmlns:mv="urn:schemas-microsoft-com:mac:vml" xmlns:p="http://schemas.openxmlformats.org/presentationml/2006/main" xmlns:c="http://schemas.openxmlformats.org/drawingml/2006/chart" xmlns:dgm="http://schemas.openxmlformats.org/drawingml/2006/diagram" xmlns:o="urn:schemas-microsoft-com:office:office" xmlns:v="urn:schemas-microsoft-com:vml" xmlns:pvml="urn:schemas-microsoft-com:office:powerpoint" xmlns:com="http://schemas.openxmlformats.org/drawingml/2006/compatibility" xmlns:p14="http://schemas.microsoft.com/office/powerpoint/2010/main" xmlns:p15="http://schemas.microsoft.com/office/powerpoint/2012/main" xmlns:ahyp="http://schemas.microsoft.com/office/drawing/2018/hyperlinkcolor" showMasterPhAnim="0" showMasterSp="0">
+<p:notes xmlns:a="http://schemas.openxmlformats.org/drawingml/2006/main" xmlns:r="http://schemas.openxmlformats.org/officeDocument/2006/relationships" xmlns:p="http://schemas.openxmlformats.org/presentationml/2006/main" showMasterSp="0" showMasterPhAnim="0">
   <p:cSld>
     <p:spTree>
       <p:nvGrpSpPr>
-        <p:cNvPr id="150" name="Shape 150"/>
+        <p:cNvPr id="1" name="Shape 150"/>
         <p:cNvGrpSpPr/>
         <p:nvPr/>
       </p:nvGrpSpPr>
@@ -1629,20 +1689,26 @@
       <p:sp>
         <p:nvSpPr>
           <p:cNvPr id="151" name="Google Shape;151;gb340320453_0_486:notes"/>
-          <p:cNvSpPr/>
+          <p:cNvSpPr>
+            <a:spLocks noGrp="1" noRot="1" noChangeAspect="1"/>
+          </p:cNvSpPr>
           <p:nvPr>
-            <p:ph idx="2" type="sldImg"/>
+            <p:ph type="sldImg" idx="2"/>
           </p:nvPr>
         </p:nvSpPr>
         <p:spPr>
           <a:xfrm>
-            <a:off x="381300" y="685800"/>
+            <a:off x="381000" y="685800"/>
             <a:ext cx="6096000" cy="3429000"/>
           </a:xfrm>
           <a:custGeom>
-            <a:rect b="b" l="l" r="r" t="t"/>
+            <a:avLst/>
+            <a:gdLst/>
+            <a:ahLst/>
+            <a:cxnLst/>
+            <a:rect l="l" t="t" r="r" b="b"/>
             <a:pathLst>
-              <a:path extrusionOk="0" h="120000" w="120000">
+              <a:path w="120000" h="120000" extrusionOk="0">
                 <a:moveTo>
                   <a:pt x="0" y="0"/>
                 </a:moveTo>
@@ -1664,9 +1730,11 @@
       <p:sp>
         <p:nvSpPr>
           <p:cNvPr id="152" name="Google Shape;152;gb340320453_0_486:notes"/>
-          <p:cNvSpPr txBox="1"/>
+          <p:cNvSpPr txBox="1">
+            <a:spLocks noGrp="1"/>
+          </p:cNvSpPr>
           <p:nvPr>
-            <p:ph idx="1" type="body"/>
+            <p:ph type="body" idx="1"/>
           </p:nvPr>
         </p:nvSpPr>
         <p:spPr>
@@ -1679,12 +1747,12 @@
           </a:prstGeom>
         </p:spPr>
         <p:txBody>
-          <a:bodyPr anchorCtr="0" anchor="t" bIns="91425" lIns="91425" spcFirstLastPara="1" rIns="91425" wrap="square" tIns="91425">
+          <a:bodyPr spcFirstLastPara="1" wrap="square" lIns="91425" tIns="91425" rIns="91425" bIns="91425" anchor="t" anchorCtr="0">
             <a:noAutofit/>
           </a:bodyPr>
           <a:lstStyle/>
           <a:p>
-            <a:pPr indent="0" lvl="0" marL="0" rtl="0" algn="l">
+            <a:pPr marL="0" lvl="0" indent="0" algn="l" rtl="0">
               <a:spcBef>
                 <a:spcPts val="0"/>
               </a:spcBef>
@@ -1693,9 +1761,6 @@
               </a:spcAft>
               <a:buNone/>
             </a:pPr>
-            <a:r>
-              <a:t/>
-            </a:r>
             <a:endParaRPr/>
           </a:p>
         </p:txBody>
@@ -1709,18 +1774,19 @@
 </file>
 
 <file path=ppt/slideLayouts/slideLayout1.xml><?xml version="1.0" encoding="utf-8"?>
-<p:sldLayout xmlns:a="http://schemas.openxmlformats.org/drawingml/2006/main" xmlns:r="http://schemas.openxmlformats.org/officeDocument/2006/relationships" xmlns:mc="http://schemas.openxmlformats.org/markup-compatibility/2006" xmlns:mv="urn:schemas-microsoft-com:mac:vml" xmlns:p="http://schemas.openxmlformats.org/presentationml/2006/main" xmlns:c="http://schemas.openxmlformats.org/drawingml/2006/chart" xmlns:dgm="http://schemas.openxmlformats.org/drawingml/2006/diagram" xmlns:o="urn:schemas-microsoft-com:office:office" xmlns:v="urn:schemas-microsoft-com:vml" xmlns:pvml="urn:schemas-microsoft-com:office:powerpoint" xmlns:com="http://schemas.openxmlformats.org/drawingml/2006/compatibility" xmlns:p14="http://schemas.microsoft.com/office/powerpoint/2010/main" xmlns:p15="http://schemas.microsoft.com/office/powerpoint/2012/main" xmlns:ahyp="http://schemas.microsoft.com/office/drawing/2018/hyperlinkcolor" matchingName="Title slide" type="title">
+<p:sldLayout xmlns:a="http://schemas.openxmlformats.org/drawingml/2006/main" xmlns:r="http://schemas.openxmlformats.org/officeDocument/2006/relationships" xmlns:p="http://schemas.openxmlformats.org/presentationml/2006/main" matchingName="Title slide" type="title">
   <p:cSld name="TITLE">
     <p:bg>
       <p:bgPr>
         <a:solidFill>
           <a:schemeClr val="lt2"/>
         </a:solidFill>
+        <a:effectLst/>
       </p:bgPr>
     </p:bg>
     <p:spTree>
       <p:nvGrpSpPr>
-        <p:cNvPr id="9" name="Shape 9"/>
+        <p:cNvPr id="1" name="Shape 9"/>
         <p:cNvGrpSpPr/>
         <p:nvPr/>
       </p:nvGrpSpPr>
@@ -1754,12 +1820,12 @@
           </a:ln>
         </p:spPr>
         <p:txBody>
-          <a:bodyPr anchorCtr="0" anchor="ctr" bIns="91425" lIns="91425" spcFirstLastPara="1" rIns="91425" wrap="square" tIns="91425">
+          <a:bodyPr spcFirstLastPara="1" wrap="square" lIns="91425" tIns="91425" rIns="91425" bIns="91425" anchor="ctr" anchorCtr="0">
             <a:noAutofit/>
           </a:bodyPr>
           <a:lstStyle/>
           <a:p>
-            <a:pPr indent="0" lvl="0" marL="0" rtl="0" algn="l">
+            <a:pPr marL="0" lvl="0" indent="0" algn="l" rtl="0">
               <a:spcBef>
                 <a:spcPts val="0"/>
               </a:spcBef>
@@ -1768,9 +1834,6 @@
               </a:spcAft>
               <a:buNone/>
             </a:pPr>
-            <a:r>
-              <a:t/>
-            </a:r>
             <a:endParaRPr/>
           </a:p>
         </p:txBody>
@@ -1811,12 +1874,12 @@
             </a:ln>
           </p:spPr>
           <p:txBody>
-            <a:bodyPr anchorCtr="0" anchor="ctr" bIns="91425" lIns="91425" spcFirstLastPara="1" rIns="91425" wrap="square" tIns="91425">
+            <a:bodyPr spcFirstLastPara="1" wrap="square" lIns="91425" tIns="91425" rIns="91425" bIns="91425" anchor="ctr" anchorCtr="0">
               <a:noAutofit/>
             </a:bodyPr>
             <a:lstStyle/>
             <a:p>
-              <a:pPr indent="0" lvl="0" marL="0" rtl="0" algn="l">
+              <a:pPr marL="0" lvl="0" indent="0" algn="l" rtl="0">
                 <a:spcBef>
                   <a:spcPts val="0"/>
                 </a:spcBef>
@@ -1825,9 +1888,6 @@
                 </a:spcAft>
                 <a:buNone/>
               </a:pPr>
-              <a:r>
-                <a:t/>
-              </a:r>
               <a:endParaRPr/>
             </a:p>
           </p:txBody>
@@ -1854,12 +1914,12 @@
             </a:ln>
           </p:spPr>
           <p:txBody>
-            <a:bodyPr anchorCtr="0" anchor="ctr" bIns="91425" lIns="91425" spcFirstLastPara="1" rIns="91425" wrap="square" tIns="91425">
+            <a:bodyPr spcFirstLastPara="1" wrap="square" lIns="91425" tIns="91425" rIns="91425" bIns="91425" anchor="ctr" anchorCtr="0">
               <a:noAutofit/>
             </a:bodyPr>
             <a:lstStyle/>
             <a:p>
-              <a:pPr indent="0" lvl="0" marL="0" rtl="0" algn="l">
+              <a:pPr marL="0" lvl="0" indent="0" algn="l" rtl="0">
                 <a:spcBef>
                   <a:spcPts val="0"/>
                 </a:spcBef>
@@ -1868,9 +1928,6 @@
                 </a:spcAft>
                 <a:buNone/>
               </a:pPr>
-              <a:r>
-                <a:t/>
-              </a:r>
               <a:endParaRPr/>
             </a:p>
           </p:txBody>
@@ -1879,7 +1936,9 @@
       <p:sp>
         <p:nvSpPr>
           <p:cNvPr id="14" name="Google Shape;14;p2"/>
-          <p:cNvSpPr txBox="1"/>
+          <p:cNvSpPr txBox="1">
+            <a:spLocks noGrp="1"/>
+          </p:cNvSpPr>
           <p:nvPr>
             <p:ph type="ctrTitle"/>
           </p:nvPr>
@@ -1894,7 +1953,7 @@
           </a:prstGeom>
         </p:spPr>
         <p:txBody>
-          <a:bodyPr anchorCtr="0" anchor="t" bIns="91425" lIns="91425" spcFirstLastPara="1" rIns="91425" wrap="square" tIns="91425">
+          <a:bodyPr spcFirstLastPara="1" wrap="square" lIns="91425" tIns="91425" rIns="91425" bIns="91425" anchor="t" anchorCtr="0">
             <a:noAutofit/>
           </a:bodyPr>
           <a:lstStyle>
@@ -2061,15 +2120,19 @@
               </a:defRPr>
             </a:lvl9pPr>
           </a:lstStyle>
-          <a:p/>
+          <a:p>
+            <a:endParaRPr/>
+          </a:p>
         </p:txBody>
       </p:sp>
       <p:sp>
         <p:nvSpPr>
           <p:cNvPr id="15" name="Google Shape;15;p2"/>
-          <p:cNvSpPr txBox="1"/>
+          <p:cNvSpPr txBox="1">
+            <a:spLocks noGrp="1"/>
+          </p:cNvSpPr>
           <p:nvPr>
-            <p:ph idx="1" type="subTitle"/>
+            <p:ph type="subTitle" idx="1"/>
           </p:nvPr>
         </p:nvSpPr>
         <p:spPr>
@@ -2082,7 +2145,7 @@
           </a:prstGeom>
         </p:spPr>
         <p:txBody>
-          <a:bodyPr anchorCtr="0" anchor="t" bIns="91425" lIns="91425" spcFirstLastPara="1" rIns="91425" wrap="square" tIns="91425">
+          <a:bodyPr spcFirstLastPara="1" wrap="square" lIns="91425" tIns="91425" rIns="91425" bIns="91425" anchor="t" anchorCtr="0">
             <a:noAutofit/>
           </a:bodyPr>
           <a:lstStyle>
@@ -2213,15 +2276,19 @@
               <a:defRPr sz="1600"/>
             </a:lvl9pPr>
           </a:lstStyle>
-          <a:p/>
+          <a:p>
+            <a:endParaRPr/>
+          </a:p>
         </p:txBody>
       </p:sp>
       <p:sp>
         <p:nvSpPr>
           <p:cNvPr id="16" name="Google Shape;16;p2"/>
-          <p:cNvSpPr txBox="1"/>
+          <p:cNvSpPr txBox="1">
+            <a:spLocks noGrp="1"/>
+          </p:cNvSpPr>
           <p:nvPr>
-            <p:ph idx="12" type="sldNum"/>
+            <p:ph type="sldNum" idx="12"/>
           </p:nvPr>
         </p:nvSpPr>
         <p:spPr>
@@ -2234,7 +2301,7 @@
           </a:prstGeom>
         </p:spPr>
         <p:txBody>
-          <a:bodyPr anchorCtr="0" anchor="ctr" bIns="91425" lIns="91425" spcFirstLastPara="1" rIns="91425" wrap="square" tIns="91425">
+          <a:bodyPr spcFirstLastPara="1" wrap="square" lIns="91425" tIns="91425" rIns="91425" bIns="91425" anchor="ctr" anchorCtr="0">
             <a:noAutofit/>
           </a:bodyPr>
           <a:lstStyle>
@@ -2276,7 +2343,7 @@
             </a:lvl9pPr>
           </a:lstStyle>
           <a:p>
-            <a:pPr indent="0" lvl="0" marL="0" rtl="0" algn="r">
+            <a:pPr marL="0" lvl="0" indent="0" algn="r" rtl="0">
               <a:spcBef>
                 <a:spcPts val="0"/>
               </a:spcBef>
@@ -2289,7 +2356,7 @@
               <a:rPr lang="en"/>
               <a:t>‹#›</a:t>
             </a:fld>
-            <a:endParaRPr/>
+            <a:endParaRPr dirty="0"/>
           </a:p>
         </p:txBody>
       </p:sp>
@@ -2302,18 +2369,19 @@
 </file>
 
 <file path=ppt/slideLayouts/slideLayout10.xml><?xml version="1.0" encoding="utf-8"?>
-<p:sldLayout xmlns:a="http://schemas.openxmlformats.org/drawingml/2006/main" xmlns:r="http://schemas.openxmlformats.org/officeDocument/2006/relationships" xmlns:mc="http://schemas.openxmlformats.org/markup-compatibility/2006" xmlns:mv="urn:schemas-microsoft-com:mac:vml" xmlns:p="http://schemas.openxmlformats.org/presentationml/2006/main" xmlns:c="http://schemas.openxmlformats.org/drawingml/2006/chart" xmlns:dgm="http://schemas.openxmlformats.org/drawingml/2006/diagram" xmlns:o="urn:schemas-microsoft-com:office:office" xmlns:v="urn:schemas-microsoft-com:vml" xmlns:pvml="urn:schemas-microsoft-com:office:powerpoint" xmlns:com="http://schemas.openxmlformats.org/drawingml/2006/compatibility" xmlns:p14="http://schemas.microsoft.com/office/powerpoint/2010/main" xmlns:p15="http://schemas.microsoft.com/office/powerpoint/2012/main" xmlns:ahyp="http://schemas.microsoft.com/office/drawing/2018/hyperlinkcolor" matchingName="Big number">
+<p:sldLayout xmlns:a="http://schemas.openxmlformats.org/drawingml/2006/main" xmlns:r="http://schemas.openxmlformats.org/officeDocument/2006/relationships" xmlns:p="http://schemas.openxmlformats.org/presentationml/2006/main" matchingName="Big number">
   <p:cSld name="BIG_NUMBER">
     <p:bg>
       <p:bgPr>
         <a:solidFill>
           <a:schemeClr val="dk1"/>
         </a:solidFill>
+        <a:effectLst/>
       </p:bgPr>
     </p:bg>
     <p:spTree>
       <p:nvGrpSpPr>
-        <p:cNvPr id="73" name="Shape 73"/>
+        <p:cNvPr id="1" name="Shape 73"/>
         <p:cNvGrpSpPr/>
         <p:nvPr/>
       </p:nvGrpSpPr>
@@ -2361,12 +2429,12 @@
             </a:ln>
           </p:spPr>
           <p:txBody>
-            <a:bodyPr anchorCtr="0" anchor="ctr" bIns="91425" lIns="91425" spcFirstLastPara="1" rIns="91425" wrap="square" tIns="91425">
+            <a:bodyPr spcFirstLastPara="1" wrap="square" lIns="91425" tIns="91425" rIns="91425" bIns="91425" anchor="ctr" anchorCtr="0">
               <a:noAutofit/>
             </a:bodyPr>
             <a:lstStyle/>
             <a:p>
-              <a:pPr indent="0" lvl="0" marL="0" rtl="0" algn="l">
+              <a:pPr marL="0" lvl="0" indent="0" algn="l" rtl="0">
                 <a:spcBef>
                   <a:spcPts val="0"/>
                 </a:spcBef>
@@ -2375,9 +2443,6 @@
                 </a:spcAft>
                 <a:buNone/>
               </a:pPr>
-              <a:r>
-                <a:t/>
-              </a:r>
               <a:endParaRPr/>
             </a:p>
           </p:txBody>
@@ -2404,12 +2469,12 @@
             </a:ln>
           </p:spPr>
           <p:txBody>
-            <a:bodyPr anchorCtr="0" anchor="ctr" bIns="91425" lIns="91425" spcFirstLastPara="1" rIns="91425" wrap="square" tIns="91425">
+            <a:bodyPr spcFirstLastPara="1" wrap="square" lIns="91425" tIns="91425" rIns="91425" bIns="91425" anchor="ctr" anchorCtr="0">
               <a:noAutofit/>
             </a:bodyPr>
             <a:lstStyle/>
             <a:p>
-              <a:pPr indent="0" lvl="0" marL="0" rtl="0" algn="l">
+              <a:pPr marL="0" lvl="0" indent="0" algn="l" rtl="0">
                 <a:spcBef>
                   <a:spcPts val="0"/>
                 </a:spcBef>
@@ -2418,9 +2483,6 @@
                 </a:spcAft>
                 <a:buNone/>
               </a:pPr>
-              <a:r>
-                <a:t/>
-              </a:r>
               <a:endParaRPr/>
             </a:p>
           </p:txBody>
@@ -2429,9 +2491,11 @@
       <p:sp>
         <p:nvSpPr>
           <p:cNvPr id="77" name="Google Shape;77;p11"/>
-          <p:cNvSpPr txBox="1"/>
+          <p:cNvSpPr txBox="1">
+            <a:spLocks noGrp="1"/>
+          </p:cNvSpPr>
           <p:nvPr>
-            <p:ph hasCustomPrompt="1" type="title"/>
+            <p:ph type="title" hasCustomPrompt="1"/>
           </p:nvPr>
         </p:nvSpPr>
         <p:spPr>
@@ -2444,7 +2508,7 @@
           </a:prstGeom>
         </p:spPr>
         <p:txBody>
-          <a:bodyPr anchorCtr="0" anchor="t" bIns="91425" lIns="91425" spcFirstLastPara="1" rIns="91425" wrap="square" tIns="91425">
+          <a:bodyPr spcFirstLastPara="1" wrap="square" lIns="91425" tIns="91425" rIns="91425" bIns="91425" anchor="t" anchorCtr="0">
             <a:noAutofit/>
           </a:bodyPr>
           <a:lstStyle>
@@ -2621,9 +2685,11 @@
       <p:sp>
         <p:nvSpPr>
           <p:cNvPr id="78" name="Google Shape;78;p11"/>
-          <p:cNvSpPr txBox="1"/>
+          <p:cNvSpPr txBox="1">
+            <a:spLocks noGrp="1"/>
+          </p:cNvSpPr>
           <p:nvPr>
-            <p:ph idx="1" type="body"/>
+            <p:ph type="body" idx="1"/>
           </p:nvPr>
         </p:nvSpPr>
         <p:spPr>
@@ -2636,11 +2702,11 @@
           </a:prstGeom>
         </p:spPr>
         <p:txBody>
-          <a:bodyPr anchorCtr="0" anchor="t" bIns="91425" lIns="91425" spcFirstLastPara="1" rIns="91425" wrap="square" tIns="91425">
+          <a:bodyPr spcFirstLastPara="1" wrap="square" lIns="91425" tIns="91425" rIns="91425" bIns="91425" anchor="t" anchorCtr="0">
             <a:noAutofit/>
           </a:bodyPr>
           <a:lstStyle>
-            <a:lvl1pPr indent="-311150" lvl="0" marL="457200">
+            <a:lvl1pPr marL="457200" lvl="0" indent="-311150">
               <a:spcBef>
                 <a:spcPts val="0"/>
               </a:spcBef>
@@ -2658,7 +2724,7 @@
                 </a:solidFill>
               </a:defRPr>
             </a:lvl1pPr>
-            <a:lvl2pPr indent="-298450" lvl="1" marL="914400">
+            <a:lvl2pPr marL="914400" lvl="1" indent="-298450">
               <a:spcBef>
                 <a:spcPts val="1600"/>
               </a:spcBef>
@@ -2676,7 +2742,7 @@
                 </a:solidFill>
               </a:defRPr>
             </a:lvl2pPr>
-            <a:lvl3pPr indent="-298450" lvl="2" marL="1371600">
+            <a:lvl3pPr marL="1371600" lvl="2" indent="-298450">
               <a:spcBef>
                 <a:spcPts val="1600"/>
               </a:spcBef>
@@ -2694,7 +2760,7 @@
                 </a:solidFill>
               </a:defRPr>
             </a:lvl3pPr>
-            <a:lvl4pPr indent="-298450" lvl="3" marL="1828800">
+            <a:lvl4pPr marL="1828800" lvl="3" indent="-298450">
               <a:spcBef>
                 <a:spcPts val="1600"/>
               </a:spcBef>
@@ -2712,7 +2778,7 @@
                 </a:solidFill>
               </a:defRPr>
             </a:lvl4pPr>
-            <a:lvl5pPr indent="-298450" lvl="4" marL="2286000">
+            <a:lvl5pPr marL="2286000" lvl="4" indent="-298450">
               <a:spcBef>
                 <a:spcPts val="1600"/>
               </a:spcBef>
@@ -2730,7 +2796,7 @@
                 </a:solidFill>
               </a:defRPr>
             </a:lvl5pPr>
-            <a:lvl6pPr indent="-298450" lvl="5" marL="2743200">
+            <a:lvl6pPr marL="2743200" lvl="5" indent="-298450">
               <a:spcBef>
                 <a:spcPts val="1600"/>
               </a:spcBef>
@@ -2748,7 +2814,7 @@
                 </a:solidFill>
               </a:defRPr>
             </a:lvl6pPr>
-            <a:lvl7pPr indent="-298450" lvl="6" marL="3200400">
+            <a:lvl7pPr marL="3200400" lvl="6" indent="-298450">
               <a:spcBef>
                 <a:spcPts val="1600"/>
               </a:spcBef>
@@ -2766,7 +2832,7 @@
                 </a:solidFill>
               </a:defRPr>
             </a:lvl7pPr>
-            <a:lvl8pPr indent="-298450" lvl="7" marL="3657600">
+            <a:lvl8pPr marL="3657600" lvl="7" indent="-298450">
               <a:spcBef>
                 <a:spcPts val="1600"/>
               </a:spcBef>
@@ -2784,7 +2850,7 @@
                 </a:solidFill>
               </a:defRPr>
             </a:lvl8pPr>
-            <a:lvl9pPr indent="-298450" lvl="8" marL="4114800">
+            <a:lvl9pPr marL="4114800" lvl="8" indent="-298450">
               <a:spcBef>
                 <a:spcPts val="1600"/>
               </a:spcBef>
@@ -2803,15 +2869,19 @@
               </a:defRPr>
             </a:lvl9pPr>
           </a:lstStyle>
-          <a:p/>
+          <a:p>
+            <a:endParaRPr/>
+          </a:p>
         </p:txBody>
       </p:sp>
       <p:sp>
         <p:nvSpPr>
           <p:cNvPr id="79" name="Google Shape;79;p11"/>
-          <p:cNvSpPr txBox="1"/>
+          <p:cNvSpPr txBox="1">
+            <a:spLocks noGrp="1"/>
+          </p:cNvSpPr>
           <p:nvPr>
-            <p:ph idx="12" type="sldNum"/>
+            <p:ph type="sldNum" idx="12"/>
           </p:nvPr>
         </p:nvSpPr>
         <p:spPr>
@@ -2824,7 +2894,7 @@
           </a:prstGeom>
         </p:spPr>
         <p:txBody>
-          <a:bodyPr anchorCtr="0" anchor="ctr" bIns="91425" lIns="91425" spcFirstLastPara="1" rIns="91425" wrap="square" tIns="91425">
+          <a:bodyPr spcFirstLastPara="1" wrap="square" lIns="91425" tIns="91425" rIns="91425" bIns="91425" anchor="ctr" anchorCtr="0">
             <a:noAutofit/>
           </a:bodyPr>
           <a:lstStyle>
@@ -2902,7 +2972,7 @@
             </a:lvl9pPr>
           </a:lstStyle>
           <a:p>
-            <a:pPr indent="0" lvl="0" marL="0" rtl="0" algn="r">
+            <a:pPr marL="0" lvl="0" indent="0" algn="r" rtl="0">
               <a:spcBef>
                 <a:spcPts val="0"/>
               </a:spcBef>
@@ -2928,11 +2998,11 @@
 </file>
 
 <file path=ppt/slideLayouts/slideLayout11.xml><?xml version="1.0" encoding="utf-8"?>
-<p:sldLayout xmlns:a="http://schemas.openxmlformats.org/drawingml/2006/main" xmlns:r="http://schemas.openxmlformats.org/officeDocument/2006/relationships" xmlns:mc="http://schemas.openxmlformats.org/markup-compatibility/2006" xmlns:mv="urn:schemas-microsoft-com:mac:vml" xmlns:p="http://schemas.openxmlformats.org/presentationml/2006/main" xmlns:c="http://schemas.openxmlformats.org/drawingml/2006/chart" xmlns:dgm="http://schemas.openxmlformats.org/drawingml/2006/diagram" xmlns:o="urn:schemas-microsoft-com:office:office" xmlns:v="urn:schemas-microsoft-com:vml" xmlns:pvml="urn:schemas-microsoft-com:office:powerpoint" xmlns:com="http://schemas.openxmlformats.org/drawingml/2006/compatibility" xmlns:p14="http://schemas.microsoft.com/office/powerpoint/2010/main" xmlns:p15="http://schemas.microsoft.com/office/powerpoint/2012/main" xmlns:ahyp="http://schemas.microsoft.com/office/drawing/2018/hyperlinkcolor" matchingName="Blank" type="blank">
+<p:sldLayout xmlns:a="http://schemas.openxmlformats.org/drawingml/2006/main" xmlns:r="http://schemas.openxmlformats.org/officeDocument/2006/relationships" xmlns:p="http://schemas.openxmlformats.org/presentationml/2006/main" matchingName="Blank" type="blank">
   <p:cSld name="BLANK">
     <p:spTree>
       <p:nvGrpSpPr>
-        <p:cNvPr id="80" name="Shape 80"/>
+        <p:cNvPr id="1" name="Shape 80"/>
         <p:cNvGrpSpPr/>
         <p:nvPr/>
       </p:nvGrpSpPr>
@@ -2947,9 +3017,11 @@
       <p:sp>
         <p:nvSpPr>
           <p:cNvPr id="81" name="Google Shape;81;p12"/>
-          <p:cNvSpPr txBox="1"/>
+          <p:cNvSpPr txBox="1">
+            <a:spLocks noGrp="1"/>
+          </p:cNvSpPr>
           <p:nvPr>
-            <p:ph idx="12" type="sldNum"/>
+            <p:ph type="sldNum" idx="12"/>
           </p:nvPr>
         </p:nvSpPr>
         <p:spPr>
@@ -2962,7 +3034,7 @@
           </a:prstGeom>
         </p:spPr>
         <p:txBody>
-          <a:bodyPr anchorCtr="0" anchor="ctr" bIns="91425" lIns="91425" spcFirstLastPara="1" rIns="91425" wrap="square" tIns="91425">
+          <a:bodyPr spcFirstLastPara="1" wrap="square" lIns="91425" tIns="91425" rIns="91425" bIns="91425" anchor="ctr" anchorCtr="0">
             <a:noAutofit/>
           </a:bodyPr>
           <a:lstStyle>
@@ -3004,7 +3076,7 @@
             </a:lvl9pPr>
           </a:lstStyle>
           <a:p>
-            <a:pPr indent="0" lvl="0" marL="0" rtl="0" algn="r">
+            <a:pPr marL="0" lvl="0" indent="0" algn="r" rtl="0">
               <a:spcBef>
                 <a:spcPts val="0"/>
               </a:spcBef>
@@ -3030,18 +3102,19 @@
 </file>
 
 <file path=ppt/slideLayouts/slideLayout2.xml><?xml version="1.0" encoding="utf-8"?>
-<p:sldLayout xmlns:a="http://schemas.openxmlformats.org/drawingml/2006/main" xmlns:r="http://schemas.openxmlformats.org/officeDocument/2006/relationships" xmlns:mc="http://schemas.openxmlformats.org/markup-compatibility/2006" xmlns:mv="urn:schemas-microsoft-com:mac:vml" xmlns:p="http://schemas.openxmlformats.org/presentationml/2006/main" xmlns:c="http://schemas.openxmlformats.org/drawingml/2006/chart" xmlns:dgm="http://schemas.openxmlformats.org/drawingml/2006/diagram" xmlns:o="urn:schemas-microsoft-com:office:office" xmlns:v="urn:schemas-microsoft-com:vml" xmlns:pvml="urn:schemas-microsoft-com:office:powerpoint" xmlns:com="http://schemas.openxmlformats.org/drawingml/2006/compatibility" xmlns:p14="http://schemas.microsoft.com/office/powerpoint/2010/main" xmlns:p15="http://schemas.microsoft.com/office/powerpoint/2012/main" xmlns:ahyp="http://schemas.microsoft.com/office/drawing/2018/hyperlinkcolor" matchingName="Section header" type="secHead">
+<p:sldLayout xmlns:a="http://schemas.openxmlformats.org/drawingml/2006/main" xmlns:r="http://schemas.openxmlformats.org/officeDocument/2006/relationships" xmlns:p="http://schemas.openxmlformats.org/presentationml/2006/main" matchingName="Section header" type="secHead">
   <p:cSld name="SECTION_HEADER">
     <p:bg>
       <p:bgPr>
         <a:solidFill>
           <a:schemeClr val="dk1"/>
         </a:solidFill>
+        <a:effectLst/>
       </p:bgPr>
     </p:bg>
     <p:spTree>
       <p:nvGrpSpPr>
-        <p:cNvPr id="17" name="Shape 17"/>
+        <p:cNvPr id="1" name="Shape 17"/>
         <p:cNvGrpSpPr/>
         <p:nvPr/>
       </p:nvGrpSpPr>
@@ -3089,12 +3162,12 @@
             </a:ln>
           </p:spPr>
           <p:txBody>
-            <a:bodyPr anchorCtr="0" anchor="ctr" bIns="91425" lIns="91425" spcFirstLastPara="1" rIns="91425" wrap="square" tIns="91425">
+            <a:bodyPr spcFirstLastPara="1" wrap="square" lIns="91425" tIns="91425" rIns="91425" bIns="91425" anchor="ctr" anchorCtr="0">
               <a:noAutofit/>
             </a:bodyPr>
             <a:lstStyle/>
             <a:p>
-              <a:pPr indent="0" lvl="0" marL="0" rtl="0" algn="l">
+              <a:pPr marL="0" lvl="0" indent="0" algn="l" rtl="0">
                 <a:spcBef>
                   <a:spcPts val="0"/>
                 </a:spcBef>
@@ -3103,9 +3176,6 @@
                 </a:spcAft>
                 <a:buNone/>
               </a:pPr>
-              <a:r>
-                <a:t/>
-              </a:r>
               <a:endParaRPr/>
             </a:p>
           </p:txBody>
@@ -3132,12 +3202,12 @@
             </a:ln>
           </p:spPr>
           <p:txBody>
-            <a:bodyPr anchorCtr="0" anchor="ctr" bIns="91425" lIns="91425" spcFirstLastPara="1" rIns="91425" wrap="square" tIns="91425">
+            <a:bodyPr spcFirstLastPara="1" wrap="square" lIns="91425" tIns="91425" rIns="91425" bIns="91425" anchor="ctr" anchorCtr="0">
               <a:noAutofit/>
             </a:bodyPr>
             <a:lstStyle/>
             <a:p>
-              <a:pPr indent="0" lvl="0" marL="0" rtl="0" algn="l">
+              <a:pPr marL="0" lvl="0" indent="0" algn="l" rtl="0">
                 <a:spcBef>
                   <a:spcPts val="0"/>
                 </a:spcBef>
@@ -3146,9 +3216,6 @@
                 </a:spcAft>
                 <a:buNone/>
               </a:pPr>
-              <a:r>
-                <a:t/>
-              </a:r>
               <a:endParaRPr/>
             </a:p>
           </p:txBody>
@@ -3157,7 +3224,9 @@
       <p:sp>
         <p:nvSpPr>
           <p:cNvPr id="21" name="Google Shape;21;p3"/>
-          <p:cNvSpPr txBox="1"/>
+          <p:cNvSpPr txBox="1">
+            <a:spLocks noGrp="1"/>
+          </p:cNvSpPr>
           <p:nvPr>
             <p:ph type="title"/>
           </p:nvPr>
@@ -3172,7 +3241,7 @@
           </a:prstGeom>
         </p:spPr>
         <p:txBody>
-          <a:bodyPr anchorCtr="0" anchor="t" bIns="91425" lIns="91425" spcFirstLastPara="1" rIns="91425" wrap="square" tIns="91425">
+          <a:bodyPr spcFirstLastPara="1" wrap="square" lIns="91425" tIns="91425" rIns="91425" bIns="91425" anchor="t" anchorCtr="0">
             <a:noAutofit/>
           </a:bodyPr>
           <a:lstStyle>
@@ -3339,15 +3408,19 @@
               </a:defRPr>
             </a:lvl9pPr>
           </a:lstStyle>
-          <a:p/>
+          <a:p>
+            <a:endParaRPr/>
+          </a:p>
         </p:txBody>
       </p:sp>
       <p:sp>
         <p:nvSpPr>
           <p:cNvPr id="22" name="Google Shape;22;p3"/>
-          <p:cNvSpPr txBox="1"/>
+          <p:cNvSpPr txBox="1">
+            <a:spLocks noGrp="1"/>
+          </p:cNvSpPr>
           <p:nvPr>
-            <p:ph idx="12" type="sldNum"/>
+            <p:ph type="sldNum" idx="12"/>
           </p:nvPr>
         </p:nvSpPr>
         <p:spPr>
@@ -3360,7 +3433,7 @@
           </a:prstGeom>
         </p:spPr>
         <p:txBody>
-          <a:bodyPr anchorCtr="0" anchor="ctr" bIns="91425" lIns="91425" spcFirstLastPara="1" rIns="91425" wrap="square" tIns="91425">
+          <a:bodyPr spcFirstLastPara="1" wrap="square" lIns="91425" tIns="91425" rIns="91425" bIns="91425" anchor="ctr" anchorCtr="0">
             <a:noAutofit/>
           </a:bodyPr>
           <a:lstStyle>
@@ -3438,7 +3511,7 @@
             </a:lvl9pPr>
           </a:lstStyle>
           <a:p>
-            <a:pPr indent="0" lvl="0" marL="0" rtl="0" algn="r">
+            <a:pPr marL="0" lvl="0" indent="0" algn="r" rtl="0">
               <a:spcBef>
                 <a:spcPts val="0"/>
               </a:spcBef>
@@ -3464,11 +3537,11 @@
 </file>
 
 <file path=ppt/slideLayouts/slideLayout3.xml><?xml version="1.0" encoding="utf-8"?>
-<p:sldLayout xmlns:a="http://schemas.openxmlformats.org/drawingml/2006/main" xmlns:r="http://schemas.openxmlformats.org/officeDocument/2006/relationships" xmlns:mc="http://schemas.openxmlformats.org/markup-compatibility/2006" xmlns:mv="urn:schemas-microsoft-com:mac:vml" xmlns:p="http://schemas.openxmlformats.org/presentationml/2006/main" xmlns:c="http://schemas.openxmlformats.org/drawingml/2006/chart" xmlns:dgm="http://schemas.openxmlformats.org/drawingml/2006/diagram" xmlns:o="urn:schemas-microsoft-com:office:office" xmlns:v="urn:schemas-microsoft-com:vml" xmlns:pvml="urn:schemas-microsoft-com:office:powerpoint" xmlns:com="http://schemas.openxmlformats.org/drawingml/2006/compatibility" xmlns:p14="http://schemas.microsoft.com/office/powerpoint/2010/main" xmlns:p15="http://schemas.microsoft.com/office/powerpoint/2012/main" xmlns:ahyp="http://schemas.microsoft.com/office/drawing/2018/hyperlinkcolor" matchingName="Title and body" type="tx">
+<p:sldLayout xmlns:a="http://schemas.openxmlformats.org/drawingml/2006/main" xmlns:r="http://schemas.openxmlformats.org/officeDocument/2006/relationships" xmlns:p="http://schemas.openxmlformats.org/presentationml/2006/main" matchingName="Title and body" type="tx">
   <p:cSld name="TITLE_AND_BODY">
     <p:spTree>
       <p:nvGrpSpPr>
-        <p:cNvPr id="23" name="Shape 23"/>
+        <p:cNvPr id="1" name="Shape 23"/>
         <p:cNvGrpSpPr/>
         <p:nvPr/>
       </p:nvGrpSpPr>
@@ -3502,12 +3575,12 @@
           </a:ln>
         </p:spPr>
         <p:txBody>
-          <a:bodyPr anchorCtr="0" anchor="ctr" bIns="91425" lIns="91425" spcFirstLastPara="1" rIns="91425" wrap="square" tIns="91425">
+          <a:bodyPr spcFirstLastPara="1" wrap="square" lIns="91425" tIns="91425" rIns="91425" bIns="91425" anchor="ctr" anchorCtr="0">
             <a:noAutofit/>
           </a:bodyPr>
           <a:lstStyle/>
           <a:p>
-            <a:pPr indent="0" lvl="0" marL="0" rtl="0" algn="l">
+            <a:pPr marL="0" lvl="0" indent="0" algn="l" rtl="0">
               <a:spcBef>
                 <a:spcPts val="0"/>
               </a:spcBef>
@@ -3516,9 +3589,6 @@
               </a:spcAft>
               <a:buNone/>
             </a:pPr>
-            <a:r>
-              <a:t/>
-            </a:r>
             <a:endParaRPr/>
           </a:p>
         </p:txBody>
@@ -3559,12 +3629,12 @@
             </a:ln>
           </p:spPr>
           <p:txBody>
-            <a:bodyPr anchorCtr="0" anchor="ctr" bIns="91425" lIns="91425" spcFirstLastPara="1" rIns="91425" wrap="square" tIns="91425">
+            <a:bodyPr spcFirstLastPara="1" wrap="square" lIns="91425" tIns="91425" rIns="91425" bIns="91425" anchor="ctr" anchorCtr="0">
               <a:noAutofit/>
             </a:bodyPr>
             <a:lstStyle/>
             <a:p>
-              <a:pPr indent="0" lvl="0" marL="0" rtl="0" algn="l">
+              <a:pPr marL="0" lvl="0" indent="0" algn="l" rtl="0">
                 <a:spcBef>
                   <a:spcPts val="0"/>
                 </a:spcBef>
@@ -3573,9 +3643,6 @@
                 </a:spcAft>
                 <a:buNone/>
               </a:pPr>
-              <a:r>
-                <a:t/>
-              </a:r>
               <a:endParaRPr/>
             </a:p>
           </p:txBody>
@@ -3602,12 +3669,12 @@
             </a:ln>
           </p:spPr>
           <p:txBody>
-            <a:bodyPr anchorCtr="0" anchor="ctr" bIns="91425" lIns="91425" spcFirstLastPara="1" rIns="91425" wrap="square" tIns="91425">
+            <a:bodyPr spcFirstLastPara="1" wrap="square" lIns="91425" tIns="91425" rIns="91425" bIns="91425" anchor="ctr" anchorCtr="0">
               <a:noAutofit/>
             </a:bodyPr>
             <a:lstStyle/>
             <a:p>
-              <a:pPr indent="0" lvl="0" marL="0" rtl="0" algn="l">
+              <a:pPr marL="0" lvl="0" indent="0" algn="l" rtl="0">
                 <a:spcBef>
                   <a:spcPts val="0"/>
                 </a:spcBef>
@@ -3616,9 +3683,6 @@
                 </a:spcAft>
                 <a:buNone/>
               </a:pPr>
-              <a:r>
-                <a:t/>
-              </a:r>
               <a:endParaRPr/>
             </a:p>
           </p:txBody>
@@ -3627,7 +3691,9 @@
       <p:sp>
         <p:nvSpPr>
           <p:cNvPr id="28" name="Google Shape;28;p4"/>
-          <p:cNvSpPr txBox="1"/>
+          <p:cNvSpPr txBox="1">
+            <a:spLocks noGrp="1"/>
+          </p:cNvSpPr>
           <p:nvPr>
             <p:ph type="title"/>
           </p:nvPr>
@@ -3642,7 +3708,7 @@
           </a:prstGeom>
         </p:spPr>
         <p:txBody>
-          <a:bodyPr anchorCtr="0" anchor="t" bIns="91425" lIns="91425" spcFirstLastPara="1" rIns="91425" wrap="square" tIns="91425">
+          <a:bodyPr spcFirstLastPara="1" wrap="square" lIns="91425" tIns="91425" rIns="91425" bIns="91425" anchor="t" anchorCtr="0">
             <a:noAutofit/>
           </a:bodyPr>
           <a:lstStyle>
@@ -3809,15 +3875,19 @@
               </a:defRPr>
             </a:lvl9pPr>
           </a:lstStyle>
-          <a:p/>
+          <a:p>
+            <a:endParaRPr/>
+          </a:p>
         </p:txBody>
       </p:sp>
       <p:sp>
         <p:nvSpPr>
           <p:cNvPr id="29" name="Google Shape;29;p4"/>
-          <p:cNvSpPr txBox="1"/>
+          <p:cNvSpPr txBox="1">
+            <a:spLocks noGrp="1"/>
+          </p:cNvSpPr>
           <p:nvPr>
-            <p:ph idx="1" type="body"/>
+            <p:ph type="body" idx="1"/>
           </p:nvPr>
         </p:nvSpPr>
         <p:spPr>
@@ -3830,11 +3900,11 @@
           </a:prstGeom>
         </p:spPr>
         <p:txBody>
-          <a:bodyPr anchorCtr="0" anchor="t" bIns="91425" lIns="91425" spcFirstLastPara="1" rIns="91425" wrap="square" tIns="91425">
+          <a:bodyPr spcFirstLastPara="1" wrap="square" lIns="91425" tIns="91425" rIns="91425" bIns="91425" anchor="t" anchorCtr="0">
             <a:noAutofit/>
           </a:bodyPr>
           <a:lstStyle>
-            <a:lvl1pPr indent="-311150" lvl="0" marL="457200">
+            <a:lvl1pPr marL="457200" lvl="0" indent="-311150">
               <a:spcBef>
                 <a:spcPts val="0"/>
               </a:spcBef>
@@ -3845,7 +3915,7 @@
               <a:buChar char="●"/>
               <a:defRPr/>
             </a:lvl1pPr>
-            <a:lvl2pPr indent="-298450" lvl="1" marL="914400">
+            <a:lvl2pPr marL="914400" lvl="1" indent="-298450">
               <a:spcBef>
                 <a:spcPts val="1600"/>
               </a:spcBef>
@@ -3856,7 +3926,7 @@
               <a:buChar char="○"/>
               <a:defRPr/>
             </a:lvl2pPr>
-            <a:lvl3pPr indent="-298450" lvl="2" marL="1371600">
+            <a:lvl3pPr marL="1371600" lvl="2" indent="-298450">
               <a:spcBef>
                 <a:spcPts val="1600"/>
               </a:spcBef>
@@ -3867,7 +3937,7 @@
               <a:buChar char="■"/>
               <a:defRPr/>
             </a:lvl3pPr>
-            <a:lvl4pPr indent="-298450" lvl="3" marL="1828800">
+            <a:lvl4pPr marL="1828800" lvl="3" indent="-298450">
               <a:spcBef>
                 <a:spcPts val="1600"/>
               </a:spcBef>
@@ -3878,7 +3948,7 @@
               <a:buChar char="●"/>
               <a:defRPr/>
             </a:lvl4pPr>
-            <a:lvl5pPr indent="-298450" lvl="4" marL="2286000">
+            <a:lvl5pPr marL="2286000" lvl="4" indent="-298450">
               <a:spcBef>
                 <a:spcPts val="1600"/>
               </a:spcBef>
@@ -3889,7 +3959,7 @@
               <a:buChar char="○"/>
               <a:defRPr/>
             </a:lvl5pPr>
-            <a:lvl6pPr indent="-298450" lvl="5" marL="2743200">
+            <a:lvl6pPr marL="2743200" lvl="5" indent="-298450">
               <a:spcBef>
                 <a:spcPts val="1600"/>
               </a:spcBef>
@@ -3900,7 +3970,7 @@
               <a:buChar char="■"/>
               <a:defRPr/>
             </a:lvl6pPr>
-            <a:lvl7pPr indent="-298450" lvl="6" marL="3200400">
+            <a:lvl7pPr marL="3200400" lvl="6" indent="-298450">
               <a:spcBef>
                 <a:spcPts val="1600"/>
               </a:spcBef>
@@ -3911,7 +3981,7 @@
               <a:buChar char="●"/>
               <a:defRPr/>
             </a:lvl7pPr>
-            <a:lvl8pPr indent="-298450" lvl="7" marL="3657600">
+            <a:lvl8pPr marL="3657600" lvl="7" indent="-298450">
               <a:spcBef>
                 <a:spcPts val="1600"/>
               </a:spcBef>
@@ -3922,7 +3992,7 @@
               <a:buChar char="○"/>
               <a:defRPr/>
             </a:lvl8pPr>
-            <a:lvl9pPr indent="-298450" lvl="8" marL="4114800">
+            <a:lvl9pPr marL="4114800" lvl="8" indent="-298450">
               <a:spcBef>
                 <a:spcPts val="1600"/>
               </a:spcBef>
@@ -3934,15 +4004,19 @@
               <a:defRPr/>
             </a:lvl9pPr>
           </a:lstStyle>
-          <a:p/>
+          <a:p>
+            <a:endParaRPr/>
+          </a:p>
         </p:txBody>
       </p:sp>
       <p:sp>
         <p:nvSpPr>
           <p:cNvPr id="30" name="Google Shape;30;p4"/>
-          <p:cNvSpPr txBox="1"/>
+          <p:cNvSpPr txBox="1">
+            <a:spLocks noGrp="1"/>
+          </p:cNvSpPr>
           <p:nvPr>
-            <p:ph idx="12" type="sldNum"/>
+            <p:ph type="sldNum" idx="12"/>
           </p:nvPr>
         </p:nvSpPr>
         <p:spPr>
@@ -3955,7 +4029,7 @@
           </a:prstGeom>
         </p:spPr>
         <p:txBody>
-          <a:bodyPr anchorCtr="0" anchor="ctr" bIns="91425" lIns="91425" spcFirstLastPara="1" rIns="91425" wrap="square" tIns="91425">
+          <a:bodyPr spcFirstLastPara="1" wrap="square" lIns="91425" tIns="91425" rIns="91425" bIns="91425" anchor="ctr" anchorCtr="0">
             <a:noAutofit/>
           </a:bodyPr>
           <a:lstStyle>
@@ -3997,7 +4071,7 @@
             </a:lvl9pPr>
           </a:lstStyle>
           <a:p>
-            <a:pPr indent="0" lvl="0" marL="0" rtl="0" algn="r">
+            <a:pPr marL="0" lvl="0" indent="0" algn="r" rtl="0">
               <a:spcBef>
                 <a:spcPts val="0"/>
               </a:spcBef>
@@ -4023,11 +4097,11 @@
 </file>
 
 <file path=ppt/slideLayouts/slideLayout4.xml><?xml version="1.0" encoding="utf-8"?>
-<p:sldLayout xmlns:a="http://schemas.openxmlformats.org/drawingml/2006/main" xmlns:r="http://schemas.openxmlformats.org/officeDocument/2006/relationships" xmlns:mc="http://schemas.openxmlformats.org/markup-compatibility/2006" xmlns:mv="urn:schemas-microsoft-com:mac:vml" xmlns:p="http://schemas.openxmlformats.org/presentationml/2006/main" xmlns:c="http://schemas.openxmlformats.org/drawingml/2006/chart" xmlns:dgm="http://schemas.openxmlformats.org/drawingml/2006/diagram" xmlns:o="urn:schemas-microsoft-com:office:office" xmlns:v="urn:schemas-microsoft-com:vml" xmlns:pvml="urn:schemas-microsoft-com:office:powerpoint" xmlns:com="http://schemas.openxmlformats.org/drawingml/2006/compatibility" xmlns:p14="http://schemas.microsoft.com/office/powerpoint/2010/main" xmlns:p15="http://schemas.microsoft.com/office/powerpoint/2012/main" xmlns:ahyp="http://schemas.microsoft.com/office/drawing/2018/hyperlinkcolor" matchingName="Title and two columns" type="twoColTx">
+<p:sldLayout xmlns:a="http://schemas.openxmlformats.org/drawingml/2006/main" xmlns:r="http://schemas.openxmlformats.org/officeDocument/2006/relationships" xmlns:p="http://schemas.openxmlformats.org/presentationml/2006/main" matchingName="Title and two columns" type="twoColTx">
   <p:cSld name="TITLE_AND_TWO_COLUMNS">
     <p:spTree>
       <p:nvGrpSpPr>
-        <p:cNvPr id="31" name="Shape 31"/>
+        <p:cNvPr id="1" name="Shape 31"/>
         <p:cNvGrpSpPr/>
         <p:nvPr/>
       </p:nvGrpSpPr>
@@ -4061,12 +4135,12 @@
           </a:ln>
         </p:spPr>
         <p:txBody>
-          <a:bodyPr anchorCtr="0" anchor="ctr" bIns="91425" lIns="91425" spcFirstLastPara="1" rIns="91425" wrap="square" tIns="91425">
+          <a:bodyPr spcFirstLastPara="1" wrap="square" lIns="91425" tIns="91425" rIns="91425" bIns="91425" anchor="ctr" anchorCtr="0">
             <a:noAutofit/>
           </a:bodyPr>
           <a:lstStyle/>
           <a:p>
-            <a:pPr indent="0" lvl="0" marL="0" rtl="0" algn="l">
+            <a:pPr marL="0" lvl="0" indent="0" algn="l" rtl="0">
               <a:spcBef>
                 <a:spcPts val="0"/>
               </a:spcBef>
@@ -4075,9 +4149,6 @@
               </a:spcAft>
               <a:buNone/>
             </a:pPr>
-            <a:r>
-              <a:t/>
-            </a:r>
             <a:endParaRPr/>
           </a:p>
         </p:txBody>
@@ -4118,12 +4189,12 @@
             </a:ln>
           </p:spPr>
           <p:txBody>
-            <a:bodyPr anchorCtr="0" anchor="ctr" bIns="91425" lIns="91425" spcFirstLastPara="1" rIns="91425" wrap="square" tIns="91425">
+            <a:bodyPr spcFirstLastPara="1" wrap="square" lIns="91425" tIns="91425" rIns="91425" bIns="91425" anchor="ctr" anchorCtr="0">
               <a:noAutofit/>
             </a:bodyPr>
             <a:lstStyle/>
             <a:p>
-              <a:pPr indent="0" lvl="0" marL="0" rtl="0" algn="l">
+              <a:pPr marL="0" lvl="0" indent="0" algn="l" rtl="0">
                 <a:spcBef>
                   <a:spcPts val="0"/>
                 </a:spcBef>
@@ -4132,9 +4203,6 @@
                 </a:spcAft>
                 <a:buNone/>
               </a:pPr>
-              <a:r>
-                <a:t/>
-              </a:r>
               <a:endParaRPr/>
             </a:p>
           </p:txBody>
@@ -4161,12 +4229,12 @@
             </a:ln>
           </p:spPr>
           <p:txBody>
-            <a:bodyPr anchorCtr="0" anchor="ctr" bIns="91425" lIns="91425" spcFirstLastPara="1" rIns="91425" wrap="square" tIns="91425">
+            <a:bodyPr spcFirstLastPara="1" wrap="square" lIns="91425" tIns="91425" rIns="91425" bIns="91425" anchor="ctr" anchorCtr="0">
               <a:noAutofit/>
             </a:bodyPr>
             <a:lstStyle/>
             <a:p>
-              <a:pPr indent="0" lvl="0" marL="0" rtl="0" algn="l">
+              <a:pPr marL="0" lvl="0" indent="0" algn="l" rtl="0">
                 <a:spcBef>
                   <a:spcPts val="0"/>
                 </a:spcBef>
@@ -4175,9 +4243,6 @@
                 </a:spcAft>
                 <a:buNone/>
               </a:pPr>
-              <a:r>
-                <a:t/>
-              </a:r>
               <a:endParaRPr/>
             </a:p>
           </p:txBody>
@@ -4186,7 +4251,9 @@
       <p:sp>
         <p:nvSpPr>
           <p:cNvPr id="36" name="Google Shape;36;p5"/>
-          <p:cNvSpPr txBox="1"/>
+          <p:cNvSpPr txBox="1">
+            <a:spLocks noGrp="1"/>
+          </p:cNvSpPr>
           <p:nvPr>
             <p:ph type="title"/>
           </p:nvPr>
@@ -4201,7 +4268,7 @@
           </a:prstGeom>
         </p:spPr>
         <p:txBody>
-          <a:bodyPr anchorCtr="0" anchor="t" bIns="91425" lIns="91425" spcFirstLastPara="1" rIns="91425" wrap="square" tIns="91425">
+          <a:bodyPr spcFirstLastPara="1" wrap="square" lIns="91425" tIns="91425" rIns="91425" bIns="91425" anchor="t" anchorCtr="0">
             <a:noAutofit/>
           </a:bodyPr>
           <a:lstStyle>
@@ -4368,15 +4435,19 @@
               </a:defRPr>
             </a:lvl9pPr>
           </a:lstStyle>
-          <a:p/>
+          <a:p>
+            <a:endParaRPr/>
+          </a:p>
         </p:txBody>
       </p:sp>
       <p:sp>
         <p:nvSpPr>
           <p:cNvPr id="37" name="Google Shape;37;p5"/>
-          <p:cNvSpPr txBox="1"/>
+          <p:cNvSpPr txBox="1">
+            <a:spLocks noGrp="1"/>
+          </p:cNvSpPr>
           <p:nvPr>
-            <p:ph idx="1" type="body"/>
+            <p:ph type="body" idx="1"/>
           </p:nvPr>
         </p:nvSpPr>
         <p:spPr>
@@ -4389,11 +4460,11 @@
           </a:prstGeom>
         </p:spPr>
         <p:txBody>
-          <a:bodyPr anchorCtr="0" anchor="t" bIns="91425" lIns="91425" spcFirstLastPara="1" rIns="91425" wrap="square" tIns="91425">
+          <a:bodyPr spcFirstLastPara="1" wrap="square" lIns="91425" tIns="91425" rIns="91425" bIns="91425" anchor="t" anchorCtr="0">
             <a:noAutofit/>
           </a:bodyPr>
           <a:lstStyle>
-            <a:lvl1pPr indent="-311150" lvl="0" marL="457200">
+            <a:lvl1pPr marL="457200" lvl="0" indent="-311150">
               <a:spcBef>
                 <a:spcPts val="0"/>
               </a:spcBef>
@@ -4404,7 +4475,7 @@
               <a:buChar char="●"/>
               <a:defRPr/>
             </a:lvl1pPr>
-            <a:lvl2pPr indent="-298450" lvl="1" marL="914400">
+            <a:lvl2pPr marL="914400" lvl="1" indent="-298450">
               <a:spcBef>
                 <a:spcPts val="1600"/>
               </a:spcBef>
@@ -4415,7 +4486,7 @@
               <a:buChar char="○"/>
               <a:defRPr/>
             </a:lvl2pPr>
-            <a:lvl3pPr indent="-298450" lvl="2" marL="1371600">
+            <a:lvl3pPr marL="1371600" lvl="2" indent="-298450">
               <a:spcBef>
                 <a:spcPts val="1600"/>
               </a:spcBef>
@@ -4426,7 +4497,7 @@
               <a:buChar char="■"/>
               <a:defRPr/>
             </a:lvl3pPr>
-            <a:lvl4pPr indent="-298450" lvl="3" marL="1828800">
+            <a:lvl4pPr marL="1828800" lvl="3" indent="-298450">
               <a:spcBef>
                 <a:spcPts val="1600"/>
               </a:spcBef>
@@ -4437,7 +4508,7 @@
               <a:buChar char="●"/>
               <a:defRPr/>
             </a:lvl4pPr>
-            <a:lvl5pPr indent="-298450" lvl="4" marL="2286000">
+            <a:lvl5pPr marL="2286000" lvl="4" indent="-298450">
               <a:spcBef>
                 <a:spcPts val="1600"/>
               </a:spcBef>
@@ -4448,7 +4519,7 @@
               <a:buChar char="○"/>
               <a:defRPr/>
             </a:lvl5pPr>
-            <a:lvl6pPr indent="-298450" lvl="5" marL="2743200">
+            <a:lvl6pPr marL="2743200" lvl="5" indent="-298450">
               <a:spcBef>
                 <a:spcPts val="1600"/>
               </a:spcBef>
@@ -4459,7 +4530,7 @@
               <a:buChar char="■"/>
               <a:defRPr/>
             </a:lvl6pPr>
-            <a:lvl7pPr indent="-298450" lvl="6" marL="3200400">
+            <a:lvl7pPr marL="3200400" lvl="6" indent="-298450">
               <a:spcBef>
                 <a:spcPts val="1600"/>
               </a:spcBef>
@@ -4470,7 +4541,7 @@
               <a:buChar char="●"/>
               <a:defRPr/>
             </a:lvl7pPr>
-            <a:lvl8pPr indent="-298450" lvl="7" marL="3657600">
+            <a:lvl8pPr marL="3657600" lvl="7" indent="-298450">
               <a:spcBef>
                 <a:spcPts val="1600"/>
               </a:spcBef>
@@ -4481,7 +4552,7 @@
               <a:buChar char="○"/>
               <a:defRPr/>
             </a:lvl8pPr>
-            <a:lvl9pPr indent="-298450" lvl="8" marL="4114800">
+            <a:lvl9pPr marL="4114800" lvl="8" indent="-298450">
               <a:spcBef>
                 <a:spcPts val="1600"/>
               </a:spcBef>
@@ -4493,15 +4564,19 @@
               <a:defRPr/>
             </a:lvl9pPr>
           </a:lstStyle>
-          <a:p/>
+          <a:p>
+            <a:endParaRPr/>
+          </a:p>
         </p:txBody>
       </p:sp>
       <p:sp>
         <p:nvSpPr>
           <p:cNvPr id="38" name="Google Shape;38;p5"/>
-          <p:cNvSpPr txBox="1"/>
+          <p:cNvSpPr txBox="1">
+            <a:spLocks noGrp="1"/>
+          </p:cNvSpPr>
           <p:nvPr>
-            <p:ph idx="2" type="body"/>
+            <p:ph type="body" idx="2"/>
           </p:nvPr>
         </p:nvSpPr>
         <p:spPr>
@@ -4514,11 +4589,11 @@
           </a:prstGeom>
         </p:spPr>
         <p:txBody>
-          <a:bodyPr anchorCtr="0" anchor="t" bIns="91425" lIns="91425" spcFirstLastPara="1" rIns="91425" wrap="square" tIns="91425">
+          <a:bodyPr spcFirstLastPara="1" wrap="square" lIns="91425" tIns="91425" rIns="91425" bIns="91425" anchor="t" anchorCtr="0">
             <a:noAutofit/>
           </a:bodyPr>
           <a:lstStyle>
-            <a:lvl1pPr indent="-311150" lvl="0" marL="457200">
+            <a:lvl1pPr marL="457200" lvl="0" indent="-311150">
               <a:spcBef>
                 <a:spcPts val="0"/>
               </a:spcBef>
@@ -4529,7 +4604,7 @@
               <a:buChar char="●"/>
               <a:defRPr/>
             </a:lvl1pPr>
-            <a:lvl2pPr indent="-298450" lvl="1" marL="914400">
+            <a:lvl2pPr marL="914400" lvl="1" indent="-298450">
               <a:spcBef>
                 <a:spcPts val="1600"/>
               </a:spcBef>
@@ -4540,7 +4615,7 @@
               <a:buChar char="○"/>
               <a:defRPr/>
             </a:lvl2pPr>
-            <a:lvl3pPr indent="-298450" lvl="2" marL="1371600">
+            <a:lvl3pPr marL="1371600" lvl="2" indent="-298450">
               <a:spcBef>
                 <a:spcPts val="1600"/>
               </a:spcBef>
@@ -4551,7 +4626,7 @@
               <a:buChar char="■"/>
               <a:defRPr/>
             </a:lvl3pPr>
-            <a:lvl4pPr indent="-298450" lvl="3" marL="1828800">
+            <a:lvl4pPr marL="1828800" lvl="3" indent="-298450">
               <a:spcBef>
                 <a:spcPts val="1600"/>
               </a:spcBef>
@@ -4562,7 +4637,7 @@
               <a:buChar char="●"/>
               <a:defRPr/>
             </a:lvl4pPr>
-            <a:lvl5pPr indent="-298450" lvl="4" marL="2286000">
+            <a:lvl5pPr marL="2286000" lvl="4" indent="-298450">
               <a:spcBef>
                 <a:spcPts val="1600"/>
               </a:spcBef>
@@ -4573,7 +4648,7 @@
               <a:buChar char="○"/>
               <a:defRPr/>
             </a:lvl5pPr>
-            <a:lvl6pPr indent="-298450" lvl="5" marL="2743200">
+            <a:lvl6pPr marL="2743200" lvl="5" indent="-298450">
               <a:spcBef>
                 <a:spcPts val="1600"/>
               </a:spcBef>
@@ -4584,7 +4659,7 @@
               <a:buChar char="■"/>
               <a:defRPr/>
             </a:lvl6pPr>
-            <a:lvl7pPr indent="-298450" lvl="6" marL="3200400">
+            <a:lvl7pPr marL="3200400" lvl="6" indent="-298450">
               <a:spcBef>
                 <a:spcPts val="1600"/>
               </a:spcBef>
@@ -4595,7 +4670,7 @@
               <a:buChar char="●"/>
               <a:defRPr/>
             </a:lvl7pPr>
-            <a:lvl8pPr indent="-298450" lvl="7" marL="3657600">
+            <a:lvl8pPr marL="3657600" lvl="7" indent="-298450">
               <a:spcBef>
                 <a:spcPts val="1600"/>
               </a:spcBef>
@@ -4606,7 +4681,7 @@
               <a:buChar char="○"/>
               <a:defRPr/>
             </a:lvl8pPr>
-            <a:lvl9pPr indent="-298450" lvl="8" marL="4114800">
+            <a:lvl9pPr marL="4114800" lvl="8" indent="-298450">
               <a:spcBef>
                 <a:spcPts val="1600"/>
               </a:spcBef>
@@ -4618,15 +4693,19 @@
               <a:defRPr/>
             </a:lvl9pPr>
           </a:lstStyle>
-          <a:p/>
+          <a:p>
+            <a:endParaRPr/>
+          </a:p>
         </p:txBody>
       </p:sp>
       <p:sp>
         <p:nvSpPr>
           <p:cNvPr id="39" name="Google Shape;39;p5"/>
-          <p:cNvSpPr txBox="1"/>
+          <p:cNvSpPr txBox="1">
+            <a:spLocks noGrp="1"/>
+          </p:cNvSpPr>
           <p:nvPr>
-            <p:ph idx="12" type="sldNum"/>
+            <p:ph type="sldNum" idx="12"/>
           </p:nvPr>
         </p:nvSpPr>
         <p:spPr>
@@ -4639,7 +4718,7 @@
           </a:prstGeom>
         </p:spPr>
         <p:txBody>
-          <a:bodyPr anchorCtr="0" anchor="ctr" bIns="91425" lIns="91425" spcFirstLastPara="1" rIns="91425" wrap="square" tIns="91425">
+          <a:bodyPr spcFirstLastPara="1" wrap="square" lIns="91425" tIns="91425" rIns="91425" bIns="91425" anchor="ctr" anchorCtr="0">
             <a:noAutofit/>
           </a:bodyPr>
           <a:lstStyle>
@@ -4681,7 +4760,7 @@
             </a:lvl9pPr>
           </a:lstStyle>
           <a:p>
-            <a:pPr indent="0" lvl="0" marL="0" rtl="0" algn="r">
+            <a:pPr marL="0" lvl="0" indent="0" algn="r" rtl="0">
               <a:spcBef>
                 <a:spcPts val="0"/>
               </a:spcBef>
@@ -4707,11 +4786,11 @@
 </file>
 
 <file path=ppt/slideLayouts/slideLayout5.xml><?xml version="1.0" encoding="utf-8"?>
-<p:sldLayout xmlns:a="http://schemas.openxmlformats.org/drawingml/2006/main" xmlns:r="http://schemas.openxmlformats.org/officeDocument/2006/relationships" xmlns:mc="http://schemas.openxmlformats.org/markup-compatibility/2006" xmlns:mv="urn:schemas-microsoft-com:mac:vml" xmlns:p="http://schemas.openxmlformats.org/presentationml/2006/main" xmlns:c="http://schemas.openxmlformats.org/drawingml/2006/chart" xmlns:dgm="http://schemas.openxmlformats.org/drawingml/2006/diagram" xmlns:o="urn:schemas-microsoft-com:office:office" xmlns:v="urn:schemas-microsoft-com:vml" xmlns:pvml="urn:schemas-microsoft-com:office:powerpoint" xmlns:com="http://schemas.openxmlformats.org/drawingml/2006/compatibility" xmlns:p14="http://schemas.microsoft.com/office/powerpoint/2010/main" xmlns:p15="http://schemas.microsoft.com/office/powerpoint/2012/main" xmlns:ahyp="http://schemas.microsoft.com/office/drawing/2018/hyperlinkcolor" matchingName="Title only" type="titleOnly">
+<p:sldLayout xmlns:a="http://schemas.openxmlformats.org/drawingml/2006/main" xmlns:r="http://schemas.openxmlformats.org/officeDocument/2006/relationships" xmlns:p="http://schemas.openxmlformats.org/presentationml/2006/main" matchingName="Title only" type="titleOnly">
   <p:cSld name="TITLE_ONLY">
     <p:spTree>
       <p:nvGrpSpPr>
-        <p:cNvPr id="40" name="Shape 40"/>
+        <p:cNvPr id="1" name="Shape 40"/>
         <p:cNvGrpSpPr/>
         <p:nvPr/>
       </p:nvGrpSpPr>
@@ -4745,12 +4824,12 @@
           </a:ln>
         </p:spPr>
         <p:txBody>
-          <a:bodyPr anchorCtr="0" anchor="ctr" bIns="91425" lIns="91425" spcFirstLastPara="1" rIns="91425" wrap="square" tIns="91425">
+          <a:bodyPr spcFirstLastPara="1" wrap="square" lIns="91425" tIns="91425" rIns="91425" bIns="91425" anchor="ctr" anchorCtr="0">
             <a:noAutofit/>
           </a:bodyPr>
           <a:lstStyle/>
           <a:p>
-            <a:pPr indent="0" lvl="0" marL="0" rtl="0" algn="l">
+            <a:pPr marL="0" lvl="0" indent="0" algn="l" rtl="0">
               <a:spcBef>
                 <a:spcPts val="0"/>
               </a:spcBef>
@@ -4759,9 +4838,6 @@
               </a:spcAft>
               <a:buNone/>
             </a:pPr>
-            <a:r>
-              <a:t/>
-            </a:r>
             <a:endParaRPr/>
           </a:p>
         </p:txBody>
@@ -4802,12 +4878,12 @@
             </a:ln>
           </p:spPr>
           <p:txBody>
-            <a:bodyPr anchorCtr="0" anchor="ctr" bIns="91425" lIns="91425" spcFirstLastPara="1" rIns="91425" wrap="square" tIns="91425">
+            <a:bodyPr spcFirstLastPara="1" wrap="square" lIns="91425" tIns="91425" rIns="91425" bIns="91425" anchor="ctr" anchorCtr="0">
               <a:noAutofit/>
             </a:bodyPr>
             <a:lstStyle/>
             <a:p>
-              <a:pPr indent="0" lvl="0" marL="0" rtl="0" algn="l">
+              <a:pPr marL="0" lvl="0" indent="0" algn="l" rtl="0">
                 <a:spcBef>
                   <a:spcPts val="0"/>
                 </a:spcBef>
@@ -4816,9 +4892,6 @@
                 </a:spcAft>
                 <a:buNone/>
               </a:pPr>
-              <a:r>
-                <a:t/>
-              </a:r>
               <a:endParaRPr/>
             </a:p>
           </p:txBody>
@@ -4845,12 +4918,12 @@
             </a:ln>
           </p:spPr>
           <p:txBody>
-            <a:bodyPr anchorCtr="0" anchor="ctr" bIns="91425" lIns="91425" spcFirstLastPara="1" rIns="91425" wrap="square" tIns="91425">
+            <a:bodyPr spcFirstLastPara="1" wrap="square" lIns="91425" tIns="91425" rIns="91425" bIns="91425" anchor="ctr" anchorCtr="0">
               <a:noAutofit/>
             </a:bodyPr>
             <a:lstStyle/>
             <a:p>
-              <a:pPr indent="0" lvl="0" marL="0" rtl="0" algn="l">
+              <a:pPr marL="0" lvl="0" indent="0" algn="l" rtl="0">
                 <a:spcBef>
                   <a:spcPts val="0"/>
                 </a:spcBef>
@@ -4859,9 +4932,6 @@
                 </a:spcAft>
                 <a:buNone/>
               </a:pPr>
-              <a:r>
-                <a:t/>
-              </a:r>
               <a:endParaRPr/>
             </a:p>
           </p:txBody>
@@ -4870,7 +4940,9 @@
       <p:sp>
         <p:nvSpPr>
           <p:cNvPr id="45" name="Google Shape;45;p6"/>
-          <p:cNvSpPr txBox="1"/>
+          <p:cNvSpPr txBox="1">
+            <a:spLocks noGrp="1"/>
+          </p:cNvSpPr>
           <p:nvPr>
             <p:ph type="title"/>
           </p:nvPr>
@@ -4885,7 +4957,7 @@
           </a:prstGeom>
         </p:spPr>
         <p:txBody>
-          <a:bodyPr anchorCtr="0" anchor="t" bIns="91425" lIns="91425" spcFirstLastPara="1" rIns="91425" wrap="square" tIns="91425">
+          <a:bodyPr spcFirstLastPara="1" wrap="square" lIns="91425" tIns="91425" rIns="91425" bIns="91425" anchor="t" anchorCtr="0">
             <a:noAutofit/>
           </a:bodyPr>
           <a:lstStyle>
@@ -5052,15 +5124,19 @@
               </a:defRPr>
             </a:lvl9pPr>
           </a:lstStyle>
-          <a:p/>
+          <a:p>
+            <a:endParaRPr/>
+          </a:p>
         </p:txBody>
       </p:sp>
       <p:sp>
         <p:nvSpPr>
           <p:cNvPr id="46" name="Google Shape;46;p6"/>
-          <p:cNvSpPr txBox="1"/>
+          <p:cNvSpPr txBox="1">
+            <a:spLocks noGrp="1"/>
+          </p:cNvSpPr>
           <p:nvPr>
-            <p:ph idx="12" type="sldNum"/>
+            <p:ph type="sldNum" idx="12"/>
           </p:nvPr>
         </p:nvSpPr>
         <p:spPr>
@@ -5073,7 +5149,7 @@
           </a:prstGeom>
         </p:spPr>
         <p:txBody>
-          <a:bodyPr anchorCtr="0" anchor="ctr" bIns="91425" lIns="91425" spcFirstLastPara="1" rIns="91425" wrap="square" tIns="91425">
+          <a:bodyPr spcFirstLastPara="1" wrap="square" lIns="91425" tIns="91425" rIns="91425" bIns="91425" anchor="ctr" anchorCtr="0">
             <a:noAutofit/>
           </a:bodyPr>
           <a:lstStyle>
@@ -5115,7 +5191,7 @@
             </a:lvl9pPr>
           </a:lstStyle>
           <a:p>
-            <a:pPr indent="0" lvl="0" marL="0" rtl="0" algn="r">
+            <a:pPr marL="0" lvl="0" indent="0" algn="r" rtl="0">
               <a:spcBef>
                 <a:spcPts val="0"/>
               </a:spcBef>
@@ -5141,11 +5217,11 @@
 </file>
 
 <file path=ppt/slideLayouts/slideLayout6.xml><?xml version="1.0" encoding="utf-8"?>
-<p:sldLayout xmlns:a="http://schemas.openxmlformats.org/drawingml/2006/main" xmlns:r="http://schemas.openxmlformats.org/officeDocument/2006/relationships" xmlns:mc="http://schemas.openxmlformats.org/markup-compatibility/2006" xmlns:mv="urn:schemas-microsoft-com:mac:vml" xmlns:p="http://schemas.openxmlformats.org/presentationml/2006/main" xmlns:c="http://schemas.openxmlformats.org/drawingml/2006/chart" xmlns:dgm="http://schemas.openxmlformats.org/drawingml/2006/diagram" xmlns:o="urn:schemas-microsoft-com:office:office" xmlns:v="urn:schemas-microsoft-com:vml" xmlns:pvml="urn:schemas-microsoft-com:office:powerpoint" xmlns:com="http://schemas.openxmlformats.org/drawingml/2006/compatibility" xmlns:p14="http://schemas.microsoft.com/office/powerpoint/2010/main" xmlns:p15="http://schemas.microsoft.com/office/powerpoint/2012/main" xmlns:ahyp="http://schemas.microsoft.com/office/drawing/2018/hyperlinkcolor" matchingName="One column text">
+<p:sldLayout xmlns:a="http://schemas.openxmlformats.org/drawingml/2006/main" xmlns:r="http://schemas.openxmlformats.org/officeDocument/2006/relationships" xmlns:p="http://schemas.openxmlformats.org/presentationml/2006/main" matchingName="One column text">
   <p:cSld name="ONE_COLUMN_TEXT">
     <p:spTree>
       <p:nvGrpSpPr>
-        <p:cNvPr id="47" name="Shape 47"/>
+        <p:cNvPr id="1" name="Shape 47"/>
         <p:cNvGrpSpPr/>
         <p:nvPr/>
       </p:nvGrpSpPr>
@@ -5179,12 +5255,12 @@
           </a:ln>
         </p:spPr>
         <p:txBody>
-          <a:bodyPr anchorCtr="0" anchor="ctr" bIns="91425" lIns="91425" spcFirstLastPara="1" rIns="91425" wrap="square" tIns="91425">
+          <a:bodyPr spcFirstLastPara="1" wrap="square" lIns="91425" tIns="91425" rIns="91425" bIns="91425" anchor="ctr" anchorCtr="0">
             <a:noAutofit/>
           </a:bodyPr>
           <a:lstStyle/>
           <a:p>
-            <a:pPr indent="0" lvl="0" marL="0" rtl="0" algn="l">
+            <a:pPr marL="0" lvl="0" indent="0" algn="l" rtl="0">
               <a:spcBef>
                 <a:spcPts val="0"/>
               </a:spcBef>
@@ -5193,9 +5269,6 @@
               </a:spcAft>
               <a:buNone/>
             </a:pPr>
-            <a:r>
-              <a:t/>
-            </a:r>
             <a:endParaRPr/>
           </a:p>
         </p:txBody>
@@ -5236,12 +5309,12 @@
             </a:ln>
           </p:spPr>
           <p:txBody>
-            <a:bodyPr anchorCtr="0" anchor="ctr" bIns="91425" lIns="91425" spcFirstLastPara="1" rIns="91425" wrap="square" tIns="91425">
+            <a:bodyPr spcFirstLastPara="1" wrap="square" lIns="91425" tIns="91425" rIns="91425" bIns="91425" anchor="ctr" anchorCtr="0">
               <a:noAutofit/>
             </a:bodyPr>
             <a:lstStyle/>
             <a:p>
-              <a:pPr indent="0" lvl="0" marL="0" rtl="0" algn="l">
+              <a:pPr marL="0" lvl="0" indent="0" algn="l" rtl="0">
                 <a:spcBef>
                   <a:spcPts val="0"/>
                 </a:spcBef>
@@ -5250,9 +5323,6 @@
                 </a:spcAft>
                 <a:buNone/>
               </a:pPr>
-              <a:r>
-                <a:t/>
-              </a:r>
               <a:endParaRPr/>
             </a:p>
           </p:txBody>
@@ -5279,12 +5349,12 @@
             </a:ln>
           </p:spPr>
           <p:txBody>
-            <a:bodyPr anchorCtr="0" anchor="ctr" bIns="91425" lIns="91425" spcFirstLastPara="1" rIns="91425" wrap="square" tIns="91425">
+            <a:bodyPr spcFirstLastPara="1" wrap="square" lIns="91425" tIns="91425" rIns="91425" bIns="91425" anchor="ctr" anchorCtr="0">
               <a:noAutofit/>
             </a:bodyPr>
             <a:lstStyle/>
             <a:p>
-              <a:pPr indent="0" lvl="0" marL="0" rtl="0" algn="l">
+              <a:pPr marL="0" lvl="0" indent="0" algn="l" rtl="0">
                 <a:spcBef>
                   <a:spcPts val="0"/>
                 </a:spcBef>
@@ -5293,9 +5363,6 @@
                 </a:spcAft>
                 <a:buNone/>
               </a:pPr>
-              <a:r>
-                <a:t/>
-              </a:r>
               <a:endParaRPr/>
             </a:p>
           </p:txBody>
@@ -5304,7 +5371,9 @@
       <p:sp>
         <p:nvSpPr>
           <p:cNvPr id="52" name="Google Shape;52;p7"/>
-          <p:cNvSpPr txBox="1"/>
+          <p:cNvSpPr txBox="1">
+            <a:spLocks noGrp="1"/>
+          </p:cNvSpPr>
           <p:nvPr>
             <p:ph type="title"/>
           </p:nvPr>
@@ -5319,7 +5388,7 @@
           </a:prstGeom>
         </p:spPr>
         <p:txBody>
-          <a:bodyPr anchorCtr="0" anchor="t" bIns="91425" lIns="91425" spcFirstLastPara="1" rIns="91425" wrap="square" tIns="91425">
+          <a:bodyPr spcFirstLastPara="1" wrap="square" lIns="91425" tIns="91425" rIns="91425" bIns="91425" anchor="t" anchorCtr="0">
             <a:noAutofit/>
           </a:bodyPr>
           <a:lstStyle>
@@ -5486,15 +5555,19 @@
               </a:defRPr>
             </a:lvl9pPr>
           </a:lstStyle>
-          <a:p/>
+          <a:p>
+            <a:endParaRPr/>
+          </a:p>
         </p:txBody>
       </p:sp>
       <p:sp>
         <p:nvSpPr>
           <p:cNvPr id="53" name="Google Shape;53;p7"/>
-          <p:cNvSpPr txBox="1"/>
+          <p:cNvSpPr txBox="1">
+            <a:spLocks noGrp="1"/>
+          </p:cNvSpPr>
           <p:nvPr>
-            <p:ph idx="1" type="body"/>
+            <p:ph type="body" idx="1"/>
           </p:nvPr>
         </p:nvSpPr>
         <p:spPr>
@@ -5507,11 +5580,11 @@
           </a:prstGeom>
         </p:spPr>
         <p:txBody>
-          <a:bodyPr anchorCtr="0" anchor="t" bIns="91425" lIns="91425" spcFirstLastPara="1" rIns="91425" wrap="square" tIns="91425">
+          <a:bodyPr spcFirstLastPara="1" wrap="square" lIns="91425" tIns="91425" rIns="91425" bIns="91425" anchor="t" anchorCtr="0">
             <a:noAutofit/>
           </a:bodyPr>
           <a:lstStyle>
-            <a:lvl1pPr indent="-311150" lvl="0" marL="457200">
+            <a:lvl1pPr marL="457200" lvl="0" indent="-311150">
               <a:spcBef>
                 <a:spcPts val="0"/>
               </a:spcBef>
@@ -5522,7 +5595,7 @@
               <a:buChar char="●"/>
               <a:defRPr/>
             </a:lvl1pPr>
-            <a:lvl2pPr indent="-298450" lvl="1" marL="914400">
+            <a:lvl2pPr marL="914400" lvl="1" indent="-298450">
               <a:spcBef>
                 <a:spcPts val="1600"/>
               </a:spcBef>
@@ -5533,7 +5606,7 @@
               <a:buChar char="○"/>
               <a:defRPr/>
             </a:lvl2pPr>
-            <a:lvl3pPr indent="-298450" lvl="2" marL="1371600">
+            <a:lvl3pPr marL="1371600" lvl="2" indent="-298450">
               <a:spcBef>
                 <a:spcPts val="1600"/>
               </a:spcBef>
@@ -5544,7 +5617,7 @@
               <a:buChar char="■"/>
               <a:defRPr/>
             </a:lvl3pPr>
-            <a:lvl4pPr indent="-298450" lvl="3" marL="1828800">
+            <a:lvl4pPr marL="1828800" lvl="3" indent="-298450">
               <a:spcBef>
                 <a:spcPts val="1600"/>
               </a:spcBef>
@@ -5555,7 +5628,7 @@
               <a:buChar char="●"/>
               <a:defRPr/>
             </a:lvl4pPr>
-            <a:lvl5pPr indent="-298450" lvl="4" marL="2286000">
+            <a:lvl5pPr marL="2286000" lvl="4" indent="-298450">
               <a:spcBef>
                 <a:spcPts val="1600"/>
               </a:spcBef>
@@ -5566,7 +5639,7 @@
               <a:buChar char="○"/>
               <a:defRPr/>
             </a:lvl5pPr>
-            <a:lvl6pPr indent="-298450" lvl="5" marL="2743200">
+            <a:lvl6pPr marL="2743200" lvl="5" indent="-298450">
               <a:spcBef>
                 <a:spcPts val="1600"/>
               </a:spcBef>
@@ -5577,7 +5650,7 @@
               <a:buChar char="■"/>
               <a:defRPr/>
             </a:lvl6pPr>
-            <a:lvl7pPr indent="-298450" lvl="6" marL="3200400">
+            <a:lvl7pPr marL="3200400" lvl="6" indent="-298450">
               <a:spcBef>
                 <a:spcPts val="1600"/>
               </a:spcBef>
@@ -5588,7 +5661,7 @@
               <a:buChar char="●"/>
               <a:defRPr/>
             </a:lvl7pPr>
-            <a:lvl8pPr indent="-298450" lvl="7" marL="3657600">
+            <a:lvl8pPr marL="3657600" lvl="7" indent="-298450">
               <a:spcBef>
                 <a:spcPts val="1600"/>
               </a:spcBef>
@@ -5599,7 +5672,7 @@
               <a:buChar char="○"/>
               <a:defRPr/>
             </a:lvl8pPr>
-            <a:lvl9pPr indent="-298450" lvl="8" marL="4114800">
+            <a:lvl9pPr marL="4114800" lvl="8" indent="-298450">
               <a:spcBef>
                 <a:spcPts val="1600"/>
               </a:spcBef>
@@ -5611,15 +5684,19 @@
               <a:defRPr/>
             </a:lvl9pPr>
           </a:lstStyle>
-          <a:p/>
+          <a:p>
+            <a:endParaRPr/>
+          </a:p>
         </p:txBody>
       </p:sp>
       <p:sp>
         <p:nvSpPr>
           <p:cNvPr id="54" name="Google Shape;54;p7"/>
-          <p:cNvSpPr txBox="1"/>
+          <p:cNvSpPr txBox="1">
+            <a:spLocks noGrp="1"/>
+          </p:cNvSpPr>
           <p:nvPr>
-            <p:ph idx="12" type="sldNum"/>
+            <p:ph type="sldNum" idx="12"/>
           </p:nvPr>
         </p:nvSpPr>
         <p:spPr>
@@ -5632,7 +5709,7 @@
           </a:prstGeom>
         </p:spPr>
         <p:txBody>
-          <a:bodyPr anchorCtr="0" anchor="ctr" bIns="91425" lIns="91425" spcFirstLastPara="1" rIns="91425" wrap="square" tIns="91425">
+          <a:bodyPr spcFirstLastPara="1" wrap="square" lIns="91425" tIns="91425" rIns="91425" bIns="91425" anchor="ctr" anchorCtr="0">
             <a:noAutofit/>
           </a:bodyPr>
           <a:lstStyle>
@@ -5674,7 +5751,7 @@
             </a:lvl9pPr>
           </a:lstStyle>
           <a:p>
-            <a:pPr indent="0" lvl="0" marL="0" rtl="0" algn="r">
+            <a:pPr marL="0" lvl="0" indent="0" algn="r" rtl="0">
               <a:spcBef>
                 <a:spcPts val="0"/>
               </a:spcBef>
@@ -5700,18 +5777,19 @@
 </file>
 
 <file path=ppt/slideLayouts/slideLayout7.xml><?xml version="1.0" encoding="utf-8"?>
-<p:sldLayout xmlns:a="http://schemas.openxmlformats.org/drawingml/2006/main" xmlns:r="http://schemas.openxmlformats.org/officeDocument/2006/relationships" xmlns:mc="http://schemas.openxmlformats.org/markup-compatibility/2006" xmlns:mv="urn:schemas-microsoft-com:mac:vml" xmlns:p="http://schemas.openxmlformats.org/presentationml/2006/main" xmlns:c="http://schemas.openxmlformats.org/drawingml/2006/chart" xmlns:dgm="http://schemas.openxmlformats.org/drawingml/2006/diagram" xmlns:o="urn:schemas-microsoft-com:office:office" xmlns:v="urn:schemas-microsoft-com:vml" xmlns:pvml="urn:schemas-microsoft-com:office:powerpoint" xmlns:com="http://schemas.openxmlformats.org/drawingml/2006/compatibility" xmlns:p14="http://schemas.microsoft.com/office/powerpoint/2010/main" xmlns:p15="http://schemas.microsoft.com/office/powerpoint/2012/main" xmlns:ahyp="http://schemas.microsoft.com/office/drawing/2018/hyperlinkcolor" matchingName="Main point">
+<p:sldLayout xmlns:a="http://schemas.openxmlformats.org/drawingml/2006/main" xmlns:r="http://schemas.openxmlformats.org/officeDocument/2006/relationships" xmlns:p="http://schemas.openxmlformats.org/presentationml/2006/main" matchingName="Main point">
   <p:cSld name="MAIN_POINT">
     <p:bg>
       <p:bgPr>
         <a:solidFill>
           <a:schemeClr val="accent3"/>
         </a:solidFill>
+        <a:effectLst/>
       </p:bgPr>
     </p:bg>
     <p:spTree>
       <p:nvGrpSpPr>
-        <p:cNvPr id="55" name="Shape 55"/>
+        <p:cNvPr id="1" name="Shape 55"/>
         <p:cNvGrpSpPr/>
         <p:nvPr/>
       </p:nvGrpSpPr>
@@ -5759,12 +5837,12 @@
             </a:ln>
           </p:spPr>
           <p:txBody>
-            <a:bodyPr anchorCtr="0" anchor="ctr" bIns="91425" lIns="91425" spcFirstLastPara="1" rIns="91425" wrap="square" tIns="91425">
+            <a:bodyPr spcFirstLastPara="1" wrap="square" lIns="91425" tIns="91425" rIns="91425" bIns="91425" anchor="ctr" anchorCtr="0">
               <a:noAutofit/>
             </a:bodyPr>
             <a:lstStyle/>
             <a:p>
-              <a:pPr indent="0" lvl="0" marL="0" rtl="0" algn="l">
+              <a:pPr marL="0" lvl="0" indent="0" algn="l" rtl="0">
                 <a:spcBef>
                   <a:spcPts val="0"/>
                 </a:spcBef>
@@ -5773,9 +5851,6 @@
                 </a:spcAft>
                 <a:buNone/>
               </a:pPr>
-              <a:r>
-                <a:t/>
-              </a:r>
               <a:endParaRPr/>
             </a:p>
           </p:txBody>
@@ -5802,12 +5877,12 @@
             </a:ln>
           </p:spPr>
           <p:txBody>
-            <a:bodyPr anchorCtr="0" anchor="ctr" bIns="91425" lIns="91425" spcFirstLastPara="1" rIns="91425" wrap="square" tIns="91425">
+            <a:bodyPr spcFirstLastPara="1" wrap="square" lIns="91425" tIns="91425" rIns="91425" bIns="91425" anchor="ctr" anchorCtr="0">
               <a:noAutofit/>
             </a:bodyPr>
             <a:lstStyle/>
             <a:p>
-              <a:pPr indent="0" lvl="0" marL="0" rtl="0" algn="l">
+              <a:pPr marL="0" lvl="0" indent="0" algn="l" rtl="0">
                 <a:spcBef>
                   <a:spcPts val="0"/>
                 </a:spcBef>
@@ -5816,9 +5891,6 @@
                 </a:spcAft>
                 <a:buNone/>
               </a:pPr>
-              <a:r>
-                <a:t/>
-              </a:r>
               <a:endParaRPr/>
             </a:p>
           </p:txBody>
@@ -5827,7 +5899,9 @@
       <p:sp>
         <p:nvSpPr>
           <p:cNvPr id="59" name="Google Shape;59;p8"/>
-          <p:cNvSpPr txBox="1"/>
+          <p:cNvSpPr txBox="1">
+            <a:spLocks noGrp="1"/>
+          </p:cNvSpPr>
           <p:nvPr>
             <p:ph type="title"/>
           </p:nvPr>
@@ -5842,7 +5916,7 @@
           </a:prstGeom>
         </p:spPr>
         <p:txBody>
-          <a:bodyPr anchorCtr="0" anchor="ctr" bIns="91425" lIns="91425" spcFirstLastPara="1" rIns="91425" wrap="square" tIns="91425">
+          <a:bodyPr spcFirstLastPara="1" wrap="square" lIns="91425" tIns="91425" rIns="91425" bIns="91425" anchor="ctr" anchorCtr="0">
             <a:noAutofit/>
           </a:bodyPr>
           <a:lstStyle>
@@ -6009,15 +6083,19 @@
               </a:defRPr>
             </a:lvl9pPr>
           </a:lstStyle>
-          <a:p/>
+          <a:p>
+            <a:endParaRPr/>
+          </a:p>
         </p:txBody>
       </p:sp>
       <p:sp>
         <p:nvSpPr>
           <p:cNvPr id="60" name="Google Shape;60;p8"/>
-          <p:cNvSpPr txBox="1"/>
+          <p:cNvSpPr txBox="1">
+            <a:spLocks noGrp="1"/>
+          </p:cNvSpPr>
           <p:nvPr>
-            <p:ph idx="12" type="sldNum"/>
+            <p:ph type="sldNum" idx="12"/>
           </p:nvPr>
         </p:nvSpPr>
         <p:spPr>
@@ -6030,7 +6108,7 @@
           </a:prstGeom>
         </p:spPr>
         <p:txBody>
-          <a:bodyPr anchorCtr="0" anchor="ctr" bIns="91425" lIns="91425" spcFirstLastPara="1" rIns="91425" wrap="square" tIns="91425">
+          <a:bodyPr spcFirstLastPara="1" wrap="square" lIns="91425" tIns="91425" rIns="91425" bIns="91425" anchor="ctr" anchorCtr="0">
             <a:noAutofit/>
           </a:bodyPr>
           <a:lstStyle>
@@ -6108,7 +6186,7 @@
             </a:lvl9pPr>
           </a:lstStyle>
           <a:p>
-            <a:pPr indent="0" lvl="0" marL="0" rtl="0" algn="r">
+            <a:pPr marL="0" lvl="0" indent="0" algn="r" rtl="0">
               <a:spcBef>
                 <a:spcPts val="0"/>
               </a:spcBef>
@@ -6134,11 +6212,11 @@
 </file>
 
 <file path=ppt/slideLayouts/slideLayout8.xml><?xml version="1.0" encoding="utf-8"?>
-<p:sldLayout xmlns:a="http://schemas.openxmlformats.org/drawingml/2006/main" xmlns:r="http://schemas.openxmlformats.org/officeDocument/2006/relationships" xmlns:mc="http://schemas.openxmlformats.org/markup-compatibility/2006" xmlns:mv="urn:schemas-microsoft-com:mac:vml" xmlns:p="http://schemas.openxmlformats.org/presentationml/2006/main" xmlns:c="http://schemas.openxmlformats.org/drawingml/2006/chart" xmlns:dgm="http://schemas.openxmlformats.org/drawingml/2006/diagram" xmlns:o="urn:schemas-microsoft-com:office:office" xmlns:v="urn:schemas-microsoft-com:vml" xmlns:pvml="urn:schemas-microsoft-com:office:powerpoint" xmlns:com="http://schemas.openxmlformats.org/drawingml/2006/compatibility" xmlns:p14="http://schemas.microsoft.com/office/powerpoint/2010/main" xmlns:p15="http://schemas.microsoft.com/office/powerpoint/2012/main" xmlns:ahyp="http://schemas.microsoft.com/office/drawing/2018/hyperlinkcolor" matchingName="Section title and description">
+<p:sldLayout xmlns:a="http://schemas.openxmlformats.org/drawingml/2006/main" xmlns:r="http://schemas.openxmlformats.org/officeDocument/2006/relationships" xmlns:p="http://schemas.openxmlformats.org/presentationml/2006/main" matchingName="Section title and description">
   <p:cSld name="SECTION_TITLE_AND_DESCRIPTION">
     <p:spTree>
       <p:nvGrpSpPr>
-        <p:cNvPr id="61" name="Shape 61"/>
+        <p:cNvPr id="1" name="Shape 61"/>
         <p:cNvGrpSpPr/>
         <p:nvPr/>
       </p:nvGrpSpPr>
@@ -6172,12 +6250,12 @@
           </a:ln>
         </p:spPr>
         <p:txBody>
-          <a:bodyPr anchorCtr="0" anchor="ctr" bIns="91425" lIns="91425" spcFirstLastPara="1" rIns="91425" wrap="square" tIns="91425">
+          <a:bodyPr spcFirstLastPara="1" wrap="square" lIns="91425" tIns="91425" rIns="91425" bIns="91425" anchor="ctr" anchorCtr="0">
             <a:noAutofit/>
           </a:bodyPr>
           <a:lstStyle/>
           <a:p>
-            <a:pPr indent="0" lvl="0" marL="0" rtl="0" algn="l">
+            <a:pPr marL="0" lvl="0" indent="0" algn="l" rtl="0">
               <a:spcBef>
                 <a:spcPts val="0"/>
               </a:spcBef>
@@ -6186,9 +6264,6 @@
               </a:spcAft>
               <a:buNone/>
             </a:pPr>
-            <a:r>
-              <a:t/>
-            </a:r>
             <a:endParaRPr/>
           </a:p>
         </p:txBody>
@@ -6229,12 +6304,12 @@
             </a:ln>
           </p:spPr>
           <p:txBody>
-            <a:bodyPr anchorCtr="0" anchor="ctr" bIns="91425" lIns="91425" spcFirstLastPara="1" rIns="91425" wrap="square" tIns="91425">
+            <a:bodyPr spcFirstLastPara="1" wrap="square" lIns="91425" tIns="91425" rIns="91425" bIns="91425" anchor="ctr" anchorCtr="0">
               <a:noAutofit/>
             </a:bodyPr>
             <a:lstStyle/>
             <a:p>
-              <a:pPr indent="0" lvl="0" marL="0" rtl="0" algn="l">
+              <a:pPr marL="0" lvl="0" indent="0" algn="l" rtl="0">
                 <a:spcBef>
                   <a:spcPts val="0"/>
                 </a:spcBef>
@@ -6243,9 +6318,6 @@
                 </a:spcAft>
                 <a:buNone/>
               </a:pPr>
-              <a:r>
-                <a:t/>
-              </a:r>
               <a:endParaRPr/>
             </a:p>
           </p:txBody>
@@ -6272,12 +6344,12 @@
             </a:ln>
           </p:spPr>
           <p:txBody>
-            <a:bodyPr anchorCtr="0" anchor="ctr" bIns="91425" lIns="91425" spcFirstLastPara="1" rIns="91425" wrap="square" tIns="91425">
+            <a:bodyPr spcFirstLastPara="1" wrap="square" lIns="91425" tIns="91425" rIns="91425" bIns="91425" anchor="ctr" anchorCtr="0">
               <a:noAutofit/>
             </a:bodyPr>
             <a:lstStyle/>
             <a:p>
-              <a:pPr indent="0" lvl="0" marL="0" rtl="0" algn="l">
+              <a:pPr marL="0" lvl="0" indent="0" algn="l" rtl="0">
                 <a:spcBef>
                   <a:spcPts val="0"/>
                 </a:spcBef>
@@ -6286,9 +6358,6 @@
                 </a:spcAft>
                 <a:buNone/>
               </a:pPr>
-              <a:r>
-                <a:t/>
-              </a:r>
               <a:endParaRPr/>
             </a:p>
           </p:txBody>
@@ -6297,7 +6366,9 @@
       <p:sp>
         <p:nvSpPr>
           <p:cNvPr id="66" name="Google Shape;66;p9"/>
-          <p:cNvSpPr txBox="1"/>
+          <p:cNvSpPr txBox="1">
+            <a:spLocks noGrp="1"/>
+          </p:cNvSpPr>
           <p:nvPr>
             <p:ph type="title"/>
           </p:nvPr>
@@ -6312,7 +6383,7 @@
           </a:prstGeom>
         </p:spPr>
         <p:txBody>
-          <a:bodyPr anchorCtr="0" anchor="t" bIns="91425" lIns="91425" spcFirstLastPara="1" rIns="91425" wrap="square" tIns="91425">
+          <a:bodyPr spcFirstLastPara="1" wrap="square" lIns="91425" tIns="91425" rIns="91425" bIns="91425" anchor="t" anchorCtr="0">
             <a:noAutofit/>
           </a:bodyPr>
           <a:lstStyle>
@@ -6479,15 +6550,19 @@
               </a:defRPr>
             </a:lvl9pPr>
           </a:lstStyle>
-          <a:p/>
+          <a:p>
+            <a:endParaRPr/>
+          </a:p>
         </p:txBody>
       </p:sp>
       <p:sp>
         <p:nvSpPr>
           <p:cNvPr id="67" name="Google Shape;67;p9"/>
-          <p:cNvSpPr txBox="1"/>
+          <p:cNvSpPr txBox="1">
+            <a:spLocks noGrp="1"/>
+          </p:cNvSpPr>
           <p:nvPr>
-            <p:ph idx="1" type="subTitle"/>
+            <p:ph type="subTitle" idx="1"/>
           </p:nvPr>
         </p:nvSpPr>
         <p:spPr>
@@ -6500,7 +6575,7 @@
           </a:prstGeom>
         </p:spPr>
         <p:txBody>
-          <a:bodyPr anchorCtr="0" anchor="t" bIns="91425" lIns="91425" spcFirstLastPara="1" rIns="91425" wrap="square" tIns="91425">
+          <a:bodyPr spcFirstLastPara="1" wrap="square" lIns="91425" tIns="91425" rIns="91425" bIns="91425" anchor="t" anchorCtr="0">
             <a:noAutofit/>
           </a:bodyPr>
           <a:lstStyle>
@@ -6631,15 +6706,19 @@
               <a:defRPr sz="1600"/>
             </a:lvl9pPr>
           </a:lstStyle>
-          <a:p/>
+          <a:p>
+            <a:endParaRPr/>
+          </a:p>
         </p:txBody>
       </p:sp>
       <p:sp>
         <p:nvSpPr>
           <p:cNvPr id="68" name="Google Shape;68;p9"/>
-          <p:cNvSpPr txBox="1"/>
+          <p:cNvSpPr txBox="1">
+            <a:spLocks noGrp="1"/>
+          </p:cNvSpPr>
           <p:nvPr>
-            <p:ph idx="2" type="body"/>
+            <p:ph type="body" idx="2"/>
           </p:nvPr>
         </p:nvSpPr>
         <p:spPr>
@@ -6652,11 +6731,11 @@
           </a:prstGeom>
         </p:spPr>
         <p:txBody>
-          <a:bodyPr anchorCtr="0" anchor="t" bIns="91425" lIns="91425" spcFirstLastPara="1" rIns="91425" wrap="square" tIns="91425">
+          <a:bodyPr spcFirstLastPara="1" wrap="square" lIns="91425" tIns="91425" rIns="91425" bIns="91425" anchor="t" anchorCtr="0">
             <a:noAutofit/>
           </a:bodyPr>
           <a:lstStyle>
-            <a:lvl1pPr indent="-311150" lvl="0" marL="457200">
+            <a:lvl1pPr marL="457200" lvl="0" indent="-311150">
               <a:spcBef>
                 <a:spcPts val="0"/>
               </a:spcBef>
@@ -6667,7 +6746,7 @@
               <a:buChar char="●"/>
               <a:defRPr/>
             </a:lvl1pPr>
-            <a:lvl2pPr indent="-298450" lvl="1" marL="914400">
+            <a:lvl2pPr marL="914400" lvl="1" indent="-298450">
               <a:spcBef>
                 <a:spcPts val="1600"/>
               </a:spcBef>
@@ -6678,7 +6757,7 @@
               <a:buChar char="○"/>
               <a:defRPr/>
             </a:lvl2pPr>
-            <a:lvl3pPr indent="-298450" lvl="2" marL="1371600">
+            <a:lvl3pPr marL="1371600" lvl="2" indent="-298450">
               <a:spcBef>
                 <a:spcPts val="1600"/>
               </a:spcBef>
@@ -6689,7 +6768,7 @@
               <a:buChar char="■"/>
               <a:defRPr/>
             </a:lvl3pPr>
-            <a:lvl4pPr indent="-298450" lvl="3" marL="1828800">
+            <a:lvl4pPr marL="1828800" lvl="3" indent="-298450">
               <a:spcBef>
                 <a:spcPts val="1600"/>
               </a:spcBef>
@@ -6700,7 +6779,7 @@
               <a:buChar char="●"/>
               <a:defRPr/>
             </a:lvl4pPr>
-            <a:lvl5pPr indent="-298450" lvl="4" marL="2286000">
+            <a:lvl5pPr marL="2286000" lvl="4" indent="-298450">
               <a:spcBef>
                 <a:spcPts val="1600"/>
               </a:spcBef>
@@ -6711,7 +6790,7 @@
               <a:buChar char="○"/>
               <a:defRPr/>
             </a:lvl5pPr>
-            <a:lvl6pPr indent="-298450" lvl="5" marL="2743200">
+            <a:lvl6pPr marL="2743200" lvl="5" indent="-298450">
               <a:spcBef>
                 <a:spcPts val="1600"/>
               </a:spcBef>
@@ -6722,7 +6801,7 @@
               <a:buChar char="■"/>
               <a:defRPr/>
             </a:lvl6pPr>
-            <a:lvl7pPr indent="-298450" lvl="6" marL="3200400">
+            <a:lvl7pPr marL="3200400" lvl="6" indent="-298450">
               <a:spcBef>
                 <a:spcPts val="1600"/>
               </a:spcBef>
@@ -6733,7 +6812,7 @@
               <a:buChar char="●"/>
               <a:defRPr/>
             </a:lvl7pPr>
-            <a:lvl8pPr indent="-298450" lvl="7" marL="3657600">
+            <a:lvl8pPr marL="3657600" lvl="7" indent="-298450">
               <a:spcBef>
                 <a:spcPts val="1600"/>
               </a:spcBef>
@@ -6744,7 +6823,7 @@
               <a:buChar char="○"/>
               <a:defRPr/>
             </a:lvl8pPr>
-            <a:lvl9pPr indent="-298450" lvl="8" marL="4114800">
+            <a:lvl9pPr marL="4114800" lvl="8" indent="-298450">
               <a:spcBef>
                 <a:spcPts val="1600"/>
               </a:spcBef>
@@ -6756,15 +6835,19 @@
               <a:defRPr/>
             </a:lvl9pPr>
           </a:lstStyle>
-          <a:p/>
+          <a:p>
+            <a:endParaRPr/>
+          </a:p>
         </p:txBody>
       </p:sp>
       <p:sp>
         <p:nvSpPr>
           <p:cNvPr id="69" name="Google Shape;69;p9"/>
-          <p:cNvSpPr txBox="1"/>
+          <p:cNvSpPr txBox="1">
+            <a:spLocks noGrp="1"/>
+          </p:cNvSpPr>
           <p:nvPr>
-            <p:ph idx="12" type="sldNum"/>
+            <p:ph type="sldNum" idx="12"/>
           </p:nvPr>
         </p:nvSpPr>
         <p:spPr>
@@ -6777,7 +6860,7 @@
           </a:prstGeom>
         </p:spPr>
         <p:txBody>
-          <a:bodyPr anchorCtr="0" anchor="ctr" bIns="91425" lIns="91425" spcFirstLastPara="1" rIns="91425" wrap="square" tIns="91425">
+          <a:bodyPr spcFirstLastPara="1" wrap="square" lIns="91425" tIns="91425" rIns="91425" bIns="91425" anchor="ctr" anchorCtr="0">
             <a:noAutofit/>
           </a:bodyPr>
           <a:lstStyle>
@@ -6819,7 +6902,7 @@
             </a:lvl9pPr>
           </a:lstStyle>
           <a:p>
-            <a:pPr indent="0" lvl="0" marL="0" rtl="0" algn="r">
+            <a:pPr marL="0" lvl="0" indent="0" algn="r" rtl="0">
               <a:spcBef>
                 <a:spcPts val="0"/>
               </a:spcBef>
@@ -6845,11 +6928,11 @@
 </file>
 
 <file path=ppt/slideLayouts/slideLayout9.xml><?xml version="1.0" encoding="utf-8"?>
-<p:sldLayout xmlns:a="http://schemas.openxmlformats.org/drawingml/2006/main" xmlns:r="http://schemas.openxmlformats.org/officeDocument/2006/relationships" xmlns:mc="http://schemas.openxmlformats.org/markup-compatibility/2006" xmlns:mv="urn:schemas-microsoft-com:mac:vml" xmlns:p="http://schemas.openxmlformats.org/presentationml/2006/main" xmlns:c="http://schemas.openxmlformats.org/drawingml/2006/chart" xmlns:dgm="http://schemas.openxmlformats.org/drawingml/2006/diagram" xmlns:o="urn:schemas-microsoft-com:office:office" xmlns:v="urn:schemas-microsoft-com:vml" xmlns:pvml="urn:schemas-microsoft-com:office:powerpoint" xmlns:com="http://schemas.openxmlformats.org/drawingml/2006/compatibility" xmlns:p14="http://schemas.microsoft.com/office/powerpoint/2010/main" xmlns:p15="http://schemas.microsoft.com/office/powerpoint/2012/main" xmlns:ahyp="http://schemas.microsoft.com/office/drawing/2018/hyperlinkcolor" matchingName="Caption">
+<p:sldLayout xmlns:a="http://schemas.openxmlformats.org/drawingml/2006/main" xmlns:r="http://schemas.openxmlformats.org/officeDocument/2006/relationships" xmlns:p="http://schemas.openxmlformats.org/presentationml/2006/main" matchingName="Caption">
   <p:cSld name="CAPTION_ONLY">
     <p:spTree>
       <p:nvGrpSpPr>
-        <p:cNvPr id="70" name="Shape 70"/>
+        <p:cNvPr id="1" name="Shape 70"/>
         <p:cNvGrpSpPr/>
         <p:nvPr/>
       </p:nvGrpSpPr>
@@ -6864,9 +6947,11 @@
       <p:sp>
         <p:nvSpPr>
           <p:cNvPr id="71" name="Google Shape;71;p10"/>
-          <p:cNvSpPr txBox="1"/>
+          <p:cNvSpPr txBox="1">
+            <a:spLocks noGrp="1"/>
+          </p:cNvSpPr>
           <p:nvPr>
-            <p:ph idx="1" type="body"/>
+            <p:ph type="body" idx="1"/>
           </p:nvPr>
         </p:nvSpPr>
         <p:spPr>
@@ -6879,11 +6964,11 @@
           </a:prstGeom>
         </p:spPr>
         <p:txBody>
-          <a:bodyPr anchorCtr="0" anchor="ctr" bIns="91425" lIns="91425" spcFirstLastPara="1" rIns="91425" wrap="square" tIns="91425">
+          <a:bodyPr spcFirstLastPara="1" wrap="square" lIns="91425" tIns="91425" rIns="91425" bIns="91425" anchor="ctr" anchorCtr="0">
             <a:noAutofit/>
           </a:bodyPr>
           <a:lstStyle>
-            <a:lvl1pPr indent="-228600" lvl="0" marL="457200">
+            <a:lvl1pPr marL="457200" lvl="0" indent="-228600">
               <a:lnSpc>
                 <a:spcPct val="100000"/>
               </a:lnSpc>
@@ -6898,15 +6983,19 @@
               <a:defRPr/>
             </a:lvl1pPr>
           </a:lstStyle>
-          <a:p/>
+          <a:p>
+            <a:endParaRPr/>
+          </a:p>
         </p:txBody>
       </p:sp>
       <p:sp>
         <p:nvSpPr>
           <p:cNvPr id="72" name="Google Shape;72;p10"/>
-          <p:cNvSpPr txBox="1"/>
+          <p:cNvSpPr txBox="1">
+            <a:spLocks noGrp="1"/>
+          </p:cNvSpPr>
           <p:nvPr>
-            <p:ph idx="12" type="sldNum"/>
+            <p:ph type="sldNum" idx="12"/>
           </p:nvPr>
         </p:nvSpPr>
         <p:spPr>
@@ -6919,7 +7008,7 @@
           </a:prstGeom>
         </p:spPr>
         <p:txBody>
-          <a:bodyPr anchorCtr="0" anchor="ctr" bIns="91425" lIns="91425" spcFirstLastPara="1" rIns="91425" wrap="square" tIns="91425">
+          <a:bodyPr spcFirstLastPara="1" wrap="square" lIns="91425" tIns="91425" rIns="91425" bIns="91425" anchor="ctr" anchorCtr="0">
             <a:noAutofit/>
           </a:bodyPr>
           <a:lstStyle>
@@ -6961,7 +7050,7 @@
             </a:lvl9pPr>
           </a:lstStyle>
           <a:p>
-            <a:pPr indent="0" lvl="0" marL="0" rtl="0" algn="r">
+            <a:pPr marL="0" lvl="0" indent="0" algn="r" rtl="0">
               <a:spcBef>
                 <a:spcPts val="0"/>
               </a:spcBef>
@@ -6987,18 +7076,19 @@
 </file>
 
 <file path=ppt/slideMasters/slideMaster1.xml><?xml version="1.0" encoding="utf-8"?>
-<p:sldMaster xmlns:a="http://schemas.openxmlformats.org/drawingml/2006/main" xmlns:r="http://schemas.openxmlformats.org/officeDocument/2006/relationships" xmlns:mc="http://schemas.openxmlformats.org/markup-compatibility/2006" xmlns:mv="urn:schemas-microsoft-com:mac:vml" xmlns:p="http://schemas.openxmlformats.org/presentationml/2006/main" xmlns:c="http://schemas.openxmlformats.org/drawingml/2006/chart" xmlns:dgm="http://schemas.openxmlformats.org/drawingml/2006/diagram" xmlns:o="urn:schemas-microsoft-com:office:office" xmlns:v="urn:schemas-microsoft-com:vml" xmlns:pvml="urn:schemas-microsoft-com:office:powerpoint" xmlns:com="http://schemas.openxmlformats.org/drawingml/2006/compatibility" xmlns:p14="http://schemas.microsoft.com/office/powerpoint/2010/main" xmlns:p15="http://schemas.microsoft.com/office/powerpoint/2012/main" xmlns:ahyp="http://schemas.microsoft.com/office/drawing/2018/hyperlinkcolor">
+<p:sldMaster xmlns:a="http://schemas.openxmlformats.org/drawingml/2006/main" xmlns:r="http://schemas.openxmlformats.org/officeDocument/2006/relationships" xmlns:p="http://schemas.openxmlformats.org/presentationml/2006/main">
   <p:cSld name="streamline">
     <p:bg>
       <p:bgPr>
         <a:solidFill>
           <a:schemeClr val="lt1"/>
         </a:solidFill>
+        <a:effectLst/>
       </p:bgPr>
     </p:bg>
     <p:spTree>
       <p:nvGrpSpPr>
-        <p:cNvPr id="5" name="Shape 5"/>
+        <p:cNvPr id="1" name="Shape 5"/>
         <p:cNvGrpSpPr/>
         <p:nvPr/>
       </p:nvGrpSpPr>
@@ -7013,7 +7103,9 @@
       <p:sp>
         <p:nvSpPr>
           <p:cNvPr id="6" name="Google Shape;6;p1"/>
-          <p:cNvSpPr txBox="1"/>
+          <p:cNvSpPr txBox="1">
+            <a:spLocks noGrp="1"/>
+          </p:cNvSpPr>
           <p:nvPr>
             <p:ph type="title"/>
           </p:nvPr>
@@ -7032,7 +7124,7 @@
           </a:ln>
         </p:spPr>
         <p:txBody>
-          <a:bodyPr anchorCtr="0" anchor="t" bIns="91425" lIns="91425" spcFirstLastPara="1" rIns="91425" wrap="square" tIns="91425">
+          <a:bodyPr spcFirstLastPara="1" wrap="square" lIns="91425" tIns="91425" rIns="91425" bIns="91425" anchor="t" anchorCtr="0">
             <a:noAutofit/>
           </a:bodyPr>
           <a:lstStyle>
@@ -7046,7 +7138,7 @@
               <a:buSzPts val="2800"/>
               <a:buFont typeface="Raleway"/>
               <a:buNone/>
-              <a:defRPr b="1" sz="2800">
+              <a:defRPr sz="2800" b="1">
                 <a:latin typeface="Raleway"/>
                 <a:ea typeface="Raleway"/>
                 <a:cs typeface="Raleway"/>
@@ -7063,7 +7155,7 @@
               <a:buSzPts val="2800"/>
               <a:buFont typeface="Raleway"/>
               <a:buNone/>
-              <a:defRPr b="1" sz="2800">
+              <a:defRPr sz="2800" b="1">
                 <a:latin typeface="Raleway"/>
                 <a:ea typeface="Raleway"/>
                 <a:cs typeface="Raleway"/>
@@ -7080,7 +7172,7 @@
               <a:buSzPts val="2800"/>
               <a:buFont typeface="Raleway"/>
               <a:buNone/>
-              <a:defRPr b="1" sz="2800">
+              <a:defRPr sz="2800" b="1">
                 <a:latin typeface="Raleway"/>
                 <a:ea typeface="Raleway"/>
                 <a:cs typeface="Raleway"/>
@@ -7097,7 +7189,7 @@
               <a:buSzPts val="2800"/>
               <a:buFont typeface="Raleway"/>
               <a:buNone/>
-              <a:defRPr b="1" sz="2800">
+              <a:defRPr sz="2800" b="1">
                 <a:latin typeface="Raleway"/>
                 <a:ea typeface="Raleway"/>
                 <a:cs typeface="Raleway"/>
@@ -7114,7 +7206,7 @@
               <a:buSzPts val="2800"/>
               <a:buFont typeface="Raleway"/>
               <a:buNone/>
-              <a:defRPr b="1" sz="2800">
+              <a:defRPr sz="2800" b="1">
                 <a:latin typeface="Raleway"/>
                 <a:ea typeface="Raleway"/>
                 <a:cs typeface="Raleway"/>
@@ -7131,7 +7223,7 @@
               <a:buSzPts val="2800"/>
               <a:buFont typeface="Raleway"/>
               <a:buNone/>
-              <a:defRPr b="1" sz="2800">
+              <a:defRPr sz="2800" b="1">
                 <a:latin typeface="Raleway"/>
                 <a:ea typeface="Raleway"/>
                 <a:cs typeface="Raleway"/>
@@ -7148,7 +7240,7 @@
               <a:buSzPts val="2800"/>
               <a:buFont typeface="Raleway"/>
               <a:buNone/>
-              <a:defRPr b="1" sz="2800">
+              <a:defRPr sz="2800" b="1">
                 <a:latin typeface="Raleway"/>
                 <a:ea typeface="Raleway"/>
                 <a:cs typeface="Raleway"/>
@@ -7165,7 +7257,7 @@
               <a:buSzPts val="2800"/>
               <a:buFont typeface="Raleway"/>
               <a:buNone/>
-              <a:defRPr b="1" sz="2800">
+              <a:defRPr sz="2800" b="1">
                 <a:latin typeface="Raleway"/>
                 <a:ea typeface="Raleway"/>
                 <a:cs typeface="Raleway"/>
@@ -7182,7 +7274,7 @@
               <a:buSzPts val="2800"/>
               <a:buFont typeface="Raleway"/>
               <a:buNone/>
-              <a:defRPr b="1" sz="2800">
+              <a:defRPr sz="2800" b="1">
                 <a:latin typeface="Raleway"/>
                 <a:ea typeface="Raleway"/>
                 <a:cs typeface="Raleway"/>
@@ -7190,15 +7282,19 @@
               </a:defRPr>
             </a:lvl9pPr>
           </a:lstStyle>
-          <a:p/>
+          <a:p>
+            <a:endParaRPr/>
+          </a:p>
         </p:txBody>
       </p:sp>
       <p:sp>
         <p:nvSpPr>
           <p:cNvPr id="7" name="Google Shape;7;p1"/>
-          <p:cNvSpPr txBox="1"/>
+          <p:cNvSpPr txBox="1">
+            <a:spLocks noGrp="1"/>
+          </p:cNvSpPr>
           <p:nvPr>
-            <p:ph idx="1" type="body"/>
+            <p:ph type="body" idx="1"/>
           </p:nvPr>
         </p:nvSpPr>
         <p:spPr>
@@ -7215,11 +7311,11 @@
           </a:ln>
         </p:spPr>
         <p:txBody>
-          <a:bodyPr anchorCtr="0" anchor="t" bIns="91425" lIns="91425" spcFirstLastPara="1" rIns="91425" wrap="square" tIns="91425">
+          <a:bodyPr spcFirstLastPara="1" wrap="square" lIns="91425" tIns="91425" rIns="91425" bIns="91425" anchor="t" anchorCtr="0">
             <a:noAutofit/>
           </a:bodyPr>
           <a:lstStyle>
-            <a:lvl1pPr indent="-311150" lvl="0" marL="457200">
+            <a:lvl1pPr marL="457200" lvl="0" indent="-311150">
               <a:lnSpc>
                 <a:spcPct val="115000"/>
               </a:lnSpc>
@@ -7245,7 +7341,7 @@
                 <a:sym typeface="Lato"/>
               </a:defRPr>
             </a:lvl1pPr>
-            <a:lvl2pPr indent="-298450" lvl="1" marL="914400">
+            <a:lvl2pPr marL="914400" lvl="1" indent="-298450">
               <a:lnSpc>
                 <a:spcPct val="115000"/>
               </a:lnSpc>
@@ -7271,7 +7367,7 @@
                 <a:sym typeface="Lato"/>
               </a:defRPr>
             </a:lvl2pPr>
-            <a:lvl3pPr indent="-298450" lvl="2" marL="1371600">
+            <a:lvl3pPr marL="1371600" lvl="2" indent="-298450">
               <a:lnSpc>
                 <a:spcPct val="115000"/>
               </a:lnSpc>
@@ -7297,7 +7393,7 @@
                 <a:sym typeface="Lato"/>
               </a:defRPr>
             </a:lvl3pPr>
-            <a:lvl4pPr indent="-298450" lvl="3" marL="1828800">
+            <a:lvl4pPr marL="1828800" lvl="3" indent="-298450">
               <a:lnSpc>
                 <a:spcPct val="115000"/>
               </a:lnSpc>
@@ -7323,7 +7419,7 @@
                 <a:sym typeface="Lato"/>
               </a:defRPr>
             </a:lvl4pPr>
-            <a:lvl5pPr indent="-298450" lvl="4" marL="2286000">
+            <a:lvl5pPr marL="2286000" lvl="4" indent="-298450">
               <a:lnSpc>
                 <a:spcPct val="115000"/>
               </a:lnSpc>
@@ -7349,7 +7445,7 @@
                 <a:sym typeface="Lato"/>
               </a:defRPr>
             </a:lvl5pPr>
-            <a:lvl6pPr indent="-298450" lvl="5" marL="2743200">
+            <a:lvl6pPr marL="2743200" lvl="5" indent="-298450">
               <a:lnSpc>
                 <a:spcPct val="115000"/>
               </a:lnSpc>
@@ -7375,7 +7471,7 @@
                 <a:sym typeface="Lato"/>
               </a:defRPr>
             </a:lvl6pPr>
-            <a:lvl7pPr indent="-298450" lvl="6" marL="3200400">
+            <a:lvl7pPr marL="3200400" lvl="6" indent="-298450">
               <a:lnSpc>
                 <a:spcPct val="115000"/>
               </a:lnSpc>
@@ -7401,7 +7497,7 @@
                 <a:sym typeface="Lato"/>
               </a:defRPr>
             </a:lvl7pPr>
-            <a:lvl8pPr indent="-298450" lvl="7" marL="3657600">
+            <a:lvl8pPr marL="3657600" lvl="7" indent="-298450">
               <a:lnSpc>
                 <a:spcPct val="115000"/>
               </a:lnSpc>
@@ -7427,7 +7523,7 @@
                 <a:sym typeface="Lato"/>
               </a:defRPr>
             </a:lvl8pPr>
-            <a:lvl9pPr indent="-298450" lvl="8" marL="4114800">
+            <a:lvl9pPr marL="4114800" lvl="8" indent="-298450">
               <a:lnSpc>
                 <a:spcPct val="115000"/>
               </a:lnSpc>
@@ -7454,15 +7550,19 @@
               </a:defRPr>
             </a:lvl9pPr>
           </a:lstStyle>
-          <a:p/>
+          <a:p>
+            <a:endParaRPr/>
+          </a:p>
         </p:txBody>
       </p:sp>
       <p:sp>
         <p:nvSpPr>
           <p:cNvPr id="8" name="Google Shape;8;p1"/>
-          <p:cNvSpPr txBox="1"/>
+          <p:cNvSpPr txBox="1">
+            <a:spLocks noGrp="1"/>
+          </p:cNvSpPr>
           <p:nvPr>
-            <p:ph idx="12" type="sldNum"/>
+            <p:ph type="sldNum" idx="12"/>
           </p:nvPr>
         </p:nvSpPr>
         <p:spPr>
@@ -7479,7 +7579,7 @@
           </a:ln>
         </p:spPr>
         <p:txBody>
-          <a:bodyPr anchorCtr="0" anchor="ctr" bIns="91425" lIns="91425" spcFirstLastPara="1" rIns="91425" wrap="square" tIns="91425">
+          <a:bodyPr spcFirstLastPara="1" wrap="square" lIns="91425" tIns="91425" rIns="91425" bIns="91425" anchor="ctr" anchorCtr="0">
             <a:noAutofit/>
           </a:bodyPr>
           <a:lstStyle>
@@ -7593,7 +7693,7 @@
             </a:lvl9pPr>
           </a:lstStyle>
           <a:p>
-            <a:pPr indent="0" lvl="0" marL="0" rtl="0" algn="r">
+            <a:pPr marL="0" lvl="0" indent="0" algn="r" rtl="0">
               <a:spcBef>
                 <a:spcPts val="0"/>
               </a:spcBef>
@@ -7612,7 +7712,7 @@
       </p:sp>
     </p:spTree>
   </p:cSld>
-  <p:clrMap accent1="accent1" accent2="accent2" accent3="accent3" accent4="accent4" accent5="accent5" accent6="accent6" bg1="lt1" bg2="dk2" tx1="dk1" tx2="lt2" folHlink="folHlink" hlink="hlink"/>
+  <p:clrMap bg1="lt1" tx1="dk1" bg2="dk2" tx2="lt2" accent1="accent1" accent2="accent2" accent3="accent3" accent4="accent4" accent5="accent5" accent6="accent6" hlink="hlink" folHlink="folHlink"/>
   <p:sldLayoutIdLst>
     <p:sldLayoutId id="2147483648" r:id="rId1"/>
     <p:sldLayoutId id="2147483649" r:id="rId2"/>
@@ -7626,10 +7726,10 @@
     <p:sldLayoutId id="2147483657" r:id="rId10"/>
     <p:sldLayoutId id="2147483658" r:id="rId11"/>
   </p:sldLayoutIdLst>
-  <p:hf dt="0" ftr="0" hdr="0" sldNum="0"/>
+  <p:hf hdr="0" ftr="0" dt="0"/>
   <p:txStyles>
     <p:titleStyle>
-      <a:defPPr lvl="0" marR="0" rtl="0" algn="l">
+      <a:defPPr marR="0" lvl="0" algn="l" rtl="0">
         <a:lnSpc>
           <a:spcPct val="100000"/>
         </a:lnSpc>
@@ -7640,7 +7740,7 @@
           <a:spcPts val="0"/>
         </a:spcAft>
       </a:defPPr>
-      <a:lvl1pPr lvl="0" marR="0" rtl="0" algn="l">
+      <a:lvl1pPr marR="0" lvl="0" algn="l" rtl="0">
         <a:lnSpc>
           <a:spcPct val="100000"/>
         </a:lnSpc>
@@ -7654,7 +7754,7 @@
           <a:srgbClr val="000000"/>
         </a:buClr>
         <a:buFont typeface="Arial"/>
-        <a:defRPr b="0" i="0" sz="1400" u="none" cap="none" strike="noStrike">
+        <a:defRPr sz="1400" b="0" i="0" u="none" strike="noStrike" cap="none">
           <a:solidFill>
             <a:srgbClr val="000000"/>
           </a:solidFill>
@@ -7664,7 +7764,7 @@
           <a:sym typeface="Arial"/>
         </a:defRPr>
       </a:lvl1pPr>
-      <a:lvl2pPr lvl="1" marR="0" rtl="0" algn="l">
+      <a:lvl2pPr marR="0" lvl="1" algn="l" rtl="0">
         <a:lnSpc>
           <a:spcPct val="100000"/>
         </a:lnSpc>
@@ -7678,7 +7778,7 @@
           <a:srgbClr val="000000"/>
         </a:buClr>
         <a:buFont typeface="Arial"/>
-        <a:defRPr b="0" i="0" sz="1400" u="none" cap="none" strike="noStrike">
+        <a:defRPr sz="1400" b="0" i="0" u="none" strike="noStrike" cap="none">
           <a:solidFill>
             <a:srgbClr val="000000"/>
           </a:solidFill>
@@ -7688,7 +7788,7 @@
           <a:sym typeface="Arial"/>
         </a:defRPr>
       </a:lvl2pPr>
-      <a:lvl3pPr lvl="2" marR="0" rtl="0" algn="l">
+      <a:lvl3pPr marR="0" lvl="2" algn="l" rtl="0">
         <a:lnSpc>
           <a:spcPct val="100000"/>
         </a:lnSpc>
@@ -7702,7 +7802,7 @@
           <a:srgbClr val="000000"/>
         </a:buClr>
         <a:buFont typeface="Arial"/>
-        <a:defRPr b="0" i="0" sz="1400" u="none" cap="none" strike="noStrike">
+        <a:defRPr sz="1400" b="0" i="0" u="none" strike="noStrike" cap="none">
           <a:solidFill>
             <a:srgbClr val="000000"/>
           </a:solidFill>
@@ -7712,7 +7812,7 @@
           <a:sym typeface="Arial"/>
         </a:defRPr>
       </a:lvl3pPr>
-      <a:lvl4pPr lvl="3" marR="0" rtl="0" algn="l">
+      <a:lvl4pPr marR="0" lvl="3" algn="l" rtl="0">
         <a:lnSpc>
           <a:spcPct val="100000"/>
         </a:lnSpc>
@@ -7726,7 +7826,7 @@
           <a:srgbClr val="000000"/>
         </a:buClr>
         <a:buFont typeface="Arial"/>
-        <a:defRPr b="0" i="0" sz="1400" u="none" cap="none" strike="noStrike">
+        <a:defRPr sz="1400" b="0" i="0" u="none" strike="noStrike" cap="none">
           <a:solidFill>
             <a:srgbClr val="000000"/>
           </a:solidFill>
@@ -7736,7 +7836,7 @@
           <a:sym typeface="Arial"/>
         </a:defRPr>
       </a:lvl4pPr>
-      <a:lvl5pPr lvl="4" marR="0" rtl="0" algn="l">
+      <a:lvl5pPr marR="0" lvl="4" algn="l" rtl="0">
         <a:lnSpc>
           <a:spcPct val="100000"/>
         </a:lnSpc>
@@ -7750,7 +7850,7 @@
           <a:srgbClr val="000000"/>
         </a:buClr>
         <a:buFont typeface="Arial"/>
-        <a:defRPr b="0" i="0" sz="1400" u="none" cap="none" strike="noStrike">
+        <a:defRPr sz="1400" b="0" i="0" u="none" strike="noStrike" cap="none">
           <a:solidFill>
             <a:srgbClr val="000000"/>
           </a:solidFill>
@@ -7760,7 +7860,7 @@
           <a:sym typeface="Arial"/>
         </a:defRPr>
       </a:lvl5pPr>
-      <a:lvl6pPr lvl="5" marR="0" rtl="0" algn="l">
+      <a:lvl6pPr marR="0" lvl="5" algn="l" rtl="0">
         <a:lnSpc>
           <a:spcPct val="100000"/>
         </a:lnSpc>
@@ -7774,7 +7874,7 @@
           <a:srgbClr val="000000"/>
         </a:buClr>
         <a:buFont typeface="Arial"/>
-        <a:defRPr b="0" i="0" sz="1400" u="none" cap="none" strike="noStrike">
+        <a:defRPr sz="1400" b="0" i="0" u="none" strike="noStrike" cap="none">
           <a:solidFill>
             <a:srgbClr val="000000"/>
           </a:solidFill>
@@ -7784,7 +7884,7 @@
           <a:sym typeface="Arial"/>
         </a:defRPr>
       </a:lvl6pPr>
-      <a:lvl7pPr lvl="6" marR="0" rtl="0" algn="l">
+      <a:lvl7pPr marR="0" lvl="6" algn="l" rtl="0">
         <a:lnSpc>
           <a:spcPct val="100000"/>
         </a:lnSpc>
@@ -7798,7 +7898,7 @@
           <a:srgbClr val="000000"/>
         </a:buClr>
         <a:buFont typeface="Arial"/>
-        <a:defRPr b="0" i="0" sz="1400" u="none" cap="none" strike="noStrike">
+        <a:defRPr sz="1400" b="0" i="0" u="none" strike="noStrike" cap="none">
           <a:solidFill>
             <a:srgbClr val="000000"/>
           </a:solidFill>
@@ -7808,7 +7908,7 @@
           <a:sym typeface="Arial"/>
         </a:defRPr>
       </a:lvl7pPr>
-      <a:lvl8pPr lvl="7" marR="0" rtl="0" algn="l">
+      <a:lvl8pPr marR="0" lvl="7" algn="l" rtl="0">
         <a:lnSpc>
           <a:spcPct val="100000"/>
         </a:lnSpc>
@@ -7822,7 +7922,7 @@
           <a:srgbClr val="000000"/>
         </a:buClr>
         <a:buFont typeface="Arial"/>
-        <a:defRPr b="0" i="0" sz="1400" u="none" cap="none" strike="noStrike">
+        <a:defRPr sz="1400" b="0" i="0" u="none" strike="noStrike" cap="none">
           <a:solidFill>
             <a:srgbClr val="000000"/>
           </a:solidFill>
@@ -7832,7 +7932,7 @@
           <a:sym typeface="Arial"/>
         </a:defRPr>
       </a:lvl8pPr>
-      <a:lvl9pPr lvl="8" marR="0" rtl="0" algn="l">
+      <a:lvl9pPr marR="0" lvl="8" algn="l" rtl="0">
         <a:lnSpc>
           <a:spcPct val="100000"/>
         </a:lnSpc>
@@ -7846,7 +7946,7 @@
           <a:srgbClr val="000000"/>
         </a:buClr>
         <a:buFont typeface="Arial"/>
-        <a:defRPr b="0" i="0" sz="1400" u="none" cap="none" strike="noStrike">
+        <a:defRPr sz="1400" b="0" i="0" u="none" strike="noStrike" cap="none">
           <a:solidFill>
             <a:srgbClr val="000000"/>
           </a:solidFill>
@@ -7858,7 +7958,7 @@
       </a:lvl9pPr>
     </p:titleStyle>
     <p:bodyStyle>
-      <a:defPPr lvl="0" marR="0" rtl="0" algn="l">
+      <a:defPPr marR="0" lvl="0" algn="l" rtl="0">
         <a:lnSpc>
           <a:spcPct val="100000"/>
         </a:lnSpc>
@@ -7869,7 +7969,7 @@
           <a:spcPts val="0"/>
         </a:spcAft>
       </a:defPPr>
-      <a:lvl1pPr lvl="0" marR="0" rtl="0" algn="l">
+      <a:lvl1pPr marR="0" lvl="0" algn="l" rtl="0">
         <a:lnSpc>
           <a:spcPct val="100000"/>
         </a:lnSpc>
@@ -7883,7 +7983,7 @@
           <a:srgbClr val="000000"/>
         </a:buClr>
         <a:buFont typeface="Arial"/>
-        <a:defRPr b="0" i="0" sz="1400" u="none" cap="none" strike="noStrike">
+        <a:defRPr sz="1400" b="0" i="0" u="none" strike="noStrike" cap="none">
           <a:solidFill>
             <a:srgbClr val="000000"/>
           </a:solidFill>
@@ -7893,7 +7993,7 @@
           <a:sym typeface="Arial"/>
         </a:defRPr>
       </a:lvl1pPr>
-      <a:lvl2pPr lvl="1" marR="0" rtl="0" algn="l">
+      <a:lvl2pPr marR="0" lvl="1" algn="l" rtl="0">
         <a:lnSpc>
           <a:spcPct val="100000"/>
         </a:lnSpc>
@@ -7907,7 +8007,7 @@
           <a:srgbClr val="000000"/>
         </a:buClr>
         <a:buFont typeface="Arial"/>
-        <a:defRPr b="0" i="0" sz="1400" u="none" cap="none" strike="noStrike">
+        <a:defRPr sz="1400" b="0" i="0" u="none" strike="noStrike" cap="none">
           <a:solidFill>
             <a:srgbClr val="000000"/>
           </a:solidFill>
@@ -7917,7 +8017,7 @@
           <a:sym typeface="Arial"/>
         </a:defRPr>
       </a:lvl2pPr>
-      <a:lvl3pPr lvl="2" marR="0" rtl="0" algn="l">
+      <a:lvl3pPr marR="0" lvl="2" algn="l" rtl="0">
         <a:lnSpc>
           <a:spcPct val="100000"/>
         </a:lnSpc>
@@ -7931,7 +8031,7 @@
           <a:srgbClr val="000000"/>
         </a:buClr>
         <a:buFont typeface="Arial"/>
-        <a:defRPr b="0" i="0" sz="1400" u="none" cap="none" strike="noStrike">
+        <a:defRPr sz="1400" b="0" i="0" u="none" strike="noStrike" cap="none">
           <a:solidFill>
             <a:srgbClr val="000000"/>
           </a:solidFill>
@@ -7941,7 +8041,7 @@
           <a:sym typeface="Arial"/>
         </a:defRPr>
       </a:lvl3pPr>
-      <a:lvl4pPr lvl="3" marR="0" rtl="0" algn="l">
+      <a:lvl4pPr marR="0" lvl="3" algn="l" rtl="0">
         <a:lnSpc>
           <a:spcPct val="100000"/>
         </a:lnSpc>
@@ -7955,7 +8055,7 @@
           <a:srgbClr val="000000"/>
         </a:buClr>
         <a:buFont typeface="Arial"/>
-        <a:defRPr b="0" i="0" sz="1400" u="none" cap="none" strike="noStrike">
+        <a:defRPr sz="1400" b="0" i="0" u="none" strike="noStrike" cap="none">
           <a:solidFill>
             <a:srgbClr val="000000"/>
           </a:solidFill>
@@ -7965,7 +8065,7 @@
           <a:sym typeface="Arial"/>
         </a:defRPr>
       </a:lvl4pPr>
-      <a:lvl5pPr lvl="4" marR="0" rtl="0" algn="l">
+      <a:lvl5pPr marR="0" lvl="4" algn="l" rtl="0">
         <a:lnSpc>
           <a:spcPct val="100000"/>
         </a:lnSpc>
@@ -7979,7 +8079,7 @@
           <a:srgbClr val="000000"/>
         </a:buClr>
         <a:buFont typeface="Arial"/>
-        <a:defRPr b="0" i="0" sz="1400" u="none" cap="none" strike="noStrike">
+        <a:defRPr sz="1400" b="0" i="0" u="none" strike="noStrike" cap="none">
           <a:solidFill>
             <a:srgbClr val="000000"/>
           </a:solidFill>
@@ -7989,7 +8089,7 @@
           <a:sym typeface="Arial"/>
         </a:defRPr>
       </a:lvl5pPr>
-      <a:lvl6pPr lvl="5" marR="0" rtl="0" algn="l">
+      <a:lvl6pPr marR="0" lvl="5" algn="l" rtl="0">
         <a:lnSpc>
           <a:spcPct val="100000"/>
         </a:lnSpc>
@@ -8003,7 +8103,7 @@
           <a:srgbClr val="000000"/>
         </a:buClr>
         <a:buFont typeface="Arial"/>
-        <a:defRPr b="0" i="0" sz="1400" u="none" cap="none" strike="noStrike">
+        <a:defRPr sz="1400" b="0" i="0" u="none" strike="noStrike" cap="none">
           <a:solidFill>
             <a:srgbClr val="000000"/>
           </a:solidFill>
@@ -8013,7 +8113,7 @@
           <a:sym typeface="Arial"/>
         </a:defRPr>
       </a:lvl6pPr>
-      <a:lvl7pPr lvl="6" marR="0" rtl="0" algn="l">
+      <a:lvl7pPr marR="0" lvl="6" algn="l" rtl="0">
         <a:lnSpc>
           <a:spcPct val="100000"/>
         </a:lnSpc>
@@ -8027,7 +8127,7 @@
           <a:srgbClr val="000000"/>
         </a:buClr>
         <a:buFont typeface="Arial"/>
-        <a:defRPr b="0" i="0" sz="1400" u="none" cap="none" strike="noStrike">
+        <a:defRPr sz="1400" b="0" i="0" u="none" strike="noStrike" cap="none">
           <a:solidFill>
             <a:srgbClr val="000000"/>
           </a:solidFill>
@@ -8037,7 +8137,7 @@
           <a:sym typeface="Arial"/>
         </a:defRPr>
       </a:lvl7pPr>
-      <a:lvl8pPr lvl="7" marR="0" rtl="0" algn="l">
+      <a:lvl8pPr marR="0" lvl="7" algn="l" rtl="0">
         <a:lnSpc>
           <a:spcPct val="100000"/>
         </a:lnSpc>
@@ -8051,7 +8151,7 @@
           <a:srgbClr val="000000"/>
         </a:buClr>
         <a:buFont typeface="Arial"/>
-        <a:defRPr b="0" i="0" sz="1400" u="none" cap="none" strike="noStrike">
+        <a:defRPr sz="1400" b="0" i="0" u="none" strike="noStrike" cap="none">
           <a:solidFill>
             <a:srgbClr val="000000"/>
           </a:solidFill>
@@ -8061,7 +8161,7 @@
           <a:sym typeface="Arial"/>
         </a:defRPr>
       </a:lvl8pPr>
-      <a:lvl9pPr lvl="8" marR="0" rtl="0" algn="l">
+      <a:lvl9pPr marR="0" lvl="8" algn="l" rtl="0">
         <a:lnSpc>
           <a:spcPct val="100000"/>
         </a:lnSpc>
@@ -8075,7 +8175,7 @@
           <a:srgbClr val="000000"/>
         </a:buClr>
         <a:buFont typeface="Arial"/>
-        <a:defRPr b="0" i="0" sz="1400" u="none" cap="none" strike="noStrike">
+        <a:defRPr sz="1400" b="0" i="0" u="none" strike="noStrike" cap="none">
           <a:solidFill>
             <a:srgbClr val="000000"/>
           </a:solidFill>
@@ -8087,7 +8187,7 @@
       </a:lvl9pPr>
     </p:bodyStyle>
     <p:otherStyle>
-      <a:defPPr lvl="0" marR="0" rtl="0" algn="l">
+      <a:defPPr marR="0" lvl="0" algn="l" rtl="0">
         <a:lnSpc>
           <a:spcPct val="100000"/>
         </a:lnSpc>
@@ -8098,7 +8198,7 @@
           <a:spcPts val="0"/>
         </a:spcAft>
       </a:defPPr>
-      <a:lvl1pPr lvl="0" marR="0" rtl="0" algn="l">
+      <a:lvl1pPr marR="0" lvl="0" algn="l" rtl="0">
         <a:lnSpc>
           <a:spcPct val="100000"/>
         </a:lnSpc>
@@ -8112,7 +8212,7 @@
           <a:srgbClr val="000000"/>
         </a:buClr>
         <a:buFont typeface="Arial"/>
-        <a:defRPr b="0" i="0" sz="1400" u="none" cap="none" strike="noStrike">
+        <a:defRPr sz="1400" b="0" i="0" u="none" strike="noStrike" cap="none">
           <a:solidFill>
             <a:srgbClr val="000000"/>
           </a:solidFill>
@@ -8122,7 +8222,7 @@
           <a:sym typeface="Arial"/>
         </a:defRPr>
       </a:lvl1pPr>
-      <a:lvl2pPr lvl="1" marR="0" rtl="0" algn="l">
+      <a:lvl2pPr marR="0" lvl="1" algn="l" rtl="0">
         <a:lnSpc>
           <a:spcPct val="100000"/>
         </a:lnSpc>
@@ -8136,7 +8236,7 @@
           <a:srgbClr val="000000"/>
         </a:buClr>
         <a:buFont typeface="Arial"/>
-        <a:defRPr b="0" i="0" sz="1400" u="none" cap="none" strike="noStrike">
+        <a:defRPr sz="1400" b="0" i="0" u="none" strike="noStrike" cap="none">
           <a:solidFill>
             <a:srgbClr val="000000"/>
           </a:solidFill>
@@ -8146,7 +8246,7 @@
           <a:sym typeface="Arial"/>
         </a:defRPr>
       </a:lvl2pPr>
-      <a:lvl3pPr lvl="2" marR="0" rtl="0" algn="l">
+      <a:lvl3pPr marR="0" lvl="2" algn="l" rtl="0">
         <a:lnSpc>
           <a:spcPct val="100000"/>
         </a:lnSpc>
@@ -8160,7 +8260,7 @@
           <a:srgbClr val="000000"/>
         </a:buClr>
         <a:buFont typeface="Arial"/>
-        <a:defRPr b="0" i="0" sz="1400" u="none" cap="none" strike="noStrike">
+        <a:defRPr sz="1400" b="0" i="0" u="none" strike="noStrike" cap="none">
           <a:solidFill>
             <a:srgbClr val="000000"/>
           </a:solidFill>
@@ -8170,7 +8270,7 @@
           <a:sym typeface="Arial"/>
         </a:defRPr>
       </a:lvl3pPr>
-      <a:lvl4pPr lvl="3" marR="0" rtl="0" algn="l">
+      <a:lvl4pPr marR="0" lvl="3" algn="l" rtl="0">
         <a:lnSpc>
           <a:spcPct val="100000"/>
         </a:lnSpc>
@@ -8184,7 +8284,7 @@
           <a:srgbClr val="000000"/>
         </a:buClr>
         <a:buFont typeface="Arial"/>
-        <a:defRPr b="0" i="0" sz="1400" u="none" cap="none" strike="noStrike">
+        <a:defRPr sz="1400" b="0" i="0" u="none" strike="noStrike" cap="none">
           <a:solidFill>
             <a:srgbClr val="000000"/>
           </a:solidFill>
@@ -8194,7 +8294,7 @@
           <a:sym typeface="Arial"/>
         </a:defRPr>
       </a:lvl4pPr>
-      <a:lvl5pPr lvl="4" marR="0" rtl="0" algn="l">
+      <a:lvl5pPr marR="0" lvl="4" algn="l" rtl="0">
         <a:lnSpc>
           <a:spcPct val="100000"/>
         </a:lnSpc>
@@ -8208,7 +8308,7 @@
           <a:srgbClr val="000000"/>
         </a:buClr>
         <a:buFont typeface="Arial"/>
-        <a:defRPr b="0" i="0" sz="1400" u="none" cap="none" strike="noStrike">
+        <a:defRPr sz="1400" b="0" i="0" u="none" strike="noStrike" cap="none">
           <a:solidFill>
             <a:srgbClr val="000000"/>
           </a:solidFill>
@@ -8218,7 +8318,7 @@
           <a:sym typeface="Arial"/>
         </a:defRPr>
       </a:lvl5pPr>
-      <a:lvl6pPr lvl="5" marR="0" rtl="0" algn="l">
+      <a:lvl6pPr marR="0" lvl="5" algn="l" rtl="0">
         <a:lnSpc>
           <a:spcPct val="100000"/>
         </a:lnSpc>
@@ -8232,7 +8332,7 @@
           <a:srgbClr val="000000"/>
         </a:buClr>
         <a:buFont typeface="Arial"/>
-        <a:defRPr b="0" i="0" sz="1400" u="none" cap="none" strike="noStrike">
+        <a:defRPr sz="1400" b="0" i="0" u="none" strike="noStrike" cap="none">
           <a:solidFill>
             <a:srgbClr val="000000"/>
           </a:solidFill>
@@ -8242,7 +8342,7 @@
           <a:sym typeface="Arial"/>
         </a:defRPr>
       </a:lvl6pPr>
-      <a:lvl7pPr lvl="6" marR="0" rtl="0" algn="l">
+      <a:lvl7pPr marR="0" lvl="6" algn="l" rtl="0">
         <a:lnSpc>
           <a:spcPct val="100000"/>
         </a:lnSpc>
@@ -8256,7 +8356,7 @@
           <a:srgbClr val="000000"/>
         </a:buClr>
         <a:buFont typeface="Arial"/>
-        <a:defRPr b="0" i="0" sz="1400" u="none" cap="none" strike="noStrike">
+        <a:defRPr sz="1400" b="0" i="0" u="none" strike="noStrike" cap="none">
           <a:solidFill>
             <a:srgbClr val="000000"/>
           </a:solidFill>
@@ -8266,7 +8366,7 @@
           <a:sym typeface="Arial"/>
         </a:defRPr>
       </a:lvl7pPr>
-      <a:lvl8pPr lvl="7" marR="0" rtl="0" algn="l">
+      <a:lvl8pPr marR="0" lvl="7" algn="l" rtl="0">
         <a:lnSpc>
           <a:spcPct val="100000"/>
         </a:lnSpc>
@@ -8280,7 +8380,7 @@
           <a:srgbClr val="000000"/>
         </a:buClr>
         <a:buFont typeface="Arial"/>
-        <a:defRPr b="0" i="0" sz="1400" u="none" cap="none" strike="noStrike">
+        <a:defRPr sz="1400" b="0" i="0" u="none" strike="noStrike" cap="none">
           <a:solidFill>
             <a:srgbClr val="000000"/>
           </a:solidFill>
@@ -8290,7 +8390,7 @@
           <a:sym typeface="Arial"/>
         </a:defRPr>
       </a:lvl8pPr>
-      <a:lvl9pPr lvl="8" marR="0" rtl="0" algn="l">
+      <a:lvl9pPr marR="0" lvl="8" algn="l" rtl="0">
         <a:lnSpc>
           <a:spcPct val="100000"/>
         </a:lnSpc>
@@ -8304,7 +8404,7 @@
           <a:srgbClr val="000000"/>
         </a:buClr>
         <a:buFont typeface="Arial"/>
-        <a:defRPr b="0" i="0" sz="1400" u="none" cap="none" strike="noStrike">
+        <a:defRPr sz="1400" b="0" i="0" u="none" strike="noStrike" cap="none">
           <a:solidFill>
             <a:srgbClr val="000000"/>
           </a:solidFill>
@@ -8320,11 +8420,11 @@
 </file>
 
 <file path=ppt/slides/slide1.xml><?xml version="1.0" encoding="utf-8"?>
-<p:sld xmlns:a="http://schemas.openxmlformats.org/drawingml/2006/main" xmlns:r="http://schemas.openxmlformats.org/officeDocument/2006/relationships" xmlns:mc="http://schemas.openxmlformats.org/markup-compatibility/2006" xmlns:mv="urn:schemas-microsoft-com:mac:vml" xmlns:p="http://schemas.openxmlformats.org/presentationml/2006/main" xmlns:c="http://schemas.openxmlformats.org/drawingml/2006/chart" xmlns:dgm="http://schemas.openxmlformats.org/drawingml/2006/diagram" xmlns:o="urn:schemas-microsoft-com:office:office" xmlns:v="urn:schemas-microsoft-com:vml" xmlns:pvml="urn:schemas-microsoft-com:office:powerpoint" xmlns:com="http://schemas.openxmlformats.org/drawingml/2006/compatibility" xmlns:p14="http://schemas.microsoft.com/office/powerpoint/2010/main" xmlns:p15="http://schemas.microsoft.com/office/powerpoint/2012/main" xmlns:ahyp="http://schemas.microsoft.com/office/drawing/2018/hyperlinkcolor">
+<p:sld xmlns:a="http://schemas.openxmlformats.org/drawingml/2006/main" xmlns:r="http://schemas.openxmlformats.org/officeDocument/2006/relationships" xmlns:p="http://schemas.openxmlformats.org/presentationml/2006/main">
   <p:cSld>
     <p:spTree>
       <p:nvGrpSpPr>
-        <p:cNvPr id="85" name="Shape 85"/>
+        <p:cNvPr id="1" name="Shape 85"/>
         <p:cNvGrpSpPr/>
         <p:nvPr/>
       </p:nvGrpSpPr>
@@ -8339,7 +8439,9 @@
       <p:sp>
         <p:nvSpPr>
           <p:cNvPr id="86" name="Google Shape;86;p13"/>
-          <p:cNvSpPr txBox="1"/>
+          <p:cNvSpPr txBox="1">
+            <a:spLocks noGrp="1"/>
+          </p:cNvSpPr>
           <p:nvPr>
             <p:ph type="ctrTitle"/>
           </p:nvPr>
@@ -8354,12 +8456,12 @@
           </a:prstGeom>
         </p:spPr>
         <p:txBody>
-          <a:bodyPr anchorCtr="0" anchor="t" bIns="91425" lIns="91425" spcFirstLastPara="1" rIns="91425" wrap="square" tIns="91425">
+          <a:bodyPr spcFirstLastPara="1" wrap="square" lIns="91425" tIns="91425" rIns="91425" bIns="91425" anchor="t" anchorCtr="0">
             <a:noAutofit/>
           </a:bodyPr>
           <a:lstStyle/>
           <a:p>
-            <a:pPr indent="0" lvl="0" marL="0" rtl="0" algn="l">
+            <a:pPr marL="0" lvl="0" indent="0" algn="l" rtl="0">
               <a:spcBef>
                 <a:spcPts val="0"/>
               </a:spcBef>
@@ -8379,9 +8481,11 @@
       <p:sp>
         <p:nvSpPr>
           <p:cNvPr id="87" name="Google Shape;87;p13"/>
-          <p:cNvSpPr txBox="1"/>
+          <p:cNvSpPr txBox="1">
+            <a:spLocks noGrp="1"/>
+          </p:cNvSpPr>
           <p:nvPr>
-            <p:ph idx="1" type="subTitle"/>
+            <p:ph type="subTitle" idx="1"/>
           </p:nvPr>
         </p:nvSpPr>
         <p:spPr>
@@ -8394,12 +8498,12 @@
           </a:prstGeom>
         </p:spPr>
         <p:txBody>
-          <a:bodyPr anchorCtr="0" anchor="t" bIns="91425" lIns="91425" spcFirstLastPara="1" rIns="91425" wrap="square" tIns="91425">
+          <a:bodyPr spcFirstLastPara="1" wrap="square" lIns="91425" tIns="91425" rIns="91425" bIns="91425" anchor="t" anchorCtr="0">
             <a:noAutofit/>
           </a:bodyPr>
           <a:lstStyle/>
           <a:p>
-            <a:pPr indent="0" lvl="0" marL="0" rtl="0" algn="l">
+            <a:pPr marL="0" lvl="0" indent="0" algn="l" rtl="0">
               <a:spcBef>
                 <a:spcPts val="0"/>
               </a:spcBef>
@@ -8413,6 +8517,44 @@
               <a:t>Abdurahman Ali Mohammed</a:t>
             </a:r>
             <a:endParaRPr/>
+          </a:p>
+        </p:txBody>
+      </p:sp>
+      <p:sp>
+        <p:nvSpPr>
+          <p:cNvPr id="2" name="Slide Number Placeholder 1">
+            <a:extLst>
+              <a:ext uri="{FF2B5EF4-FFF2-40B4-BE49-F238E27FC236}">
+                <a16:creationId xmlns:a16="http://schemas.microsoft.com/office/drawing/2014/main" id="{34C45302-9109-41E4-9B9F-681CFB1F818D}"/>
+              </a:ext>
+            </a:extLst>
+          </p:cNvPr>
+          <p:cNvSpPr>
+            <a:spLocks noGrp="1"/>
+          </p:cNvSpPr>
+          <p:nvPr>
+            <p:ph type="sldNum" idx="12"/>
+          </p:nvPr>
+        </p:nvSpPr>
+        <p:spPr/>
+        <p:txBody>
+          <a:bodyPr/>
+          <a:lstStyle/>
+          <a:p>
+            <a:pPr marL="0" lvl="0" indent="0" algn="r" rtl="0">
+              <a:spcBef>
+                <a:spcPts val="0"/>
+              </a:spcBef>
+              <a:spcAft>
+                <a:spcPts val="0"/>
+              </a:spcAft>
+              <a:buNone/>
+            </a:pPr>
+            <a:fld id="{00000000-1234-1234-1234-123412341234}" type="slidenum">
+              <a:rPr lang="en" smtClean="0"/>
+              <a:t>1</a:t>
+            </a:fld>
+            <a:endParaRPr lang="en" dirty="0"/>
           </a:p>
         </p:txBody>
       </p:sp>
@@ -8425,11 +8567,11 @@
 </file>
 
 <file path=ppt/slides/slide10.xml><?xml version="1.0" encoding="utf-8"?>
-<p:sld xmlns:a="http://schemas.openxmlformats.org/drawingml/2006/main" xmlns:r="http://schemas.openxmlformats.org/officeDocument/2006/relationships" xmlns:mc="http://schemas.openxmlformats.org/markup-compatibility/2006" xmlns:mv="urn:schemas-microsoft-com:mac:vml" xmlns:p="http://schemas.openxmlformats.org/presentationml/2006/main" xmlns:c="http://schemas.openxmlformats.org/drawingml/2006/chart" xmlns:dgm="http://schemas.openxmlformats.org/drawingml/2006/diagram" xmlns:o="urn:schemas-microsoft-com:office:office" xmlns:v="urn:schemas-microsoft-com:vml" xmlns:pvml="urn:schemas-microsoft-com:office:powerpoint" xmlns:com="http://schemas.openxmlformats.org/drawingml/2006/compatibility" xmlns:p14="http://schemas.microsoft.com/office/powerpoint/2010/main" xmlns:p15="http://schemas.microsoft.com/office/powerpoint/2012/main" xmlns:ahyp="http://schemas.microsoft.com/office/drawing/2018/hyperlinkcolor">
+<p:sld xmlns:a="http://schemas.openxmlformats.org/drawingml/2006/main" xmlns:r="http://schemas.openxmlformats.org/officeDocument/2006/relationships" xmlns:p="http://schemas.openxmlformats.org/presentationml/2006/main">
   <p:cSld>
     <p:spTree>
       <p:nvGrpSpPr>
-        <p:cNvPr id="159" name="Shape 159"/>
+        <p:cNvPr id="1" name="Shape 159"/>
         <p:cNvGrpSpPr/>
         <p:nvPr/>
       </p:nvGrpSpPr>
@@ -8444,7 +8586,9 @@
       <p:sp>
         <p:nvSpPr>
           <p:cNvPr id="160" name="Google Shape;160;p22"/>
-          <p:cNvSpPr txBox="1"/>
+          <p:cNvSpPr txBox="1">
+            <a:spLocks noGrp="1"/>
+          </p:cNvSpPr>
           <p:nvPr>
             <p:ph type="title"/>
           </p:nvPr>
@@ -8459,12 +8603,12 @@
           </a:prstGeom>
         </p:spPr>
         <p:txBody>
-          <a:bodyPr anchorCtr="0" anchor="t" bIns="91425" lIns="91425" spcFirstLastPara="1" rIns="91425" wrap="square" tIns="91425">
+          <a:bodyPr spcFirstLastPara="1" wrap="square" lIns="91425" tIns="91425" rIns="91425" bIns="91425" anchor="t" anchorCtr="0">
             <a:noAutofit/>
           </a:bodyPr>
           <a:lstStyle/>
           <a:p>
-            <a:pPr indent="0" lvl="0" marL="0" rtl="0" algn="l">
+            <a:pPr marL="0" lvl="0" indent="0" algn="l" rtl="0">
               <a:spcBef>
                 <a:spcPts val="0"/>
               </a:spcBef>
@@ -8478,6 +8622,44 @@
               <a:t>QUICK DEMO</a:t>
             </a:r>
             <a:endParaRPr/>
+          </a:p>
+        </p:txBody>
+      </p:sp>
+      <p:sp>
+        <p:nvSpPr>
+          <p:cNvPr id="2" name="Slide Number Placeholder 1">
+            <a:extLst>
+              <a:ext uri="{FF2B5EF4-FFF2-40B4-BE49-F238E27FC236}">
+                <a16:creationId xmlns:a16="http://schemas.microsoft.com/office/drawing/2014/main" id="{18D5A905-1575-4DA7-B734-738FBB8BF9F0}"/>
+              </a:ext>
+            </a:extLst>
+          </p:cNvPr>
+          <p:cNvSpPr>
+            <a:spLocks noGrp="1"/>
+          </p:cNvSpPr>
+          <p:nvPr>
+            <p:ph type="sldNum" idx="12"/>
+          </p:nvPr>
+        </p:nvSpPr>
+        <p:spPr/>
+        <p:txBody>
+          <a:bodyPr/>
+          <a:lstStyle/>
+          <a:p>
+            <a:pPr marL="0" lvl="0" indent="0" algn="r" rtl="0">
+              <a:spcBef>
+                <a:spcPts val="0"/>
+              </a:spcBef>
+              <a:spcAft>
+                <a:spcPts val="0"/>
+              </a:spcAft>
+              <a:buNone/>
+            </a:pPr>
+            <a:fld id="{00000000-1234-1234-1234-123412341234}" type="slidenum">
+              <a:rPr lang="en" smtClean="0"/>
+              <a:t>10</a:t>
+            </a:fld>
+            <a:endParaRPr lang="en"/>
           </a:p>
         </p:txBody>
       </p:sp>
@@ -8490,11 +8672,11 @@
 </file>
 
 <file path=ppt/slides/slide2.xml><?xml version="1.0" encoding="utf-8"?>
-<p:sld xmlns:a="http://schemas.openxmlformats.org/drawingml/2006/main" xmlns:r="http://schemas.openxmlformats.org/officeDocument/2006/relationships" xmlns:mc="http://schemas.openxmlformats.org/markup-compatibility/2006" xmlns:mv="urn:schemas-microsoft-com:mac:vml" xmlns:p="http://schemas.openxmlformats.org/presentationml/2006/main" xmlns:c="http://schemas.openxmlformats.org/drawingml/2006/chart" xmlns:dgm="http://schemas.openxmlformats.org/drawingml/2006/diagram" xmlns:o="urn:schemas-microsoft-com:office:office" xmlns:v="urn:schemas-microsoft-com:vml" xmlns:pvml="urn:schemas-microsoft-com:office:powerpoint" xmlns:com="http://schemas.openxmlformats.org/drawingml/2006/compatibility" xmlns:p14="http://schemas.microsoft.com/office/powerpoint/2010/main" xmlns:p15="http://schemas.microsoft.com/office/powerpoint/2012/main" xmlns:ahyp="http://schemas.microsoft.com/office/drawing/2018/hyperlinkcolor">
+<p:sld xmlns:a="http://schemas.openxmlformats.org/drawingml/2006/main" xmlns:r="http://schemas.openxmlformats.org/officeDocument/2006/relationships" xmlns:p="http://schemas.openxmlformats.org/presentationml/2006/main">
   <p:cSld>
     <p:spTree>
       <p:nvGrpSpPr>
-        <p:cNvPr id="91" name="Shape 91"/>
+        <p:cNvPr id="1" name="Shape 91"/>
         <p:cNvGrpSpPr/>
         <p:nvPr/>
       </p:nvGrpSpPr>
@@ -8509,7 +8691,9 @@
       <p:sp>
         <p:nvSpPr>
           <p:cNvPr id="92" name="Google Shape;92;p14"/>
-          <p:cNvSpPr txBox="1"/>
+          <p:cNvSpPr txBox="1">
+            <a:spLocks noGrp="1"/>
+          </p:cNvSpPr>
           <p:nvPr>
             <p:ph type="title"/>
           </p:nvPr>
@@ -8524,12 +8708,12 @@
           </a:prstGeom>
         </p:spPr>
         <p:txBody>
-          <a:bodyPr anchorCtr="0" anchor="t" bIns="91425" lIns="91425" spcFirstLastPara="1" rIns="91425" wrap="square" tIns="91425">
+          <a:bodyPr spcFirstLastPara="1" wrap="square" lIns="91425" tIns="91425" rIns="91425" bIns="91425" anchor="t" anchorCtr="0">
             <a:noAutofit/>
           </a:bodyPr>
           <a:lstStyle/>
           <a:p>
-            <a:pPr indent="0" lvl="0" marL="0" rtl="0" algn="l">
+            <a:pPr marL="0" lvl="0" indent="0" algn="l" rtl="0">
               <a:spcBef>
                 <a:spcPts val="0"/>
               </a:spcBef>
@@ -8549,9 +8733,11 @@
       <p:sp>
         <p:nvSpPr>
           <p:cNvPr id="93" name="Google Shape;93;p14"/>
-          <p:cNvSpPr txBox="1"/>
+          <p:cNvSpPr txBox="1">
+            <a:spLocks noGrp="1"/>
+          </p:cNvSpPr>
           <p:nvPr>
-            <p:ph idx="1" type="body"/>
+            <p:ph type="body" idx="1"/>
           </p:nvPr>
         </p:nvSpPr>
         <p:spPr>
@@ -8564,12 +8750,12 @@
           </a:prstGeom>
         </p:spPr>
         <p:txBody>
-          <a:bodyPr anchorCtr="0" anchor="t" bIns="91425" lIns="91425" spcFirstLastPara="1" rIns="91425" wrap="square" tIns="91425">
+          <a:bodyPr spcFirstLastPara="1" wrap="square" lIns="91425" tIns="91425" rIns="91425" bIns="91425" anchor="t" anchorCtr="0">
             <a:noAutofit/>
           </a:bodyPr>
           <a:lstStyle/>
           <a:p>
-            <a:pPr indent="-330200" lvl="0" marL="457200" rtl="0" algn="l">
+            <a:pPr marL="457200" lvl="0" indent="-330200" algn="l" rtl="0">
               <a:spcBef>
                 <a:spcPts val="0"/>
               </a:spcBef>
@@ -8586,7 +8772,7 @@
             <a:endParaRPr sz="1600"/>
           </a:p>
           <a:p>
-            <a:pPr indent="-330200" lvl="0" marL="457200" rtl="0" algn="l">
+            <a:pPr marL="457200" lvl="0" indent="-330200" algn="l" rtl="0">
               <a:spcBef>
                 <a:spcPts val="0"/>
               </a:spcBef>
@@ -8603,7 +8789,7 @@
             <a:endParaRPr sz="1600"/>
           </a:p>
           <a:p>
-            <a:pPr indent="-317500" lvl="1" marL="914400" rtl="0" algn="l">
+            <a:pPr marL="914400" lvl="1" indent="-317500" algn="l" rtl="0">
               <a:spcBef>
                 <a:spcPts val="0"/>
               </a:spcBef>
@@ -8620,7 +8806,7 @@
             <a:endParaRPr sz="1400"/>
           </a:p>
           <a:p>
-            <a:pPr indent="-317500" lvl="1" marL="914400" rtl="0" algn="l">
+            <a:pPr marL="914400" lvl="1" indent="-317500" algn="l" rtl="0">
               <a:spcBef>
                 <a:spcPts val="0"/>
               </a:spcBef>
@@ -8637,7 +8823,7 @@
             <a:endParaRPr sz="1400"/>
           </a:p>
           <a:p>
-            <a:pPr indent="-317500" lvl="1" marL="914400" rtl="0" algn="l">
+            <a:pPr marL="914400" lvl="1" indent="-317500" algn="l" rtl="0">
               <a:spcBef>
                 <a:spcPts val="0"/>
               </a:spcBef>
@@ -8654,7 +8840,7 @@
             <a:endParaRPr sz="1400"/>
           </a:p>
           <a:p>
-            <a:pPr indent="-330200" lvl="0" marL="457200" rtl="0" algn="l">
+            <a:pPr marL="457200" lvl="0" indent="-330200" algn="l" rtl="0">
               <a:spcBef>
                 <a:spcPts val="0"/>
               </a:spcBef>
@@ -8669,6 +8855,44 @@
               <a:t>Quick Demo</a:t>
             </a:r>
             <a:endParaRPr sz="1600"/>
+          </a:p>
+        </p:txBody>
+      </p:sp>
+      <p:sp>
+        <p:nvSpPr>
+          <p:cNvPr id="2" name="Slide Number Placeholder 1">
+            <a:extLst>
+              <a:ext uri="{FF2B5EF4-FFF2-40B4-BE49-F238E27FC236}">
+                <a16:creationId xmlns:a16="http://schemas.microsoft.com/office/drawing/2014/main" id="{78F0D325-66E6-4E66-AF09-F91C804F1729}"/>
+              </a:ext>
+            </a:extLst>
+          </p:cNvPr>
+          <p:cNvSpPr>
+            <a:spLocks noGrp="1"/>
+          </p:cNvSpPr>
+          <p:nvPr>
+            <p:ph type="sldNum" idx="12"/>
+          </p:nvPr>
+        </p:nvSpPr>
+        <p:spPr/>
+        <p:txBody>
+          <a:bodyPr/>
+          <a:lstStyle/>
+          <a:p>
+            <a:pPr marL="0" lvl="0" indent="0" algn="r" rtl="0">
+              <a:spcBef>
+                <a:spcPts val="0"/>
+              </a:spcBef>
+              <a:spcAft>
+                <a:spcPts val="0"/>
+              </a:spcAft>
+              <a:buNone/>
+            </a:pPr>
+            <a:fld id="{00000000-1234-1234-1234-123412341234}" type="slidenum">
+              <a:rPr lang="en" smtClean="0"/>
+              <a:t>2</a:t>
+            </a:fld>
+            <a:endParaRPr lang="en"/>
           </a:p>
         </p:txBody>
       </p:sp>
@@ -8681,11 +8905,11 @@
 </file>
 
 <file path=ppt/slides/slide3.xml><?xml version="1.0" encoding="utf-8"?>
-<p:sld xmlns:a="http://schemas.openxmlformats.org/drawingml/2006/main" xmlns:r="http://schemas.openxmlformats.org/officeDocument/2006/relationships" xmlns:mc="http://schemas.openxmlformats.org/markup-compatibility/2006" xmlns:mv="urn:schemas-microsoft-com:mac:vml" xmlns:p="http://schemas.openxmlformats.org/presentationml/2006/main" xmlns:c="http://schemas.openxmlformats.org/drawingml/2006/chart" xmlns:dgm="http://schemas.openxmlformats.org/drawingml/2006/diagram" xmlns:o="urn:schemas-microsoft-com:office:office" xmlns:v="urn:schemas-microsoft-com:vml" xmlns:pvml="urn:schemas-microsoft-com:office:powerpoint" xmlns:com="http://schemas.openxmlformats.org/drawingml/2006/compatibility" xmlns:p14="http://schemas.microsoft.com/office/powerpoint/2010/main" xmlns:p15="http://schemas.microsoft.com/office/powerpoint/2012/main" xmlns:ahyp="http://schemas.microsoft.com/office/drawing/2018/hyperlinkcolor">
+<p:sld xmlns:a="http://schemas.openxmlformats.org/drawingml/2006/main" xmlns:r="http://schemas.openxmlformats.org/officeDocument/2006/relationships" xmlns:p="http://schemas.openxmlformats.org/presentationml/2006/main">
   <p:cSld>
     <p:spTree>
       <p:nvGrpSpPr>
-        <p:cNvPr id="97" name="Shape 97"/>
+        <p:cNvPr id="1" name="Shape 97"/>
         <p:cNvGrpSpPr/>
         <p:nvPr/>
       </p:nvGrpSpPr>
@@ -8700,7 +8924,9 @@
       <p:sp>
         <p:nvSpPr>
           <p:cNvPr id="98" name="Google Shape;98;p15"/>
-          <p:cNvSpPr txBox="1"/>
+          <p:cNvSpPr txBox="1">
+            <a:spLocks noGrp="1"/>
+          </p:cNvSpPr>
           <p:nvPr>
             <p:ph type="title"/>
           </p:nvPr>
@@ -8715,12 +8941,12 @@
           </a:prstGeom>
         </p:spPr>
         <p:txBody>
-          <a:bodyPr anchorCtr="0" anchor="t" bIns="91425" lIns="91425" spcFirstLastPara="1" rIns="91425" wrap="square" tIns="91425">
+          <a:bodyPr spcFirstLastPara="1" wrap="square" lIns="91425" tIns="91425" rIns="91425" bIns="91425" anchor="t" anchorCtr="0">
             <a:noAutofit/>
           </a:bodyPr>
           <a:lstStyle/>
           <a:p>
-            <a:pPr indent="0" lvl="0" marL="0" rtl="0" algn="l">
+            <a:pPr marL="0" lvl="0" indent="0" algn="l" rtl="0">
               <a:spcBef>
                 <a:spcPts val="0"/>
               </a:spcBef>
@@ -8730,19 +8956,21 @@
               <a:buNone/>
             </a:pPr>
             <a:r>
-              <a:rPr lang="en"/>
-              <a:t>Problem Statement</a:t>
+              <a:rPr lang="en" dirty="0"/>
+              <a:t>The problem</a:t>
             </a:r>
-            <a:endParaRPr/>
+            <a:endParaRPr dirty="0"/>
           </a:p>
         </p:txBody>
       </p:sp>
       <p:sp>
         <p:nvSpPr>
           <p:cNvPr id="99" name="Google Shape;99;p15"/>
-          <p:cNvSpPr txBox="1"/>
+          <p:cNvSpPr txBox="1">
+            <a:spLocks noGrp="1"/>
+          </p:cNvSpPr>
           <p:nvPr>
-            <p:ph idx="1" type="body"/>
+            <p:ph type="body" idx="1"/>
           </p:nvPr>
         </p:nvSpPr>
         <p:spPr>
@@ -8755,12 +8983,46 @@
           </a:prstGeom>
         </p:spPr>
         <p:txBody>
-          <a:bodyPr anchorCtr="0" anchor="t" bIns="91425" lIns="91425" spcFirstLastPara="1" rIns="91425" wrap="square" tIns="91425">
+          <a:bodyPr spcFirstLastPara="1" wrap="square" lIns="91425" tIns="91425" rIns="91425" bIns="91425" anchor="t" anchorCtr="0">
             <a:noAutofit/>
           </a:bodyPr>
           <a:lstStyle/>
           <a:p>
-            <a:pPr indent="-317500" lvl="0" marL="457200" rtl="0" algn="l">
+            <a:pPr marL="457200" lvl="0" indent="-317500" algn="l" rtl="0">
+              <a:spcBef>
+                <a:spcPts val="0"/>
+              </a:spcBef>
+              <a:spcAft>
+                <a:spcPts val="0"/>
+              </a:spcAft>
+              <a:buSzPts val="1400"/>
+              <a:buChar char="●"/>
+            </a:pPr>
+            <a:r>
+              <a:rPr lang="en" sz="1400" dirty="0"/>
+              <a:t>Cardiovascular diseases (CVDs) are the number 1 cause of death globally, taking an estimated 17.9 million lives each year.</a:t>
+            </a:r>
+            <a:endParaRPr sz="1400" dirty="0"/>
+          </a:p>
+          <a:p>
+            <a:pPr marL="457200" lvl="0" indent="-317500" algn="l" rtl="0">
+              <a:spcBef>
+                <a:spcPts val="0"/>
+              </a:spcBef>
+              <a:spcAft>
+                <a:spcPts val="0"/>
+              </a:spcAft>
+              <a:buSzPts val="1400"/>
+              <a:buChar char="●"/>
+            </a:pPr>
+            <a:r>
+              <a:rPr lang="en" sz="1400" dirty="0"/>
+              <a:t>Early detection of cardiovascular disease can be the difference between life and death.</a:t>
+            </a:r>
+            <a:endParaRPr sz="1400" dirty="0"/>
+          </a:p>
+          <a:p>
+            <a:pPr marL="457200" lvl="0" indent="-317500" algn="l" rtl="0">
               <a:spcBef>
                 <a:spcPts val="0"/>
               </a:spcBef>
@@ -8772,75 +9034,63 @@
             </a:pPr>
             <a:r>
               <a:rPr lang="en" sz="1400"/>
-              <a:t>Cardiovascular diseases (CVDs) are the number 1 cause of death globally, taking an estimated 17.9 million lives each year.</a:t>
+              <a:t>The </a:t>
             </a:r>
-            <a:endParaRPr sz="1400"/>
+            <a:r>
+              <a:rPr lang="en" sz="1400" dirty="0"/>
+              <a:t>objective of this project will be to simple prototype which will be used to detect Heart Disease based on information provided.</a:t>
+            </a:r>
+            <a:endParaRPr sz="1400" dirty="0"/>
           </a:p>
           <a:p>
-            <a:pPr indent="-317500" lvl="0" marL="457200" rtl="0" algn="l">
-              <a:spcBef>
-                <a:spcPts val="0"/>
-              </a:spcBef>
-              <a:spcAft>
-                <a:spcPts val="0"/>
-              </a:spcAft>
-              <a:buSzPts val="1400"/>
-              <a:buChar char="●"/>
+            <a:pPr marL="0" lvl="0" indent="0" algn="l" rtl="0">
+              <a:spcBef>
+                <a:spcPts val="1600"/>
+              </a:spcBef>
+              <a:spcAft>
+                <a:spcPts val="1600"/>
+              </a:spcAft>
+              <a:buNone/>
             </a:pPr>
-            <a:r>
-              <a:rPr lang="en" sz="1400"/>
-              <a:t>Early detection of cardiovascular disease can be the difference between life and death.</a:t>
-            </a:r>
-            <a:endParaRPr sz="1400"/>
+            <a:endParaRPr dirty="0"/>
           </a:p>
+        </p:txBody>
+      </p:sp>
+      <p:sp>
+        <p:nvSpPr>
+          <p:cNvPr id="2" name="Slide Number Placeholder 1">
+            <a:extLst>
+              <a:ext uri="{FF2B5EF4-FFF2-40B4-BE49-F238E27FC236}">
+                <a16:creationId xmlns:a16="http://schemas.microsoft.com/office/drawing/2014/main" id="{E51540F0-85D3-4098-8EE9-EDB87C3984F0}"/>
+              </a:ext>
+            </a:extLst>
+          </p:cNvPr>
+          <p:cNvSpPr>
+            <a:spLocks noGrp="1"/>
+          </p:cNvSpPr>
+          <p:nvPr>
+            <p:ph type="sldNum" idx="12"/>
+          </p:nvPr>
+        </p:nvSpPr>
+        <p:spPr/>
+        <p:txBody>
+          <a:bodyPr/>
+          <a:lstStyle/>
           <a:p>
-            <a:pPr indent="-317500" lvl="0" marL="457200" rtl="0" algn="l">
-              <a:spcBef>
-                <a:spcPts val="0"/>
-              </a:spcBef>
-              <a:spcAft>
-                <a:spcPts val="0"/>
-              </a:spcAft>
-              <a:buSzPts val="1400"/>
-              <a:buChar char="●"/>
+            <a:pPr marL="0" lvl="0" indent="0" algn="r" rtl="0">
+              <a:spcBef>
+                <a:spcPts val="0"/>
+              </a:spcBef>
+              <a:spcAft>
+                <a:spcPts val="0"/>
+              </a:spcAft>
+              <a:buNone/>
             </a:pPr>
-            <a:r>
-              <a:rPr lang="en" sz="1400"/>
-              <a:t>Global health workforce shortage to reach 12.9 million in coming decades.</a:t>
-            </a:r>
-            <a:endParaRPr sz="1400"/>
-          </a:p>
-          <a:p>
-            <a:pPr indent="-317500" lvl="0" marL="457200" rtl="0" algn="l">
-              <a:spcBef>
-                <a:spcPts val="0"/>
-              </a:spcBef>
-              <a:spcAft>
-                <a:spcPts val="0"/>
-              </a:spcAft>
-              <a:buSzPts val="1400"/>
-              <a:buChar char="●"/>
-            </a:pPr>
-            <a:r>
-              <a:rPr lang="en" sz="1400"/>
-              <a:t>The objective of this project will be to build an API which will be used to detect Heart Disease based on information provided.</a:t>
-            </a:r>
-            <a:endParaRPr sz="1400"/>
-          </a:p>
-          <a:p>
-            <a:pPr indent="0" lvl="0" marL="0" rtl="0" algn="l">
-              <a:spcBef>
-                <a:spcPts val="1600"/>
-              </a:spcBef>
-              <a:spcAft>
-                <a:spcPts val="1600"/>
-              </a:spcAft>
-              <a:buNone/>
-            </a:pPr>
-            <a:r>
-              <a:t/>
-            </a:r>
-            <a:endParaRPr/>
+            <a:fld id="{00000000-1234-1234-1234-123412341234}" type="slidenum">
+              <a:rPr lang="en" smtClean="0"/>
+              <a:t>3</a:t>
+            </a:fld>
+            <a:endParaRPr lang="en"/>
           </a:p>
         </p:txBody>
       </p:sp>
@@ -8853,11 +9103,11 @@
 </file>
 
 <file path=ppt/slides/slide4.xml><?xml version="1.0" encoding="utf-8"?>
-<p:sld xmlns:a="http://schemas.openxmlformats.org/drawingml/2006/main" xmlns:r="http://schemas.openxmlformats.org/officeDocument/2006/relationships" xmlns:mc="http://schemas.openxmlformats.org/markup-compatibility/2006" xmlns:mv="urn:schemas-microsoft-com:mac:vml" xmlns:p="http://schemas.openxmlformats.org/presentationml/2006/main" xmlns:c="http://schemas.openxmlformats.org/drawingml/2006/chart" xmlns:dgm="http://schemas.openxmlformats.org/drawingml/2006/diagram" xmlns:o="urn:schemas-microsoft-com:office:office" xmlns:v="urn:schemas-microsoft-com:vml" xmlns:pvml="urn:schemas-microsoft-com:office:powerpoint" xmlns:com="http://schemas.openxmlformats.org/drawingml/2006/compatibility" xmlns:p14="http://schemas.microsoft.com/office/powerpoint/2010/main" xmlns:p15="http://schemas.microsoft.com/office/powerpoint/2012/main" xmlns:ahyp="http://schemas.microsoft.com/office/drawing/2018/hyperlinkcolor">
+<p:sld xmlns:a="http://schemas.openxmlformats.org/drawingml/2006/main" xmlns:r="http://schemas.openxmlformats.org/officeDocument/2006/relationships" xmlns:p="http://schemas.openxmlformats.org/presentationml/2006/main">
   <p:cSld>
     <p:spTree>
       <p:nvGrpSpPr>
-        <p:cNvPr id="103" name="Shape 103"/>
+        <p:cNvPr id="1" name="Shape 103"/>
         <p:cNvGrpSpPr/>
         <p:nvPr/>
       </p:nvGrpSpPr>
@@ -8872,7 +9122,9 @@
       <p:sp>
         <p:nvSpPr>
           <p:cNvPr id="104" name="Google Shape;104;p16"/>
-          <p:cNvSpPr txBox="1"/>
+          <p:cNvSpPr txBox="1">
+            <a:spLocks noGrp="1"/>
+          </p:cNvSpPr>
           <p:nvPr>
             <p:ph type="title"/>
           </p:nvPr>
@@ -8887,12 +9139,12 @@
           </a:prstGeom>
         </p:spPr>
         <p:txBody>
-          <a:bodyPr anchorCtr="0" anchor="t" bIns="91425" lIns="91425" spcFirstLastPara="1" rIns="91425" wrap="square" tIns="91425">
+          <a:bodyPr spcFirstLastPara="1" wrap="square" lIns="91425" tIns="91425" rIns="91425" bIns="91425" anchor="t" anchorCtr="0">
             <a:noAutofit/>
           </a:bodyPr>
           <a:lstStyle/>
           <a:p>
-            <a:pPr indent="0" lvl="0" marL="0" rtl="0" algn="l">
+            <a:pPr marL="0" lvl="0" indent="0" algn="l" rtl="0">
               <a:spcBef>
                 <a:spcPts val="0"/>
               </a:spcBef>
@@ -8912,9 +9164,11 @@
       <p:sp>
         <p:nvSpPr>
           <p:cNvPr id="105" name="Google Shape;105;p16"/>
-          <p:cNvSpPr txBox="1"/>
+          <p:cNvSpPr txBox="1">
+            <a:spLocks noGrp="1"/>
+          </p:cNvSpPr>
           <p:nvPr>
-            <p:ph idx="1" type="body"/>
+            <p:ph type="body" idx="1"/>
           </p:nvPr>
         </p:nvSpPr>
         <p:spPr>
@@ -8927,12 +9181,12 @@
           </a:prstGeom>
         </p:spPr>
         <p:txBody>
-          <a:bodyPr anchorCtr="0" anchor="t" bIns="91425" lIns="91425" spcFirstLastPara="1" rIns="91425" wrap="square" tIns="91425">
+          <a:bodyPr spcFirstLastPara="1" wrap="square" lIns="91425" tIns="91425" rIns="91425" bIns="91425" anchor="t" anchorCtr="0">
             <a:noAutofit/>
           </a:bodyPr>
           <a:lstStyle/>
           <a:p>
-            <a:pPr indent="-317500" lvl="0" marL="457200" marR="0" rtl="0" algn="l">
+            <a:pPr marL="457200" marR="0" lvl="0" indent="-317500" algn="l" rtl="0">
               <a:lnSpc>
                 <a:spcPct val="115000"/>
               </a:lnSpc>
@@ -8952,7 +9206,7 @@
             <a:endParaRPr sz="1400"/>
           </a:p>
           <a:p>
-            <a:pPr indent="-317500" lvl="0" marL="457200" marR="0" rtl="0" algn="l">
+            <a:pPr marL="457200" marR="0" lvl="0" indent="-317500" algn="l" rtl="0">
               <a:lnSpc>
                 <a:spcPct val="115000"/>
               </a:lnSpc>
@@ -8972,7 +9226,7 @@
             <a:endParaRPr/>
           </a:p>
           <a:p>
-            <a:pPr indent="0" lvl="0" marL="457200" rtl="0" algn="l">
+            <a:pPr marL="457200" lvl="0" indent="0" algn="l" rtl="0">
               <a:spcBef>
                 <a:spcPts val="1600"/>
               </a:spcBef>
@@ -8981,10 +9235,45 @@
               </a:spcAft>
               <a:buNone/>
             </a:pPr>
-            <a:r>
-              <a:t/>
-            </a:r>
             <a:endParaRPr/>
+          </a:p>
+        </p:txBody>
+      </p:sp>
+      <p:sp>
+        <p:nvSpPr>
+          <p:cNvPr id="2" name="Slide Number Placeholder 1">
+            <a:extLst>
+              <a:ext uri="{FF2B5EF4-FFF2-40B4-BE49-F238E27FC236}">
+                <a16:creationId xmlns:a16="http://schemas.microsoft.com/office/drawing/2014/main" id="{A0365A03-3B26-4258-91B2-59C5ADA94EEF}"/>
+              </a:ext>
+            </a:extLst>
+          </p:cNvPr>
+          <p:cNvSpPr>
+            <a:spLocks noGrp="1"/>
+          </p:cNvSpPr>
+          <p:nvPr>
+            <p:ph type="sldNum" idx="12"/>
+          </p:nvPr>
+        </p:nvSpPr>
+        <p:spPr/>
+        <p:txBody>
+          <a:bodyPr/>
+          <a:lstStyle/>
+          <a:p>
+            <a:pPr marL="0" lvl="0" indent="0" algn="r" rtl="0">
+              <a:spcBef>
+                <a:spcPts val="0"/>
+              </a:spcBef>
+              <a:spcAft>
+                <a:spcPts val="0"/>
+              </a:spcAft>
+              <a:buNone/>
+            </a:pPr>
+            <a:fld id="{00000000-1234-1234-1234-123412341234}" type="slidenum">
+              <a:rPr lang="en" smtClean="0"/>
+              <a:t>4</a:t>
+            </a:fld>
+            <a:endParaRPr lang="en"/>
           </a:p>
         </p:txBody>
       </p:sp>
@@ -8997,11 +9286,11 @@
 </file>
 
 <file path=ppt/slides/slide5.xml><?xml version="1.0" encoding="utf-8"?>
-<p:sld xmlns:a="http://schemas.openxmlformats.org/drawingml/2006/main" xmlns:r="http://schemas.openxmlformats.org/officeDocument/2006/relationships" xmlns:mc="http://schemas.openxmlformats.org/markup-compatibility/2006" xmlns:mv="urn:schemas-microsoft-com:mac:vml" xmlns:p="http://schemas.openxmlformats.org/presentationml/2006/main" xmlns:c="http://schemas.openxmlformats.org/drawingml/2006/chart" xmlns:dgm="http://schemas.openxmlformats.org/drawingml/2006/diagram" xmlns:o="urn:schemas-microsoft-com:office:office" xmlns:v="urn:schemas-microsoft-com:vml" xmlns:pvml="urn:schemas-microsoft-com:office:powerpoint" xmlns:com="http://schemas.openxmlformats.org/drawingml/2006/compatibility" xmlns:p14="http://schemas.microsoft.com/office/powerpoint/2010/main" xmlns:p15="http://schemas.microsoft.com/office/powerpoint/2012/main" xmlns:ahyp="http://schemas.microsoft.com/office/drawing/2018/hyperlinkcolor">
+<p:sld xmlns:a="http://schemas.openxmlformats.org/drawingml/2006/main" xmlns:r="http://schemas.openxmlformats.org/officeDocument/2006/relationships" xmlns:p="http://schemas.openxmlformats.org/presentationml/2006/main">
   <p:cSld>
     <p:spTree>
       <p:nvGrpSpPr>
-        <p:cNvPr id="109" name="Shape 109"/>
+        <p:cNvPr id="1" name="Shape 109"/>
         <p:cNvGrpSpPr/>
         <p:nvPr/>
       </p:nvGrpSpPr>
@@ -9016,7 +9305,9 @@
       <p:sp>
         <p:nvSpPr>
           <p:cNvPr id="110" name="Google Shape;110;p17"/>
-          <p:cNvSpPr txBox="1"/>
+          <p:cNvSpPr txBox="1">
+            <a:spLocks noGrp="1"/>
+          </p:cNvSpPr>
           <p:nvPr>
             <p:ph type="title"/>
           </p:nvPr>
@@ -9031,12 +9322,12 @@
           </a:prstGeom>
         </p:spPr>
         <p:txBody>
-          <a:bodyPr anchorCtr="0" anchor="t" bIns="91425" lIns="91425" spcFirstLastPara="1" rIns="91425" wrap="square" tIns="91425">
+          <a:bodyPr spcFirstLastPara="1" wrap="square" lIns="91425" tIns="91425" rIns="91425" bIns="91425" anchor="t" anchorCtr="0">
             <a:noAutofit/>
           </a:bodyPr>
           <a:lstStyle/>
           <a:p>
-            <a:pPr indent="0" lvl="0" marL="0" rtl="0" algn="l">
+            <a:pPr marL="0" lvl="0" indent="0" algn="l" rtl="0">
               <a:spcBef>
                 <a:spcPts val="0"/>
               </a:spcBef>
@@ -9080,7 +9371,7 @@
             </a:xfrm>
             <a:prstGeom prst="roundRect">
               <a:avLst>
-                <a:gd fmla="val 50000" name="adj"/>
+                <a:gd name="adj" fmla="val 50000"/>
               </a:avLst>
             </a:prstGeom>
             <a:solidFill>
@@ -9091,12 +9382,12 @@
             </a:ln>
           </p:spPr>
           <p:txBody>
-            <a:bodyPr anchorCtr="0" anchor="ctr" bIns="91425" lIns="91425" spcFirstLastPara="1" rIns="91425" wrap="square" tIns="91425">
+            <a:bodyPr spcFirstLastPara="1" wrap="square" lIns="91425" tIns="91425" rIns="91425" bIns="91425" anchor="ctr" anchorCtr="0">
               <a:noAutofit/>
             </a:bodyPr>
             <a:lstStyle/>
             <a:p>
-              <a:pPr indent="0" lvl="0" marL="0" rtl="0" algn="l">
+              <a:pPr marL="0" lvl="0" indent="0" algn="l" rtl="0">
                 <a:spcBef>
                   <a:spcPts val="0"/>
                 </a:spcBef>
@@ -9105,9 +9396,6 @@
                 </a:spcAft>
                 <a:buNone/>
               </a:pPr>
-              <a:r>
-                <a:t/>
-              </a:r>
               <a:endParaRPr/>
             </a:p>
           </p:txBody>
@@ -9133,7 +9421,7 @@
               <a:noFill/>
             </a:ln>
             <a:effectLst>
-              <a:outerShdw blurRad="228600" rotWithShape="0" algn="tl" dir="5400000" dist="50800">
+              <a:outerShdw blurRad="228600" dist="50800" dir="5400000" algn="tl" rotWithShape="0">
                 <a:srgbClr val="000000">
                   <a:alpha val="54900"/>
                 </a:srgbClr>
@@ -9141,12 +9429,12 @@
             </a:effectLst>
           </p:spPr>
           <p:txBody>
-            <a:bodyPr anchorCtr="0" anchor="ctr" bIns="91425" lIns="91425" spcFirstLastPara="1" rIns="91425" wrap="square" tIns="91425">
+            <a:bodyPr spcFirstLastPara="1" wrap="square" lIns="91425" tIns="91425" rIns="91425" bIns="91425" anchor="ctr" anchorCtr="0">
               <a:noAutofit/>
             </a:bodyPr>
             <a:lstStyle/>
             <a:p>
-              <a:pPr indent="0" lvl="0" marL="0" rtl="0" algn="ctr">
+              <a:pPr marL="0" lvl="0" indent="0" algn="ctr" rtl="0">
                 <a:spcBef>
                   <a:spcPts val="0"/>
                 </a:spcBef>
@@ -9156,7 +9444,7 @@
                 <a:buNone/>
               </a:pPr>
               <a:r>
-                <a:rPr b="1" lang="en" sz="1200">
+                <a:rPr lang="en" sz="1200" b="1">
                   <a:solidFill>
                     <a:srgbClr val="0944A1"/>
                   </a:solidFill>
@@ -9167,7 +9455,7 @@
                 </a:rPr>
                 <a:t>1</a:t>
               </a:r>
-              <a:endParaRPr b="1" sz="1200">
+              <a:endParaRPr sz="1200" b="1">
                 <a:solidFill>
                   <a:srgbClr val="0944A1"/>
                 </a:solidFill>
@@ -9199,12 +9487,12 @@
             </a:ln>
           </p:spPr>
           <p:txBody>
-            <a:bodyPr anchorCtr="0" anchor="ctr" bIns="91425" lIns="91425" spcFirstLastPara="1" rIns="91425" wrap="square" tIns="91425">
+            <a:bodyPr spcFirstLastPara="1" wrap="square" lIns="91425" tIns="91425" rIns="91425" bIns="91425" anchor="ctr" anchorCtr="0">
               <a:noAutofit/>
             </a:bodyPr>
             <a:lstStyle/>
             <a:p>
-              <a:pPr indent="0" lvl="0" marL="0" rtl="0" algn="l">
+              <a:pPr marL="0" lvl="0" indent="0" algn="l" rtl="0">
                 <a:lnSpc>
                   <a:spcPct val="115000"/>
                 </a:lnSpc>
@@ -9217,7 +9505,7 @@
                 <a:buNone/>
               </a:pPr>
               <a:r>
-                <a:rPr b="1" lang="en" sz="1200">
+                <a:rPr lang="en" sz="1200" b="1">
                   <a:solidFill>
                     <a:srgbClr val="FFFFFF"/>
                   </a:solidFill>
@@ -9228,7 +9516,7 @@
                 </a:rPr>
                 <a:t>Read The Data</a:t>
               </a:r>
-              <a:endParaRPr b="1" sz="800">
+              <a:endParaRPr sz="800" b="1">
                 <a:solidFill>
                   <a:srgbClr val="FFFFFF"/>
                 </a:solidFill>
@@ -9260,12 +9548,12 @@
             </a:ln>
           </p:spPr>
           <p:txBody>
-            <a:bodyPr anchorCtr="0" anchor="t" bIns="91425" lIns="91425" spcFirstLastPara="1" rIns="91425" wrap="square" tIns="91425">
+            <a:bodyPr spcFirstLastPara="1" wrap="square" lIns="91425" tIns="91425" rIns="91425" bIns="91425" anchor="t" anchorCtr="0">
               <a:noAutofit/>
             </a:bodyPr>
             <a:lstStyle/>
             <a:p>
-              <a:pPr indent="0" lvl="0" marL="0" rtl="0" algn="l">
+              <a:pPr marL="0" lvl="0" indent="0" algn="l" rtl="0">
                 <a:spcBef>
                   <a:spcPts val="0"/>
                 </a:spcBef>
@@ -9281,27 +9569,9 @@
                   <a:cs typeface="Roboto"/>
                   <a:sym typeface="Roboto"/>
                 </a:rPr>
-                <a:t>We read the data with </a:t>
+                <a:t>We read the data with which we will train our model.</a:t>
               </a:r>
-              <a:r>
-                <a:rPr lang="en" sz="800">
-                  <a:latin typeface="Roboto"/>
-                  <a:ea typeface="Roboto"/>
-                  <a:cs typeface="Roboto"/>
-                  <a:sym typeface="Roboto"/>
-                </a:rPr>
-                <a:t>which</a:t>
-              </a:r>
-              <a:r>
-                <a:rPr lang="en" sz="800">
-                  <a:latin typeface="Roboto"/>
-                  <a:ea typeface="Roboto"/>
-                  <a:cs typeface="Roboto"/>
-                  <a:sym typeface="Roboto"/>
-                </a:rPr>
-                <a:t> we will train our model.</a:t>
-              </a:r>
-              <a:endParaRPr b="1" sz="800">
+              <a:endParaRPr sz="800" b="1">
                 <a:latin typeface="Roboto"/>
                 <a:ea typeface="Roboto"/>
                 <a:cs typeface="Roboto"/>
@@ -9338,7 +9608,7 @@
             </a:xfrm>
             <a:prstGeom prst="roundRect">
               <a:avLst>
-                <a:gd fmla="val 50000" name="adj"/>
+                <a:gd name="adj" fmla="val 50000"/>
               </a:avLst>
             </a:prstGeom>
             <a:solidFill>
@@ -9349,12 +9619,12 @@
             </a:ln>
           </p:spPr>
           <p:txBody>
-            <a:bodyPr anchorCtr="0" anchor="ctr" bIns="91425" lIns="91425" spcFirstLastPara="1" rIns="91425" wrap="square" tIns="91425">
+            <a:bodyPr spcFirstLastPara="1" wrap="square" lIns="91425" tIns="91425" rIns="91425" bIns="91425" anchor="ctr" anchorCtr="0">
               <a:noAutofit/>
             </a:bodyPr>
             <a:lstStyle/>
             <a:p>
-              <a:pPr indent="0" lvl="0" marL="0" rtl="0" algn="l">
+              <a:pPr marL="0" lvl="0" indent="0" algn="l" rtl="0">
                 <a:spcBef>
                   <a:spcPts val="0"/>
                 </a:spcBef>
@@ -9363,9 +9633,6 @@
                 </a:spcAft>
                 <a:buNone/>
               </a:pPr>
-              <a:r>
-                <a:t/>
-              </a:r>
               <a:endParaRPr/>
             </a:p>
           </p:txBody>
@@ -9391,7 +9658,7 @@
               <a:noFill/>
             </a:ln>
             <a:effectLst>
-              <a:outerShdw blurRad="228600" rotWithShape="0" algn="tl" dir="5400000" dist="50800">
+              <a:outerShdw blurRad="228600" dist="50800" dir="5400000" algn="tl" rotWithShape="0">
                 <a:srgbClr val="000000">
                   <a:alpha val="54900"/>
                 </a:srgbClr>
@@ -9399,12 +9666,12 @@
             </a:effectLst>
           </p:spPr>
           <p:txBody>
-            <a:bodyPr anchorCtr="0" anchor="ctr" bIns="91425" lIns="91425" spcFirstLastPara="1" rIns="91425" wrap="square" tIns="91425">
+            <a:bodyPr spcFirstLastPara="1" wrap="square" lIns="91425" tIns="91425" rIns="91425" bIns="91425" anchor="ctr" anchorCtr="0">
               <a:noAutofit/>
             </a:bodyPr>
             <a:lstStyle/>
             <a:p>
-              <a:pPr indent="0" lvl="0" marL="0" rtl="0" algn="ctr">
+              <a:pPr marL="0" lvl="0" indent="0" algn="ctr" rtl="0">
                 <a:spcBef>
                   <a:spcPts val="0"/>
                 </a:spcBef>
@@ -9414,7 +9681,7 @@
                 <a:buNone/>
               </a:pPr>
               <a:r>
-                <a:rPr b="1" lang="en" sz="1200">
+                <a:rPr lang="en" sz="1200" b="1">
                   <a:solidFill>
                     <a:srgbClr val="0C58D3"/>
                   </a:solidFill>
@@ -9425,7 +9692,7 @@
                 </a:rPr>
                 <a:t>2</a:t>
               </a:r>
-              <a:endParaRPr b="1" sz="1200">
+              <a:endParaRPr sz="1200" b="1">
                 <a:solidFill>
                   <a:srgbClr val="0C58D3"/>
                 </a:solidFill>
@@ -9457,12 +9724,12 @@
             </a:ln>
           </p:spPr>
           <p:txBody>
-            <a:bodyPr anchorCtr="0" anchor="ctr" bIns="91425" lIns="91425" spcFirstLastPara="1" rIns="91425" wrap="square" tIns="91425">
+            <a:bodyPr spcFirstLastPara="1" wrap="square" lIns="91425" tIns="91425" rIns="91425" bIns="91425" anchor="ctr" anchorCtr="0">
               <a:noAutofit/>
             </a:bodyPr>
             <a:lstStyle/>
             <a:p>
-              <a:pPr indent="0" lvl="0" marL="0" rtl="0" algn="l">
+              <a:pPr marL="0" lvl="0" indent="0" algn="l" rtl="0">
                 <a:lnSpc>
                   <a:spcPct val="115000"/>
                 </a:lnSpc>
@@ -9475,7 +9742,7 @@
                 <a:buNone/>
               </a:pPr>
               <a:r>
-                <a:rPr b="1" lang="en" sz="1200">
+                <a:rPr lang="en" sz="1200" b="1">
                   <a:solidFill>
                     <a:srgbClr val="FFFFFF"/>
                   </a:solidFill>
@@ -9486,7 +9753,7 @@
                 </a:rPr>
                 <a:t>Do Data Preprocessing</a:t>
               </a:r>
-              <a:endParaRPr b="1" sz="800">
+              <a:endParaRPr sz="800" b="1">
                 <a:solidFill>
                   <a:srgbClr val="FFFFFF"/>
                 </a:solidFill>
@@ -9518,12 +9785,12 @@
             </a:ln>
           </p:spPr>
           <p:txBody>
-            <a:bodyPr anchorCtr="0" anchor="t" bIns="91425" lIns="91425" spcFirstLastPara="1" rIns="91425" wrap="square" tIns="91425">
+            <a:bodyPr spcFirstLastPara="1" wrap="square" lIns="91425" tIns="91425" rIns="91425" bIns="91425" anchor="t" anchorCtr="0">
               <a:noAutofit/>
             </a:bodyPr>
             <a:lstStyle/>
             <a:p>
-              <a:pPr indent="0" lvl="0" marL="0" rtl="0" algn="l">
+              <a:pPr marL="0" lvl="0" indent="0" algn="l" rtl="0">
                 <a:spcBef>
                   <a:spcPts val="0"/>
                 </a:spcBef>
@@ -9541,7 +9808,7 @@
                 </a:rPr>
                 <a:t>In order to bring our data into the desired format, and handle missing values, we will do data preprocessing.</a:t>
               </a:r>
-              <a:endParaRPr b="1" sz="800">
+              <a:endParaRPr sz="800" b="1">
                 <a:latin typeface="Roboto"/>
                 <a:ea typeface="Roboto"/>
                 <a:cs typeface="Roboto"/>
@@ -9578,7 +9845,7 @@
             </a:xfrm>
             <a:prstGeom prst="roundRect">
               <a:avLst>
-                <a:gd fmla="val 50000" name="adj"/>
+                <a:gd name="adj" fmla="val 50000"/>
               </a:avLst>
             </a:prstGeom>
             <a:solidFill>
@@ -9589,12 +9856,12 @@
             </a:ln>
           </p:spPr>
           <p:txBody>
-            <a:bodyPr anchorCtr="0" anchor="ctr" bIns="91425" lIns="91425" spcFirstLastPara="1" rIns="91425" wrap="square" tIns="91425">
+            <a:bodyPr spcFirstLastPara="1" wrap="square" lIns="91425" tIns="91425" rIns="91425" bIns="91425" anchor="ctr" anchorCtr="0">
               <a:noAutofit/>
             </a:bodyPr>
             <a:lstStyle/>
             <a:p>
-              <a:pPr indent="0" lvl="0" marL="0" rtl="0" algn="l">
+              <a:pPr marL="0" lvl="0" indent="0" algn="l" rtl="0">
                 <a:spcBef>
                   <a:spcPts val="0"/>
                 </a:spcBef>
@@ -9603,9 +9870,6 @@
                 </a:spcAft>
                 <a:buNone/>
               </a:pPr>
-              <a:r>
-                <a:t/>
-              </a:r>
               <a:endParaRPr/>
             </a:p>
           </p:txBody>
@@ -9631,7 +9895,7 @@
               <a:noFill/>
             </a:ln>
             <a:effectLst>
-              <a:outerShdw blurRad="228600" rotWithShape="0" algn="tl" dir="5400000" dist="50800">
+              <a:outerShdw blurRad="228600" dist="50800" dir="5400000" algn="tl" rotWithShape="0">
                 <a:srgbClr val="000000">
                   <a:alpha val="54900"/>
                 </a:srgbClr>
@@ -9639,12 +9903,12 @@
             </a:effectLst>
           </p:spPr>
           <p:txBody>
-            <a:bodyPr anchorCtr="0" anchor="ctr" bIns="91425" lIns="91425" spcFirstLastPara="1" rIns="91425" wrap="square" tIns="91425">
+            <a:bodyPr spcFirstLastPara="1" wrap="square" lIns="91425" tIns="91425" rIns="91425" bIns="91425" anchor="ctr" anchorCtr="0">
               <a:noAutofit/>
             </a:bodyPr>
             <a:lstStyle/>
             <a:p>
-              <a:pPr indent="0" lvl="0" marL="0" rtl="0" algn="ctr">
+              <a:pPr marL="0" lvl="0" indent="0" algn="ctr" rtl="0">
                 <a:spcBef>
                   <a:spcPts val="0"/>
                 </a:spcBef>
@@ -9654,7 +9918,7 @@
                 <a:buNone/>
               </a:pPr>
               <a:r>
-                <a:rPr b="1" lang="en" sz="1200">
+                <a:rPr lang="en" sz="1200" b="1">
                   <a:solidFill>
                     <a:srgbClr val="0D5DDF"/>
                   </a:solidFill>
@@ -9665,7 +9929,7 @@
                 </a:rPr>
                 <a:t>3</a:t>
               </a:r>
-              <a:endParaRPr b="1" sz="1200">
+              <a:endParaRPr sz="1200" b="1">
                 <a:solidFill>
                   <a:srgbClr val="0D5DDF"/>
                 </a:solidFill>
@@ -9697,12 +9961,12 @@
             </a:ln>
           </p:spPr>
           <p:txBody>
-            <a:bodyPr anchorCtr="0" anchor="ctr" bIns="91425" lIns="91425" spcFirstLastPara="1" rIns="91425" wrap="square" tIns="91425">
+            <a:bodyPr spcFirstLastPara="1" wrap="square" lIns="91425" tIns="91425" rIns="91425" bIns="91425" anchor="ctr" anchorCtr="0">
               <a:noAutofit/>
             </a:bodyPr>
             <a:lstStyle/>
             <a:p>
-              <a:pPr indent="0" lvl="0" marL="0" rtl="0" algn="l">
+              <a:pPr marL="0" lvl="0" indent="0" algn="l" rtl="0">
                 <a:lnSpc>
                   <a:spcPct val="115000"/>
                 </a:lnSpc>
@@ -9715,7 +9979,7 @@
                 <a:buNone/>
               </a:pPr>
               <a:r>
-                <a:rPr b="1" lang="en" sz="1200">
+                <a:rPr lang="en" sz="1200" b="1">
                   <a:solidFill>
                     <a:srgbClr val="FFFFFF"/>
                   </a:solidFill>
@@ -9726,7 +9990,7 @@
                 </a:rPr>
                 <a:t>Train and Test Our Model</a:t>
               </a:r>
-              <a:endParaRPr b="1" sz="800">
+              <a:endParaRPr sz="800" b="1">
                 <a:solidFill>
                   <a:srgbClr val="FFFFFF"/>
                 </a:solidFill>
@@ -9758,12 +10022,12 @@
             </a:ln>
           </p:spPr>
           <p:txBody>
-            <a:bodyPr anchorCtr="0" anchor="t" bIns="91425" lIns="91425" spcFirstLastPara="1" rIns="91425" wrap="square" tIns="91425">
+            <a:bodyPr spcFirstLastPara="1" wrap="square" lIns="91425" tIns="91425" rIns="91425" bIns="91425" anchor="t" anchorCtr="0">
               <a:noAutofit/>
             </a:bodyPr>
             <a:lstStyle/>
             <a:p>
-              <a:pPr indent="0" lvl="0" marL="0" rtl="0" algn="l">
+              <a:pPr marL="0" lvl="0" indent="0" algn="l" rtl="0">
                 <a:spcBef>
                   <a:spcPts val="0"/>
                 </a:spcBef>
@@ -9781,7 +10045,7 @@
                 </a:rPr>
                 <a:t>We will train and test different machine learning algorithms and test them to see if they meet our needs.</a:t>
               </a:r>
-              <a:endParaRPr b="1" sz="800">
+              <a:endParaRPr sz="800" b="1">
                 <a:latin typeface="Roboto"/>
                 <a:ea typeface="Roboto"/>
                 <a:cs typeface="Roboto"/>
@@ -9818,7 +10082,7 @@
             </a:xfrm>
             <a:prstGeom prst="roundRect">
               <a:avLst>
-                <a:gd fmla="val 50000" name="adj"/>
+                <a:gd name="adj" fmla="val 50000"/>
               </a:avLst>
             </a:prstGeom>
             <a:solidFill>
@@ -9829,12 +10093,12 @@
             </a:ln>
           </p:spPr>
           <p:txBody>
-            <a:bodyPr anchorCtr="0" anchor="ctr" bIns="91425" lIns="91425" spcFirstLastPara="1" rIns="91425" wrap="square" tIns="91425">
+            <a:bodyPr spcFirstLastPara="1" wrap="square" lIns="91425" tIns="91425" rIns="91425" bIns="91425" anchor="ctr" anchorCtr="0">
               <a:noAutofit/>
             </a:bodyPr>
             <a:lstStyle/>
             <a:p>
-              <a:pPr indent="0" lvl="0" marL="0" rtl="0" algn="l">
+              <a:pPr marL="0" lvl="0" indent="0" algn="l" rtl="0">
                 <a:spcBef>
                   <a:spcPts val="0"/>
                 </a:spcBef>
@@ -9843,9 +10107,6 @@
                 </a:spcAft>
                 <a:buNone/>
               </a:pPr>
-              <a:r>
-                <a:t/>
-              </a:r>
               <a:endParaRPr/>
             </a:p>
           </p:txBody>
@@ -9871,7 +10132,7 @@
               <a:noFill/>
             </a:ln>
             <a:effectLst>
-              <a:outerShdw blurRad="228600" rotWithShape="0" algn="tl" dir="5400000" dist="50800">
+              <a:outerShdw blurRad="228600" dist="50800" dir="5400000" algn="tl" rotWithShape="0">
                 <a:srgbClr val="000000">
                   <a:alpha val="54900"/>
                 </a:srgbClr>
@@ -9879,12 +10140,12 @@
             </a:effectLst>
           </p:spPr>
           <p:txBody>
-            <a:bodyPr anchorCtr="0" anchor="ctr" bIns="91425" lIns="91425" spcFirstLastPara="1" rIns="91425" wrap="square" tIns="91425">
+            <a:bodyPr spcFirstLastPara="1" wrap="square" lIns="91425" tIns="91425" rIns="91425" bIns="91425" anchor="ctr" anchorCtr="0">
               <a:noAutofit/>
             </a:bodyPr>
             <a:lstStyle/>
             <a:p>
-              <a:pPr indent="0" lvl="0" marL="0" rtl="0" algn="l">
+              <a:pPr marL="0" lvl="0" indent="0" algn="l" rtl="0">
                 <a:spcBef>
                   <a:spcPts val="0"/>
                 </a:spcBef>
@@ -9894,7 +10155,7 @@
                 <a:buNone/>
               </a:pPr>
               <a:r>
-                <a:rPr b="1" lang="en" sz="1200">
+                <a:rPr lang="en" sz="1200" b="1">
                   <a:solidFill>
                     <a:srgbClr val="0E65F0"/>
                   </a:solidFill>
@@ -9905,7 +10166,7 @@
                 </a:rPr>
                 <a:t>4</a:t>
               </a:r>
-              <a:endParaRPr b="1" sz="1200">
+              <a:endParaRPr sz="1200" b="1">
                 <a:solidFill>
                   <a:srgbClr val="0E65F0"/>
                 </a:solidFill>
@@ -9937,12 +10198,12 @@
             </a:ln>
           </p:spPr>
           <p:txBody>
-            <a:bodyPr anchorCtr="0" anchor="ctr" bIns="91425" lIns="91425" spcFirstLastPara="1" rIns="91425" wrap="square" tIns="91425">
+            <a:bodyPr spcFirstLastPara="1" wrap="square" lIns="91425" tIns="91425" rIns="91425" bIns="91425" anchor="ctr" anchorCtr="0">
               <a:noAutofit/>
             </a:bodyPr>
             <a:lstStyle/>
             <a:p>
-              <a:pPr indent="0" lvl="0" marL="0" rtl="0" algn="l">
+              <a:pPr marL="0" lvl="0" indent="0" algn="l" rtl="0">
                 <a:lnSpc>
                   <a:spcPct val="115000"/>
                 </a:lnSpc>
@@ -9955,7 +10216,7 @@
                 <a:buNone/>
               </a:pPr>
               <a:r>
-                <a:rPr b="1" lang="en" sz="1200">
+                <a:rPr lang="en" sz="1200" b="1">
                   <a:solidFill>
                     <a:srgbClr val="FFFFFF"/>
                   </a:solidFill>
@@ -9966,7 +10227,7 @@
                 </a:rPr>
                 <a:t>Deploy Our Model</a:t>
               </a:r>
-              <a:endParaRPr b="1" sz="800">
+              <a:endParaRPr sz="800" b="1">
                 <a:solidFill>
                   <a:srgbClr val="FFFFFF"/>
                 </a:solidFill>
@@ -9998,12 +10259,12 @@
             </a:ln>
           </p:spPr>
           <p:txBody>
-            <a:bodyPr anchorCtr="0" anchor="t" bIns="91425" lIns="91425" spcFirstLastPara="1" rIns="91425" wrap="square" tIns="91425">
+            <a:bodyPr spcFirstLastPara="1" wrap="square" lIns="91425" tIns="91425" rIns="91425" bIns="91425" anchor="t" anchorCtr="0">
               <a:noAutofit/>
             </a:bodyPr>
             <a:lstStyle/>
             <a:p>
-              <a:pPr indent="0" lvl="0" marL="0" rtl="0" algn="l">
+              <a:pPr marL="0" lvl="0" indent="0" algn="l" rtl="0">
                 <a:spcBef>
                   <a:spcPts val="0"/>
                 </a:spcBef>
@@ -10021,7 +10282,7 @@
                 </a:rPr>
                 <a:t>After we build our model, the next thing to do is to deploy it and bring it to functioning.</a:t>
               </a:r>
-              <a:endParaRPr b="1" sz="800">
+              <a:endParaRPr sz="800" b="1">
                 <a:latin typeface="Roboto"/>
                 <a:ea typeface="Roboto"/>
                 <a:cs typeface="Roboto"/>
@@ -10031,6 +10292,44 @@
           </p:txBody>
         </p:sp>
       </p:grpSp>
+      <p:sp>
+        <p:nvSpPr>
+          <p:cNvPr id="2" name="Slide Number Placeholder 1">
+            <a:extLst>
+              <a:ext uri="{FF2B5EF4-FFF2-40B4-BE49-F238E27FC236}">
+                <a16:creationId xmlns:a16="http://schemas.microsoft.com/office/drawing/2014/main" id="{10FAA911-2DC9-4D5C-B749-B62A42457F6F}"/>
+              </a:ext>
+            </a:extLst>
+          </p:cNvPr>
+          <p:cNvSpPr>
+            <a:spLocks noGrp="1"/>
+          </p:cNvSpPr>
+          <p:nvPr>
+            <p:ph type="sldNum" idx="12"/>
+          </p:nvPr>
+        </p:nvSpPr>
+        <p:spPr/>
+        <p:txBody>
+          <a:bodyPr/>
+          <a:lstStyle/>
+          <a:p>
+            <a:pPr marL="0" lvl="0" indent="0" algn="r" rtl="0">
+              <a:spcBef>
+                <a:spcPts val="0"/>
+              </a:spcBef>
+              <a:spcAft>
+                <a:spcPts val="0"/>
+              </a:spcAft>
+              <a:buNone/>
+            </a:pPr>
+            <a:fld id="{00000000-1234-1234-1234-123412341234}" type="slidenum">
+              <a:rPr lang="en" smtClean="0"/>
+              <a:t>5</a:t>
+            </a:fld>
+            <a:endParaRPr lang="en"/>
+          </a:p>
+        </p:txBody>
+      </p:sp>
     </p:spTree>
   </p:cSld>
   <p:clrMapOvr>
@@ -10040,11 +10339,11 @@
 </file>
 
 <file path=ppt/slides/slide6.xml><?xml version="1.0" encoding="utf-8"?>
-<p:sld xmlns:a="http://schemas.openxmlformats.org/drawingml/2006/main" xmlns:r="http://schemas.openxmlformats.org/officeDocument/2006/relationships" xmlns:mc="http://schemas.openxmlformats.org/markup-compatibility/2006" xmlns:mv="urn:schemas-microsoft-com:mac:vml" xmlns:p="http://schemas.openxmlformats.org/presentationml/2006/main" xmlns:c="http://schemas.openxmlformats.org/drawingml/2006/chart" xmlns:dgm="http://schemas.openxmlformats.org/drawingml/2006/diagram" xmlns:o="urn:schemas-microsoft-com:office:office" xmlns:v="urn:schemas-microsoft-com:vml" xmlns:pvml="urn:schemas-microsoft-com:office:powerpoint" xmlns:com="http://schemas.openxmlformats.org/drawingml/2006/compatibility" xmlns:p14="http://schemas.microsoft.com/office/powerpoint/2010/main" xmlns:p15="http://schemas.microsoft.com/office/powerpoint/2012/main" xmlns:ahyp="http://schemas.microsoft.com/office/drawing/2018/hyperlinkcolor">
+<p:sld xmlns:a="http://schemas.openxmlformats.org/drawingml/2006/main" xmlns:r="http://schemas.openxmlformats.org/officeDocument/2006/relationships" xmlns:p="http://schemas.openxmlformats.org/presentationml/2006/main">
   <p:cSld>
     <p:spTree>
       <p:nvGrpSpPr>
-        <p:cNvPr id="134" name="Shape 134"/>
+        <p:cNvPr id="1" name="Shape 134"/>
         <p:cNvGrpSpPr/>
         <p:nvPr/>
       </p:nvGrpSpPr>
@@ -10059,7 +10358,9 @@
       <p:sp>
         <p:nvSpPr>
           <p:cNvPr id="135" name="Google Shape;135;p18"/>
-          <p:cNvSpPr txBox="1"/>
+          <p:cNvSpPr txBox="1">
+            <a:spLocks noGrp="1"/>
+          </p:cNvSpPr>
           <p:nvPr>
             <p:ph type="title"/>
           </p:nvPr>
@@ -10074,12 +10375,12 @@
           </a:prstGeom>
         </p:spPr>
         <p:txBody>
-          <a:bodyPr anchorCtr="0" anchor="t" bIns="91425" lIns="91425" spcFirstLastPara="1" rIns="91425" wrap="square" tIns="91425">
+          <a:bodyPr spcFirstLastPara="1" wrap="square" lIns="91425" tIns="91425" rIns="91425" bIns="91425" anchor="t" anchorCtr="0">
             <a:noAutofit/>
           </a:bodyPr>
           <a:lstStyle/>
           <a:p>
-            <a:pPr indent="0" lvl="0" marL="0" rtl="0" algn="l">
+            <a:pPr marL="0" lvl="0" indent="0" algn="l" rtl="0">
               <a:spcBef>
                 <a:spcPts val="0"/>
               </a:spcBef>
@@ -10104,7 +10405,7 @@
         </p:nvGraphicFramePr>
         <p:xfrm>
           <a:off x="954300" y="2051125"/>
-          <a:ext cx="3000000" cy="3000000"/>
+          <a:ext cx="7239000" cy="2788710"/>
         </p:xfrm>
         <a:graphic>
           <a:graphicData uri="http://schemas.openxmlformats.org/drawingml/2006/table">
@@ -10114,8 +10415,20 @@
                 <a:tableStyleId>{185E3559-1C6C-44F9-84D3-E7CAFB20C86F}</a:tableStyleId>
               </a:tblPr>
               <a:tblGrid>
-                <a:gridCol w="3619500"/>
-                <a:gridCol w="3619500"/>
+                <a:gridCol w="3619500">
+                  <a:extLst>
+                    <a:ext uri="{9D8B030D-6E8A-4147-A177-3AD203B41FA5}">
+                      <a16:colId xmlns:a16="http://schemas.microsoft.com/office/drawing/2014/main" val="20000"/>
+                    </a:ext>
+                  </a:extLst>
+                </a:gridCol>
+                <a:gridCol w="3619500">
+                  <a:extLst>
+                    <a:ext uri="{9D8B030D-6E8A-4147-A177-3AD203B41FA5}">
+                      <a16:colId xmlns:a16="http://schemas.microsoft.com/office/drawing/2014/main" val="20001"/>
+                    </a:ext>
+                  </a:extLst>
+                </a:gridCol>
               </a:tblGrid>
               <a:tr h="381000">
                 <a:tc>
@@ -10123,7 +10436,7 @@
                     <a:bodyPr/>
                     <a:lstStyle/>
                     <a:p>
-                      <a:pPr indent="0" lvl="0" marL="0" rtl="0" algn="ctr">
+                      <a:pPr marL="0" lvl="0" indent="0" algn="ctr" rtl="0">
                         <a:spcBef>
                           <a:spcPts val="0"/>
                         </a:spcBef>
@@ -10133,13 +10446,13 @@
                         <a:buNone/>
                       </a:pPr>
                       <a:r>
-                        <a:rPr b="1" lang="en" sz="1500"/>
+                        <a:rPr lang="en" sz="1500" b="1"/>
                         <a:t>Tools</a:t>
                       </a:r>
-                      <a:endParaRPr b="1" sz="1500"/>
+                      <a:endParaRPr sz="1500" b="1"/>
                     </a:p>
                   </a:txBody>
-                  <a:tcPr marT="91425" marB="91425" marR="91425" marL="91425">
+                  <a:tcPr marL="91425" marR="91425" marT="91425" marB="91425">
                     <a:solidFill>
                       <a:srgbClr val="CCCCCC"/>
                     </a:solidFill>
@@ -10150,7 +10463,7 @@
                     <a:bodyPr/>
                     <a:lstStyle/>
                     <a:p>
-                      <a:pPr indent="0" lvl="0" marL="0" rtl="0" algn="ctr">
+                      <a:pPr marL="0" lvl="0" indent="0" algn="ctr" rtl="0">
                         <a:spcBef>
                           <a:spcPts val="0"/>
                         </a:spcBef>
@@ -10160,18 +10473,23 @@
                         <a:buNone/>
                       </a:pPr>
                       <a:r>
-                        <a:rPr b="1" lang="en" sz="1500"/>
+                        <a:rPr lang="en" sz="1500" b="1"/>
                         <a:t>Used for</a:t>
                       </a:r>
-                      <a:endParaRPr b="1" sz="1500"/>
+                      <a:endParaRPr sz="1500" b="1"/>
                     </a:p>
                   </a:txBody>
-                  <a:tcPr marT="91425" marB="91425" marR="91425" marL="91425">
+                  <a:tcPr marL="91425" marR="91425" marT="91425" marB="91425">
                     <a:solidFill>
                       <a:srgbClr val="CCCCCC"/>
                     </a:solidFill>
                   </a:tcPr>
                 </a:tc>
+                <a:extLst>
+                  <a:ext uri="{0D108BD9-81ED-4DB2-BD59-A6C34878D82A}">
+                    <a16:rowId xmlns:a16="http://schemas.microsoft.com/office/drawing/2014/main" val="10000"/>
+                  </a:ext>
+                </a:extLst>
               </a:tr>
               <a:tr h="381000">
                 <a:tc>
@@ -10179,7 +10497,7 @@
                     <a:bodyPr/>
                     <a:lstStyle/>
                     <a:p>
-                      <a:pPr indent="0" lvl="0" marL="0" rtl="0" algn="ctr">
+                      <a:pPr marL="0" lvl="0" indent="0" algn="ctr" rtl="0">
                         <a:spcBef>
                           <a:spcPts val="0"/>
                         </a:spcBef>
@@ -10195,14 +10513,14 @@
                       <a:endParaRPr/>
                     </a:p>
                   </a:txBody>
-                  <a:tcPr marT="91425" marB="91425" marR="91425" marL="91425"/>
+                  <a:tcPr marL="91425" marR="91425" marT="91425" marB="91425"/>
                 </a:tc>
                 <a:tc>
                   <a:txBody>
                     <a:bodyPr/>
                     <a:lstStyle/>
                     <a:p>
-                      <a:pPr indent="0" lvl="0" marL="0" rtl="0" algn="ctr">
+                      <a:pPr marL="0" lvl="0" indent="0" algn="ctr" rtl="0">
                         <a:spcBef>
                           <a:spcPts val="0"/>
                         </a:spcBef>
@@ -10218,8 +10536,13 @@
                       <a:endParaRPr/>
                     </a:p>
                   </a:txBody>
-                  <a:tcPr marT="91425" marB="91425" marR="91425" marL="91425"/>
+                  <a:tcPr marL="91425" marR="91425" marT="91425" marB="91425"/>
                 </a:tc>
+                <a:extLst>
+                  <a:ext uri="{0D108BD9-81ED-4DB2-BD59-A6C34878D82A}">
+                    <a16:rowId xmlns:a16="http://schemas.microsoft.com/office/drawing/2014/main" val="10001"/>
+                  </a:ext>
+                </a:extLst>
               </a:tr>
               <a:tr h="381000">
                 <a:tc>
@@ -10227,7 +10550,7 @@
                     <a:bodyPr/>
                     <a:lstStyle/>
                     <a:p>
-                      <a:pPr indent="0" lvl="0" marL="0" rtl="0" algn="ctr">
+                      <a:pPr marL="0" lvl="0" indent="0" algn="ctr" rtl="0">
                         <a:spcBef>
                           <a:spcPts val="0"/>
                         </a:spcBef>
@@ -10243,14 +10566,14 @@
                       <a:endParaRPr/>
                     </a:p>
                   </a:txBody>
-                  <a:tcPr marT="91425" marB="91425" marR="91425" marL="91425"/>
+                  <a:tcPr marL="91425" marR="91425" marT="91425" marB="91425"/>
                 </a:tc>
                 <a:tc>
                   <a:txBody>
                     <a:bodyPr/>
                     <a:lstStyle/>
                     <a:p>
-                      <a:pPr indent="0" lvl="0" marL="0" rtl="0" algn="ctr">
+                      <a:pPr marL="0" lvl="0" indent="0" algn="ctr" rtl="0">
                         <a:spcBef>
                           <a:spcPts val="0"/>
                         </a:spcBef>
@@ -10266,8 +10589,13 @@
                       <a:endParaRPr/>
                     </a:p>
                   </a:txBody>
-                  <a:tcPr marT="91425" marB="91425" marR="91425" marL="91425"/>
+                  <a:tcPr marL="91425" marR="91425" marT="91425" marB="91425"/>
                 </a:tc>
+                <a:extLst>
+                  <a:ext uri="{0D108BD9-81ED-4DB2-BD59-A6C34878D82A}">
+                    <a16:rowId xmlns:a16="http://schemas.microsoft.com/office/drawing/2014/main" val="10002"/>
+                  </a:ext>
+                </a:extLst>
               </a:tr>
               <a:tr h="381000">
                 <a:tc>
@@ -10275,7 +10603,7 @@
                     <a:bodyPr/>
                     <a:lstStyle/>
                     <a:p>
-                      <a:pPr indent="0" lvl="0" marL="0" rtl="0" algn="ctr">
+                      <a:pPr marL="0" lvl="0" indent="0" algn="ctr" rtl="0">
                         <a:spcBef>
                           <a:spcPts val="0"/>
                         </a:spcBef>
@@ -10291,14 +10619,14 @@
                       <a:endParaRPr/>
                     </a:p>
                   </a:txBody>
-                  <a:tcPr marT="91425" marB="91425" marR="91425" marL="91425"/>
+                  <a:tcPr marL="91425" marR="91425" marT="91425" marB="91425"/>
                 </a:tc>
                 <a:tc>
                   <a:txBody>
                     <a:bodyPr/>
                     <a:lstStyle/>
                     <a:p>
-                      <a:pPr indent="0" lvl="0" marL="0" rtl="0" algn="ctr">
+                      <a:pPr marL="0" lvl="0" indent="0" algn="ctr" rtl="0">
                         <a:spcBef>
                           <a:spcPts val="0"/>
                         </a:spcBef>
@@ -10314,8 +10642,13 @@
                       <a:endParaRPr/>
                     </a:p>
                   </a:txBody>
-                  <a:tcPr marT="91425" marB="91425" marR="91425" marL="91425"/>
+                  <a:tcPr marL="91425" marR="91425" marT="91425" marB="91425"/>
                 </a:tc>
+                <a:extLst>
+                  <a:ext uri="{0D108BD9-81ED-4DB2-BD59-A6C34878D82A}">
+                    <a16:rowId xmlns:a16="http://schemas.microsoft.com/office/drawing/2014/main" val="10003"/>
+                  </a:ext>
+                </a:extLst>
               </a:tr>
               <a:tr h="381000">
                 <a:tc>
@@ -10323,7 +10656,7 @@
                     <a:bodyPr/>
                     <a:lstStyle/>
                     <a:p>
-                      <a:pPr indent="0" lvl="0" marL="0" rtl="0" algn="ctr">
+                      <a:pPr marL="0" lvl="0" indent="0" algn="ctr" rtl="0">
                         <a:spcBef>
                           <a:spcPts val="0"/>
                         </a:spcBef>
@@ -10339,14 +10672,14 @@
                       <a:endParaRPr/>
                     </a:p>
                   </a:txBody>
-                  <a:tcPr marT="91425" marB="91425" marR="91425" marL="91425"/>
+                  <a:tcPr marL="91425" marR="91425" marT="91425" marB="91425"/>
                 </a:tc>
                 <a:tc>
                   <a:txBody>
                     <a:bodyPr/>
                     <a:lstStyle/>
                     <a:p>
-                      <a:pPr indent="0" lvl="0" marL="0" rtl="0" algn="ctr">
+                      <a:pPr marL="0" lvl="0" indent="0" algn="ctr" rtl="0">
                         <a:spcBef>
                           <a:spcPts val="0"/>
                         </a:spcBef>
@@ -10362,8 +10695,13 @@
                       <a:endParaRPr/>
                     </a:p>
                   </a:txBody>
-                  <a:tcPr marT="91425" marB="91425" marR="91425" marL="91425"/>
+                  <a:tcPr marL="91425" marR="91425" marT="91425" marB="91425"/>
                 </a:tc>
+                <a:extLst>
+                  <a:ext uri="{0D108BD9-81ED-4DB2-BD59-A6C34878D82A}">
+                    <a16:rowId xmlns:a16="http://schemas.microsoft.com/office/drawing/2014/main" val="10004"/>
+                  </a:ext>
+                </a:extLst>
               </a:tr>
               <a:tr h="381000">
                 <a:tc>
@@ -10371,7 +10709,7 @@
                     <a:bodyPr/>
                     <a:lstStyle/>
                     <a:p>
-                      <a:pPr indent="0" lvl="0" marL="0" rtl="0" algn="ctr">
+                      <a:pPr marL="0" lvl="0" indent="0" algn="ctr" rtl="0">
                         <a:spcBef>
                           <a:spcPts val="0"/>
                         </a:spcBef>
@@ -10387,14 +10725,14 @@
                       <a:endParaRPr/>
                     </a:p>
                   </a:txBody>
-                  <a:tcPr marT="91425" marB="91425" marR="91425" marL="91425"/>
+                  <a:tcPr marL="91425" marR="91425" marT="91425" marB="91425"/>
                 </a:tc>
                 <a:tc>
                   <a:txBody>
                     <a:bodyPr/>
                     <a:lstStyle/>
                     <a:p>
-                      <a:pPr indent="0" lvl="0" marL="0" rtl="0" algn="ctr">
+                      <a:pPr marL="0" lvl="0" indent="0" algn="ctr" rtl="0">
                         <a:spcBef>
                           <a:spcPts val="0"/>
                         </a:spcBef>
@@ -10410,8 +10748,13 @@
                       <a:endParaRPr/>
                     </a:p>
                   </a:txBody>
-                  <a:tcPr marT="91425" marB="91425" marR="91425" marL="91425"/>
+                  <a:tcPr marL="91425" marR="91425" marT="91425" marB="91425"/>
                 </a:tc>
+                <a:extLst>
+                  <a:ext uri="{0D108BD9-81ED-4DB2-BD59-A6C34878D82A}">
+                    <a16:rowId xmlns:a16="http://schemas.microsoft.com/office/drawing/2014/main" val="10005"/>
+                  </a:ext>
+                </a:extLst>
               </a:tr>
               <a:tr h="381000">
                 <a:tc>
@@ -10419,7 +10762,7 @@
                     <a:bodyPr/>
                     <a:lstStyle/>
                     <a:p>
-                      <a:pPr indent="0" lvl="0" marL="0" rtl="0" algn="ctr">
+                      <a:pPr marL="0" lvl="0" indent="0" algn="ctr" rtl="0">
                         <a:spcBef>
                           <a:spcPts val="0"/>
                         </a:spcBef>
@@ -10435,14 +10778,14 @@
                       <a:endParaRPr/>
                     </a:p>
                   </a:txBody>
-                  <a:tcPr marT="91425" marB="91425" marR="91425" marL="91425"/>
+                  <a:tcPr marL="91425" marR="91425" marT="91425" marB="91425"/>
                 </a:tc>
                 <a:tc>
                   <a:txBody>
                     <a:bodyPr/>
                     <a:lstStyle/>
                     <a:p>
-                      <a:pPr indent="0" lvl="0" marL="0" rtl="0" algn="ctr">
+                      <a:pPr marL="0" lvl="0" indent="0" algn="ctr" rtl="0">
                         <a:spcBef>
                           <a:spcPts val="0"/>
                         </a:spcBef>
@@ -10458,13 +10801,56 @@
                       <a:endParaRPr/>
                     </a:p>
                   </a:txBody>
-                  <a:tcPr marT="91425" marB="91425" marR="91425" marL="91425"/>
+                  <a:tcPr marL="91425" marR="91425" marT="91425" marB="91425"/>
                 </a:tc>
+                <a:extLst>
+                  <a:ext uri="{0D108BD9-81ED-4DB2-BD59-A6C34878D82A}">
+                    <a16:rowId xmlns:a16="http://schemas.microsoft.com/office/drawing/2014/main" val="10006"/>
+                  </a:ext>
+                </a:extLst>
               </a:tr>
             </a:tbl>
           </a:graphicData>
         </a:graphic>
       </p:graphicFrame>
+      <p:sp>
+        <p:nvSpPr>
+          <p:cNvPr id="2" name="Slide Number Placeholder 1">
+            <a:extLst>
+              <a:ext uri="{FF2B5EF4-FFF2-40B4-BE49-F238E27FC236}">
+                <a16:creationId xmlns:a16="http://schemas.microsoft.com/office/drawing/2014/main" id="{B76A35A3-8F4F-4FAC-A1E6-9C6FB777F944}"/>
+              </a:ext>
+            </a:extLst>
+          </p:cNvPr>
+          <p:cNvSpPr>
+            <a:spLocks noGrp="1"/>
+          </p:cNvSpPr>
+          <p:nvPr>
+            <p:ph type="sldNum" idx="12"/>
+          </p:nvPr>
+        </p:nvSpPr>
+        <p:spPr/>
+        <p:txBody>
+          <a:bodyPr/>
+          <a:lstStyle/>
+          <a:p>
+            <a:pPr marL="0" lvl="0" indent="0" algn="r" rtl="0">
+              <a:spcBef>
+                <a:spcPts val="0"/>
+              </a:spcBef>
+              <a:spcAft>
+                <a:spcPts val="0"/>
+              </a:spcAft>
+              <a:buNone/>
+            </a:pPr>
+            <a:fld id="{00000000-1234-1234-1234-123412341234}" type="slidenum">
+              <a:rPr lang="en" smtClean="0"/>
+              <a:t>6</a:t>
+            </a:fld>
+            <a:endParaRPr lang="en"/>
+          </a:p>
+        </p:txBody>
+      </p:sp>
     </p:spTree>
   </p:cSld>
   <p:clrMapOvr>
@@ -10474,11 +10860,11 @@
 </file>
 
 <file path=ppt/slides/slide7.xml><?xml version="1.0" encoding="utf-8"?>
-<p:sld xmlns:a="http://schemas.openxmlformats.org/drawingml/2006/main" xmlns:r="http://schemas.openxmlformats.org/officeDocument/2006/relationships" xmlns:mc="http://schemas.openxmlformats.org/markup-compatibility/2006" xmlns:mv="urn:schemas-microsoft-com:mac:vml" xmlns:p="http://schemas.openxmlformats.org/presentationml/2006/main" xmlns:c="http://schemas.openxmlformats.org/drawingml/2006/chart" xmlns:dgm="http://schemas.openxmlformats.org/drawingml/2006/diagram" xmlns:o="urn:schemas-microsoft-com:office:office" xmlns:v="urn:schemas-microsoft-com:vml" xmlns:pvml="urn:schemas-microsoft-com:office:powerpoint" xmlns:com="http://schemas.openxmlformats.org/drawingml/2006/compatibility" xmlns:p14="http://schemas.microsoft.com/office/powerpoint/2010/main" xmlns:p15="http://schemas.microsoft.com/office/powerpoint/2012/main" xmlns:ahyp="http://schemas.microsoft.com/office/drawing/2018/hyperlinkcolor">
+<p:sld xmlns:a="http://schemas.openxmlformats.org/drawingml/2006/main" xmlns:r="http://schemas.openxmlformats.org/officeDocument/2006/relationships" xmlns:p="http://schemas.openxmlformats.org/presentationml/2006/main">
   <p:cSld>
     <p:spTree>
       <p:nvGrpSpPr>
-        <p:cNvPr id="140" name="Shape 140"/>
+        <p:cNvPr id="1" name="Shape 140"/>
         <p:cNvGrpSpPr/>
         <p:nvPr/>
       </p:nvGrpSpPr>
@@ -10493,7 +10879,9 @@
       <p:sp>
         <p:nvSpPr>
           <p:cNvPr id="141" name="Google Shape;141;p19"/>
-          <p:cNvSpPr txBox="1"/>
+          <p:cNvSpPr txBox="1">
+            <a:spLocks noGrp="1"/>
+          </p:cNvSpPr>
           <p:nvPr>
             <p:ph type="title"/>
           </p:nvPr>
@@ -10508,12 +10896,12 @@
           </a:prstGeom>
         </p:spPr>
         <p:txBody>
-          <a:bodyPr anchorCtr="0" anchor="t" bIns="91425" lIns="91425" spcFirstLastPara="1" rIns="91425" wrap="square" tIns="91425">
+          <a:bodyPr spcFirstLastPara="1" wrap="square" lIns="91425" tIns="91425" rIns="91425" bIns="91425" anchor="t" anchorCtr="0">
             <a:noAutofit/>
           </a:bodyPr>
           <a:lstStyle/>
           <a:p>
-            <a:pPr indent="0" lvl="0" marL="0" rtl="0" algn="l">
+            <a:pPr marL="0" lvl="0" indent="0" algn="l" rtl="0">
               <a:spcBef>
                 <a:spcPts val="0"/>
               </a:spcBef>
@@ -10533,9 +10921,11 @@
       <p:sp>
         <p:nvSpPr>
           <p:cNvPr id="142" name="Google Shape;142;p19"/>
-          <p:cNvSpPr txBox="1"/>
+          <p:cNvSpPr txBox="1">
+            <a:spLocks noGrp="1"/>
+          </p:cNvSpPr>
           <p:nvPr>
-            <p:ph idx="1" type="body"/>
+            <p:ph type="body" idx="1"/>
           </p:nvPr>
         </p:nvSpPr>
         <p:spPr>
@@ -10548,12 +10938,12 @@
           </a:prstGeom>
         </p:spPr>
         <p:txBody>
-          <a:bodyPr anchorCtr="0" anchor="t" bIns="91425" lIns="91425" spcFirstLastPara="1" rIns="91425" wrap="square" tIns="91425">
+          <a:bodyPr spcFirstLastPara="1" wrap="square" lIns="91425" tIns="91425" rIns="91425" bIns="91425" anchor="t" anchorCtr="0">
             <a:noAutofit/>
           </a:bodyPr>
           <a:lstStyle/>
           <a:p>
-            <a:pPr indent="-311150" lvl="0" marL="457200" rtl="0" algn="l">
+            <a:pPr marL="457200" lvl="0" indent="-311150" algn="l" rtl="0">
               <a:spcBef>
                 <a:spcPts val="0"/>
               </a:spcBef>
@@ -10570,7 +10960,7 @@
             <a:endParaRPr/>
           </a:p>
           <a:p>
-            <a:pPr indent="-311150" lvl="0" marL="457200" rtl="0" algn="l">
+            <a:pPr marL="457200" lvl="0" indent="-311150" algn="l" rtl="0">
               <a:spcBef>
                 <a:spcPts val="0"/>
               </a:spcBef>
@@ -10616,6 +11006,44 @@
           </a:ln>
         </p:spPr>
       </p:pic>
+      <p:sp>
+        <p:nvSpPr>
+          <p:cNvPr id="2" name="Slide Number Placeholder 1">
+            <a:extLst>
+              <a:ext uri="{FF2B5EF4-FFF2-40B4-BE49-F238E27FC236}">
+                <a16:creationId xmlns:a16="http://schemas.microsoft.com/office/drawing/2014/main" id="{EB1FD23B-C4CB-4F5E-8BB4-75AD86AB2693}"/>
+              </a:ext>
+            </a:extLst>
+          </p:cNvPr>
+          <p:cNvSpPr>
+            <a:spLocks noGrp="1"/>
+          </p:cNvSpPr>
+          <p:nvPr>
+            <p:ph type="sldNum" idx="12"/>
+          </p:nvPr>
+        </p:nvSpPr>
+        <p:spPr/>
+        <p:txBody>
+          <a:bodyPr/>
+          <a:lstStyle/>
+          <a:p>
+            <a:pPr marL="0" lvl="0" indent="0" algn="r" rtl="0">
+              <a:spcBef>
+                <a:spcPts val="0"/>
+              </a:spcBef>
+              <a:spcAft>
+                <a:spcPts val="0"/>
+              </a:spcAft>
+              <a:buNone/>
+            </a:pPr>
+            <a:fld id="{00000000-1234-1234-1234-123412341234}" type="slidenum">
+              <a:rPr lang="en" smtClean="0"/>
+              <a:t>7</a:t>
+            </a:fld>
+            <a:endParaRPr lang="en"/>
+          </a:p>
+        </p:txBody>
+      </p:sp>
     </p:spTree>
   </p:cSld>
   <p:clrMapOvr>
@@ -10625,11 +11053,11 @@
 </file>
 
 <file path=ppt/slides/slide8.xml><?xml version="1.0" encoding="utf-8"?>
-<p:sld xmlns:a="http://schemas.openxmlformats.org/drawingml/2006/main" xmlns:r="http://schemas.openxmlformats.org/officeDocument/2006/relationships" xmlns:mc="http://schemas.openxmlformats.org/markup-compatibility/2006" xmlns:mv="urn:schemas-microsoft-com:mac:vml" xmlns:p="http://schemas.openxmlformats.org/presentationml/2006/main" xmlns:c="http://schemas.openxmlformats.org/drawingml/2006/chart" xmlns:dgm="http://schemas.openxmlformats.org/drawingml/2006/diagram" xmlns:o="urn:schemas-microsoft-com:office:office" xmlns:v="urn:schemas-microsoft-com:vml" xmlns:pvml="urn:schemas-microsoft-com:office:powerpoint" xmlns:com="http://schemas.openxmlformats.org/drawingml/2006/compatibility" xmlns:p14="http://schemas.microsoft.com/office/powerpoint/2010/main" xmlns:p15="http://schemas.microsoft.com/office/powerpoint/2012/main" xmlns:ahyp="http://schemas.microsoft.com/office/drawing/2018/hyperlinkcolor">
+<p:sld xmlns:a="http://schemas.openxmlformats.org/drawingml/2006/main" xmlns:r="http://schemas.openxmlformats.org/officeDocument/2006/relationships" xmlns:p="http://schemas.openxmlformats.org/presentationml/2006/main">
   <p:cSld>
     <p:spTree>
       <p:nvGrpSpPr>
-        <p:cNvPr id="147" name="Shape 147"/>
+        <p:cNvPr id="1" name="Shape 147"/>
         <p:cNvGrpSpPr/>
         <p:nvPr/>
       </p:nvGrpSpPr>
@@ -10644,7 +11072,9 @@
       <p:sp>
         <p:nvSpPr>
           <p:cNvPr id="148" name="Google Shape;148;p20"/>
-          <p:cNvSpPr txBox="1"/>
+          <p:cNvSpPr txBox="1">
+            <a:spLocks noGrp="1"/>
+          </p:cNvSpPr>
           <p:nvPr>
             <p:ph type="title"/>
           </p:nvPr>
@@ -10659,12 +11089,12 @@
           </a:prstGeom>
         </p:spPr>
         <p:txBody>
-          <a:bodyPr anchorCtr="0" anchor="t" bIns="91425" lIns="91425" spcFirstLastPara="1" rIns="91425" wrap="square" tIns="91425">
+          <a:bodyPr spcFirstLastPara="1" wrap="square" lIns="91425" tIns="91425" rIns="91425" bIns="91425" anchor="t" anchorCtr="0">
             <a:noAutofit/>
           </a:bodyPr>
           <a:lstStyle/>
           <a:p>
-            <a:pPr indent="0" lvl="0" marL="0" rtl="0" algn="l">
+            <a:pPr marL="0" lvl="0" indent="0" algn="l" rtl="0">
               <a:spcBef>
                 <a:spcPts val="0"/>
               </a:spcBef>
@@ -10684,9 +11114,11 @@
       <p:sp>
         <p:nvSpPr>
           <p:cNvPr id="149" name="Google Shape;149;p20"/>
-          <p:cNvSpPr txBox="1"/>
+          <p:cNvSpPr txBox="1">
+            <a:spLocks noGrp="1"/>
+          </p:cNvSpPr>
           <p:nvPr>
-            <p:ph idx="1" type="body"/>
+            <p:ph type="body" idx="1"/>
           </p:nvPr>
         </p:nvSpPr>
         <p:spPr>
@@ -10699,12 +11131,12 @@
           </a:prstGeom>
         </p:spPr>
         <p:txBody>
-          <a:bodyPr anchorCtr="0" anchor="t" bIns="91425" lIns="91425" spcFirstLastPara="1" rIns="91425" wrap="square" tIns="91425">
+          <a:bodyPr spcFirstLastPara="1" wrap="square" lIns="91425" tIns="91425" rIns="91425" bIns="91425" anchor="t" anchorCtr="0">
             <a:noAutofit/>
           </a:bodyPr>
           <a:lstStyle/>
           <a:p>
-            <a:pPr indent="-317500" lvl="0" marL="457200" marR="0" rtl="0" algn="l">
+            <a:pPr marL="457200" marR="0" lvl="0" indent="-317500" algn="l" rtl="0">
               <a:lnSpc>
                 <a:spcPct val="115000"/>
               </a:lnSpc>
@@ -10724,7 +11156,7 @@
             <a:endParaRPr sz="1400"/>
           </a:p>
           <a:p>
-            <a:pPr indent="-317500" lvl="1" marL="914400" marR="0" rtl="0" algn="l">
+            <a:pPr marL="914400" marR="0" lvl="1" indent="-317500" algn="l" rtl="0">
               <a:lnSpc>
                 <a:spcPct val="115000"/>
               </a:lnSpc>
@@ -10744,7 +11176,7 @@
             <a:endParaRPr sz="1400"/>
           </a:p>
           <a:p>
-            <a:pPr indent="-317500" lvl="1" marL="914400" marR="0" rtl="0" algn="l">
+            <a:pPr marL="914400" marR="0" lvl="1" indent="-317500" algn="l" rtl="0">
               <a:lnSpc>
                 <a:spcPct val="115000"/>
               </a:lnSpc>
@@ -10764,7 +11196,7 @@
             <a:endParaRPr sz="1400"/>
           </a:p>
           <a:p>
-            <a:pPr indent="-317500" lvl="0" marL="457200" marR="0" rtl="0" algn="l">
+            <a:pPr marL="457200" marR="0" lvl="0" indent="-317500" algn="l" rtl="0">
               <a:lnSpc>
                 <a:spcPct val="115000"/>
               </a:lnSpc>
@@ -10784,7 +11216,7 @@
             <a:endParaRPr sz="1400"/>
           </a:p>
           <a:p>
-            <a:pPr indent="-317500" lvl="1" marL="914400" marR="0" rtl="0" algn="l">
+            <a:pPr marL="914400" marR="0" lvl="1" indent="-317500" algn="l" rtl="0">
               <a:lnSpc>
                 <a:spcPct val="115000"/>
               </a:lnSpc>
@@ -10804,7 +11236,7 @@
             <a:endParaRPr sz="1400"/>
           </a:p>
           <a:p>
-            <a:pPr indent="0" lvl="0" marL="914400" rtl="0" algn="l">
+            <a:pPr marL="914400" lvl="0" indent="0" algn="l" rtl="0">
               <a:spcBef>
                 <a:spcPts val="1600"/>
               </a:spcBef>
@@ -10813,10 +11245,45 @@
               </a:spcAft>
               <a:buNone/>
             </a:pPr>
-            <a:r>
-              <a:t/>
-            </a:r>
             <a:endParaRPr/>
+          </a:p>
+        </p:txBody>
+      </p:sp>
+      <p:sp>
+        <p:nvSpPr>
+          <p:cNvPr id="2" name="Slide Number Placeholder 1">
+            <a:extLst>
+              <a:ext uri="{FF2B5EF4-FFF2-40B4-BE49-F238E27FC236}">
+                <a16:creationId xmlns:a16="http://schemas.microsoft.com/office/drawing/2014/main" id="{706D6D07-C693-4219-A9A2-C33BF263F484}"/>
+              </a:ext>
+            </a:extLst>
+          </p:cNvPr>
+          <p:cNvSpPr>
+            <a:spLocks noGrp="1"/>
+          </p:cNvSpPr>
+          <p:nvPr>
+            <p:ph type="sldNum" idx="12"/>
+          </p:nvPr>
+        </p:nvSpPr>
+        <p:spPr/>
+        <p:txBody>
+          <a:bodyPr/>
+          <a:lstStyle/>
+          <a:p>
+            <a:pPr marL="0" lvl="0" indent="0" algn="r" rtl="0">
+              <a:spcBef>
+                <a:spcPts val="0"/>
+              </a:spcBef>
+              <a:spcAft>
+                <a:spcPts val="0"/>
+              </a:spcAft>
+              <a:buNone/>
+            </a:pPr>
+            <a:fld id="{00000000-1234-1234-1234-123412341234}" type="slidenum">
+              <a:rPr lang="en" smtClean="0"/>
+              <a:t>8</a:t>
+            </a:fld>
+            <a:endParaRPr lang="en"/>
           </a:p>
         </p:txBody>
       </p:sp>
@@ -10829,11 +11296,11 @@
 </file>
 
 <file path=ppt/slides/slide9.xml><?xml version="1.0" encoding="utf-8"?>
-<p:sld xmlns:a="http://schemas.openxmlformats.org/drawingml/2006/main" xmlns:r="http://schemas.openxmlformats.org/officeDocument/2006/relationships" xmlns:mc="http://schemas.openxmlformats.org/markup-compatibility/2006" xmlns:mv="urn:schemas-microsoft-com:mac:vml" xmlns:p="http://schemas.openxmlformats.org/presentationml/2006/main" xmlns:c="http://schemas.openxmlformats.org/drawingml/2006/chart" xmlns:dgm="http://schemas.openxmlformats.org/drawingml/2006/diagram" xmlns:o="urn:schemas-microsoft-com:office:office" xmlns:v="urn:schemas-microsoft-com:vml" xmlns:pvml="urn:schemas-microsoft-com:office:powerpoint" xmlns:com="http://schemas.openxmlformats.org/drawingml/2006/compatibility" xmlns:p14="http://schemas.microsoft.com/office/powerpoint/2010/main" xmlns:p15="http://schemas.microsoft.com/office/powerpoint/2012/main" xmlns:ahyp="http://schemas.microsoft.com/office/drawing/2018/hyperlinkcolor">
+<p:sld xmlns:a="http://schemas.openxmlformats.org/drawingml/2006/main" xmlns:r="http://schemas.openxmlformats.org/officeDocument/2006/relationships" xmlns:p="http://schemas.openxmlformats.org/presentationml/2006/main">
   <p:cSld>
     <p:spTree>
       <p:nvGrpSpPr>
-        <p:cNvPr id="153" name="Shape 153"/>
+        <p:cNvPr id="1" name="Shape 153"/>
         <p:cNvGrpSpPr/>
         <p:nvPr/>
       </p:nvGrpSpPr>
@@ -10848,7 +11315,9 @@
       <p:sp>
         <p:nvSpPr>
           <p:cNvPr id="154" name="Google Shape;154;p21"/>
-          <p:cNvSpPr txBox="1"/>
+          <p:cNvSpPr txBox="1">
+            <a:spLocks noGrp="1"/>
+          </p:cNvSpPr>
           <p:nvPr>
             <p:ph type="title"/>
           </p:nvPr>
@@ -10863,12 +11332,12 @@
           </a:prstGeom>
         </p:spPr>
         <p:txBody>
-          <a:bodyPr anchorCtr="0" anchor="t" bIns="91425" lIns="91425" spcFirstLastPara="1" rIns="91425" wrap="square" tIns="91425">
+          <a:bodyPr spcFirstLastPara="1" wrap="square" lIns="91425" tIns="91425" rIns="91425" bIns="91425" anchor="t" anchorCtr="0">
             <a:noAutofit/>
           </a:bodyPr>
           <a:lstStyle/>
           <a:p>
-            <a:pPr indent="0" lvl="0" marL="0" rtl="0" algn="l">
+            <a:pPr marL="0" lvl="0" indent="0" algn="l" rtl="0">
               <a:spcBef>
                 <a:spcPts val="0"/>
               </a:spcBef>
@@ -10888,9 +11357,11 @@
       <p:sp>
         <p:nvSpPr>
           <p:cNvPr id="155" name="Google Shape;155;p21"/>
-          <p:cNvSpPr txBox="1"/>
+          <p:cNvSpPr txBox="1">
+            <a:spLocks noGrp="1"/>
+          </p:cNvSpPr>
           <p:nvPr>
-            <p:ph idx="1" type="body"/>
+            <p:ph type="body" idx="1"/>
           </p:nvPr>
         </p:nvSpPr>
         <p:spPr>
@@ -10903,12 +11374,12 @@
           </a:prstGeom>
         </p:spPr>
         <p:txBody>
-          <a:bodyPr anchorCtr="0" anchor="t" bIns="91425" lIns="91425" spcFirstLastPara="1" rIns="91425" wrap="square" tIns="91425">
+          <a:bodyPr spcFirstLastPara="1" wrap="square" lIns="91425" tIns="91425" rIns="91425" bIns="91425" anchor="t" anchorCtr="0">
             <a:noAutofit/>
           </a:bodyPr>
           <a:lstStyle/>
           <a:p>
-            <a:pPr indent="-311150" lvl="0" marL="457200" rtl="0" algn="l">
+            <a:pPr marL="457200" lvl="0" indent="-311150" algn="l" rtl="0">
               <a:spcBef>
                 <a:spcPts val="0"/>
               </a:spcBef>
@@ -10919,13 +11390,13 @@
               <a:buChar char="●"/>
             </a:pPr>
             <a:r>
-              <a:rPr lang="en"/>
+              <a:rPr lang="en" dirty="0"/>
               <a:t>Two well known binary classification algorithms are used to build two different models: Logistic Regression and RandomForestClassifier.</a:t>
             </a:r>
-            <a:endParaRPr/>
+            <a:endParaRPr dirty="0"/>
           </a:p>
           <a:p>
-            <a:pPr indent="-311150" lvl="0" marL="457200" rtl="0" algn="l">
+            <a:pPr marL="457200" lvl="0" indent="-311150" algn="l" rtl="0">
               <a:spcBef>
                 <a:spcPts val="0"/>
               </a:spcBef>
@@ -10936,13 +11407,13 @@
               <a:buChar char="●"/>
             </a:pPr>
             <a:r>
-              <a:rPr lang="en"/>
+              <a:rPr lang="en" dirty="0"/>
               <a:t>We trained our models with the data we preprocessed and Provided the test data to evaluate their performances.</a:t>
             </a:r>
-            <a:endParaRPr/>
+            <a:endParaRPr dirty="0"/>
           </a:p>
           <a:p>
-            <a:pPr indent="-311150" lvl="0" marL="457200" rtl="0" algn="l">
+            <a:pPr marL="457200" lvl="0" indent="-311150" algn="l" rtl="0">
               <a:spcBef>
                 <a:spcPts val="0"/>
               </a:spcBef>
@@ -10953,21 +11424,21 @@
               <a:buChar char="●"/>
             </a:pPr>
             <a:r>
-              <a:rPr lang="en"/>
+              <a:rPr lang="en" dirty="0"/>
               <a:t>Based on the conducted performance evaluation both the models had a very close R</a:t>
             </a:r>
             <a:r>
-              <a:rPr baseline="30000" lang="en"/>
+              <a:rPr lang="en" baseline="30000" dirty="0"/>
               <a:t>2 </a:t>
             </a:r>
             <a:r>
-              <a:rPr lang="en"/>
+              <a:rPr lang="en" dirty="0"/>
               <a:t>scores</a:t>
             </a:r>
-            <a:endParaRPr/>
+            <a:endParaRPr dirty="0"/>
           </a:p>
           <a:p>
-            <a:pPr indent="-298450" lvl="1" marL="914400" rtl="0" algn="l">
+            <a:pPr marL="914400" lvl="1" indent="-298450" algn="l" rtl="0">
               <a:spcBef>
                 <a:spcPts val="0"/>
               </a:spcBef>
@@ -10978,21 +11449,13 @@
               <a:buChar char="○"/>
             </a:pPr>
             <a:r>
-              <a:rPr lang="en"/>
-              <a:t>Logistic </a:t>
+              <a:rPr lang="en" dirty="0"/>
+              <a:t>Logistic Regression Score = 0.8133333333333334</a:t>
             </a:r>
-            <a:r>
-              <a:rPr lang="en"/>
-              <a:t>Regression</a:t>
-            </a:r>
-            <a:r>
-              <a:rPr lang="en"/>
-              <a:t> Score = 0.8933333333333333</a:t>
-            </a:r>
-            <a:endParaRPr/>
+            <a:endParaRPr dirty="0"/>
           </a:p>
           <a:p>
-            <a:pPr indent="-298450" lvl="1" marL="914400" rtl="0" algn="l">
+            <a:pPr marL="914400" lvl="1" indent="-298450" algn="l" rtl="0">
               <a:spcBef>
                 <a:spcPts val="0"/>
               </a:spcBef>
@@ -11003,10 +11466,48 @@
               <a:buChar char="○"/>
             </a:pPr>
             <a:r>
-              <a:rPr lang="en"/>
-              <a:t>Random Forest Score= 0.88</a:t>
+              <a:rPr lang="en" dirty="0"/>
+              <a:t>Random Forest Score= 0.84</a:t>
             </a:r>
-            <a:endParaRPr/>
+            <a:endParaRPr dirty="0"/>
+          </a:p>
+        </p:txBody>
+      </p:sp>
+      <p:sp>
+        <p:nvSpPr>
+          <p:cNvPr id="2" name="Slide Number Placeholder 1">
+            <a:extLst>
+              <a:ext uri="{FF2B5EF4-FFF2-40B4-BE49-F238E27FC236}">
+                <a16:creationId xmlns:a16="http://schemas.microsoft.com/office/drawing/2014/main" id="{0A5BE86D-35C2-4F2F-88F4-E587F15FA7F7}"/>
+              </a:ext>
+            </a:extLst>
+          </p:cNvPr>
+          <p:cNvSpPr>
+            <a:spLocks noGrp="1"/>
+          </p:cNvSpPr>
+          <p:nvPr>
+            <p:ph type="sldNum" idx="12"/>
+          </p:nvPr>
+        </p:nvSpPr>
+        <p:spPr/>
+        <p:txBody>
+          <a:bodyPr/>
+          <a:lstStyle/>
+          <a:p>
+            <a:pPr marL="0" lvl="0" indent="0" algn="r" rtl="0">
+              <a:spcBef>
+                <a:spcPts val="0"/>
+              </a:spcBef>
+              <a:spcAft>
+                <a:spcPts val="0"/>
+              </a:spcAft>
+              <a:buNone/>
+            </a:pPr>
+            <a:fld id="{00000000-1234-1234-1234-123412341234}" type="slidenum">
+              <a:rPr lang="en" smtClean="0"/>
+              <a:t>9</a:t>
+            </a:fld>
+            <a:endParaRPr lang="en"/>
           </a:p>
         </p:txBody>
       </p:sp>
@@ -11019,7 +11520,288 @@
 </file>
 
 <file path=ppt/theme/theme1.xml><?xml version="1.0" encoding="utf-8"?>
-<a:theme xmlns:a="http://schemas.openxmlformats.org/drawingml/2006/main" xmlns:r="http://schemas.openxmlformats.org/officeDocument/2006/relationships">
+<a:theme xmlns:a="http://schemas.openxmlformats.org/drawingml/2006/main" name="Streamline">
+  <a:themeElements>
+    <a:clrScheme name="Streamline">
+      <a:dk1>
+        <a:srgbClr val="1A9988"/>
+      </a:dk1>
+      <a:lt1>
+        <a:srgbClr val="FFFFFF"/>
+      </a:lt1>
+      <a:dk2>
+        <a:srgbClr val="1A1A1A"/>
+      </a:dk2>
+      <a:lt2>
+        <a:srgbClr val="E9EDEE"/>
+      </a:lt2>
+      <a:accent1>
+        <a:srgbClr val="595959"/>
+      </a:accent1>
+      <a:accent2>
+        <a:srgbClr val="6AA4C8"/>
+      </a:accent2>
+      <a:accent3>
+        <a:srgbClr val="EB5600"/>
+      </a:accent3>
+      <a:accent4>
+        <a:srgbClr val="A2FFE8"/>
+      </a:accent4>
+      <a:accent5>
+        <a:srgbClr val="1C3678"/>
+      </a:accent5>
+      <a:accent6>
+        <a:srgbClr val="FFB8A2"/>
+      </a:accent6>
+      <a:hlink>
+        <a:srgbClr val="1C3678"/>
+      </a:hlink>
+      <a:folHlink>
+        <a:srgbClr val="1C3678"/>
+      </a:folHlink>
+    </a:clrScheme>
+    <a:fontScheme name="Office">
+      <a:majorFont>
+        <a:latin typeface="Arial"/>
+        <a:ea typeface=""/>
+        <a:cs typeface=""/>
+        <a:font script="Jpan" typeface="ＭＳ Ｐゴシック"/>
+        <a:font script="Hang" typeface="맑은 고딕"/>
+        <a:font script="Hans" typeface="宋体"/>
+        <a:font script="Hant" typeface="新細明體"/>
+        <a:font script="Arab" typeface="Times New Roman"/>
+        <a:font script="Hebr" typeface="Times New Roman"/>
+        <a:font script="Thai" typeface="Angsana New"/>
+        <a:font script="Ethi" typeface="Nyala"/>
+        <a:font script="Beng" typeface="Vrinda"/>
+        <a:font script="Gujr" typeface="Shruti"/>
+        <a:font script="Khmr" typeface="MoolBoran"/>
+        <a:font script="Knda" typeface="Tunga"/>
+        <a:font script="Guru" typeface="Raavi"/>
+        <a:font script="Cans" typeface="Euphemia"/>
+        <a:font script="Cher" typeface="Plantagenet Cherokee"/>
+        <a:font script="Yiii" typeface="Microsoft Yi Baiti"/>
+        <a:font script="Tibt" typeface="Microsoft Himalaya"/>
+        <a:font script="Thaa" typeface="MV Boli"/>
+        <a:font script="Deva" typeface="Mangal"/>
+        <a:font script="Telu" typeface="Gautami"/>
+        <a:font script="Taml" typeface="Latha"/>
+        <a:font script="Syrc" typeface="Estrangelo Edessa"/>
+        <a:font script="Orya" typeface="Kalinga"/>
+        <a:font script="Mlym" typeface="Kartika"/>
+        <a:font script="Laoo" typeface="DokChampa"/>
+        <a:font script="Sinh" typeface="Iskoola Pota"/>
+        <a:font script="Mong" typeface="Mongolian Baiti"/>
+        <a:font script="Viet" typeface="Times New Roman"/>
+        <a:font script="Uigh" typeface="Microsoft Uighur"/>
+        <a:font script="Geor" typeface="Sylfaen"/>
+      </a:majorFont>
+      <a:minorFont>
+        <a:latin typeface="Arial"/>
+        <a:ea typeface=""/>
+        <a:cs typeface=""/>
+        <a:font script="Jpan" typeface="ＭＳ Ｐゴシック"/>
+        <a:font script="Hang" typeface="맑은 고딕"/>
+        <a:font script="Hans" typeface="宋体"/>
+        <a:font script="Hant" typeface="新細明體"/>
+        <a:font script="Arab" typeface="Arial"/>
+        <a:font script="Hebr" typeface="Arial"/>
+        <a:font script="Thai" typeface="Cordia New"/>
+        <a:font script="Ethi" typeface="Nyala"/>
+        <a:font script="Beng" typeface="Vrinda"/>
+        <a:font script="Gujr" typeface="Shruti"/>
+        <a:font script="Khmr" typeface="DaunPenh"/>
+        <a:font script="Knda" typeface="Tunga"/>
+        <a:font script="Guru" typeface="Raavi"/>
+        <a:font script="Cans" typeface="Euphemia"/>
+        <a:font script="Cher" typeface="Plantagenet Cherokee"/>
+        <a:font script="Yiii" typeface="Microsoft Yi Baiti"/>
+        <a:font script="Tibt" typeface="Microsoft Himalaya"/>
+        <a:font script="Thaa" typeface="MV Boli"/>
+        <a:font script="Deva" typeface="Mangal"/>
+        <a:font script="Telu" typeface="Gautami"/>
+        <a:font script="Taml" typeface="Latha"/>
+        <a:font script="Syrc" typeface="Estrangelo Edessa"/>
+        <a:font script="Orya" typeface="Kalinga"/>
+        <a:font script="Mlym" typeface="Kartika"/>
+        <a:font script="Laoo" typeface="DokChampa"/>
+        <a:font script="Sinh" typeface="Iskoola Pota"/>
+        <a:font script="Mong" typeface="Mongolian Baiti"/>
+        <a:font script="Viet" typeface="Arial"/>
+        <a:font script="Uigh" typeface="Microsoft Uighur"/>
+        <a:font script="Geor" typeface="Sylfaen"/>
+      </a:minorFont>
+    </a:fontScheme>
+    <a:fmtScheme name="Office">
+      <a:fillStyleLst>
+        <a:solidFill>
+          <a:schemeClr val="phClr"/>
+        </a:solidFill>
+        <a:gradFill rotWithShape="1">
+          <a:gsLst>
+            <a:gs pos="0">
+              <a:schemeClr val="phClr">
+                <a:tint val="50000"/>
+                <a:satMod val="300000"/>
+              </a:schemeClr>
+            </a:gs>
+            <a:gs pos="35000">
+              <a:schemeClr val="phClr">
+                <a:tint val="37000"/>
+                <a:satMod val="300000"/>
+              </a:schemeClr>
+            </a:gs>
+            <a:gs pos="100000">
+              <a:schemeClr val="phClr">
+                <a:tint val="15000"/>
+                <a:satMod val="350000"/>
+              </a:schemeClr>
+            </a:gs>
+          </a:gsLst>
+          <a:lin ang="16200000" scaled="1"/>
+        </a:gradFill>
+        <a:gradFill rotWithShape="1">
+          <a:gsLst>
+            <a:gs pos="0">
+              <a:schemeClr val="phClr">
+                <a:tint val="100000"/>
+                <a:shade val="100000"/>
+                <a:satMod val="130000"/>
+              </a:schemeClr>
+            </a:gs>
+            <a:gs pos="100000">
+              <a:schemeClr val="phClr">
+                <a:tint val="50000"/>
+                <a:shade val="100000"/>
+                <a:satMod val="350000"/>
+              </a:schemeClr>
+            </a:gs>
+          </a:gsLst>
+          <a:lin ang="16200000" scaled="0"/>
+        </a:gradFill>
+      </a:fillStyleLst>
+      <a:lnStyleLst>
+        <a:ln w="9525" cap="flat" cmpd="sng" algn="ctr">
+          <a:solidFill>
+            <a:schemeClr val="phClr">
+              <a:shade val="95000"/>
+              <a:satMod val="105000"/>
+            </a:schemeClr>
+          </a:solidFill>
+          <a:prstDash val="solid"/>
+        </a:ln>
+        <a:ln w="25400" cap="flat" cmpd="sng" algn="ctr">
+          <a:solidFill>
+            <a:schemeClr val="phClr"/>
+          </a:solidFill>
+          <a:prstDash val="solid"/>
+        </a:ln>
+        <a:ln w="38100" cap="flat" cmpd="sng" algn="ctr">
+          <a:solidFill>
+            <a:schemeClr val="phClr"/>
+          </a:solidFill>
+          <a:prstDash val="solid"/>
+        </a:ln>
+      </a:lnStyleLst>
+      <a:effectStyleLst>
+        <a:effectStyle>
+          <a:effectLst>
+            <a:outerShdw blurRad="40000" dist="20000" dir="5400000" rotWithShape="0">
+              <a:srgbClr val="000000">
+                <a:alpha val="38000"/>
+              </a:srgbClr>
+            </a:outerShdw>
+          </a:effectLst>
+        </a:effectStyle>
+        <a:effectStyle>
+          <a:effectLst>
+            <a:outerShdw blurRad="40000" dist="23000" dir="5400000" rotWithShape="0">
+              <a:srgbClr val="000000">
+                <a:alpha val="35000"/>
+              </a:srgbClr>
+            </a:outerShdw>
+          </a:effectLst>
+        </a:effectStyle>
+        <a:effectStyle>
+          <a:effectLst>
+            <a:outerShdw blurRad="40000" dist="23000" dir="5400000" rotWithShape="0">
+              <a:srgbClr val="000000">
+                <a:alpha val="35000"/>
+              </a:srgbClr>
+            </a:outerShdw>
+          </a:effectLst>
+          <a:scene3d>
+            <a:camera prst="orthographicFront">
+              <a:rot lat="0" lon="0" rev="0"/>
+            </a:camera>
+            <a:lightRig rig="threePt" dir="t">
+              <a:rot lat="0" lon="0" rev="1200000"/>
+            </a:lightRig>
+          </a:scene3d>
+          <a:sp3d>
+            <a:bevelT w="63500" h="25400"/>
+          </a:sp3d>
+        </a:effectStyle>
+      </a:effectStyleLst>
+      <a:bgFillStyleLst>
+        <a:solidFill>
+          <a:schemeClr val="phClr"/>
+        </a:solidFill>
+        <a:gradFill rotWithShape="1">
+          <a:gsLst>
+            <a:gs pos="0">
+              <a:schemeClr val="phClr">
+                <a:tint val="40000"/>
+                <a:satMod val="350000"/>
+              </a:schemeClr>
+            </a:gs>
+            <a:gs pos="40000">
+              <a:schemeClr val="phClr">
+                <a:tint val="45000"/>
+                <a:shade val="99000"/>
+                <a:satMod val="350000"/>
+              </a:schemeClr>
+            </a:gs>
+            <a:gs pos="100000">
+              <a:schemeClr val="phClr">
+                <a:shade val="20000"/>
+                <a:satMod val="255000"/>
+              </a:schemeClr>
+            </a:gs>
+          </a:gsLst>
+          <a:path path="circle">
+            <a:fillToRect l="50000" t="-80000" r="50000" b="180000"/>
+          </a:path>
+        </a:gradFill>
+        <a:gradFill rotWithShape="1">
+          <a:gsLst>
+            <a:gs pos="0">
+              <a:schemeClr val="phClr">
+                <a:tint val="80000"/>
+                <a:satMod val="300000"/>
+              </a:schemeClr>
+            </a:gs>
+            <a:gs pos="100000">
+              <a:schemeClr val="phClr">
+                <a:shade val="30000"/>
+                <a:satMod val="200000"/>
+              </a:schemeClr>
+            </a:gs>
+          </a:gsLst>
+          <a:path path="circle">
+            <a:fillToRect l="50000" t="50000" r="50000" b="50000"/>
+          </a:path>
+        </a:gradFill>
+      </a:bgFillStyleLst>
+    </a:fmtScheme>
+  </a:themeElements>
+  <a:objectDefaults/>
+  <a:extraClrSchemeLst/>
+</a:theme>
+</file>
+
+<file path=ppt/theme/theme2.xml><?xml version="1.0" encoding="utf-8"?>
+<a:theme xmlns:a="http://schemas.openxmlformats.org/drawingml/2006/main">
   <a:themeElements>
     <a:clrScheme name="Default">
       <a:dk1>
@@ -11294,284 +12076,7 @@
       </a:bgFillStyleLst>
     </a:fmtScheme>
   </a:themeElements>
-</a:theme>
-</file>
-
-<file path=ppt/theme/theme2.xml><?xml version="1.0" encoding="utf-8"?>
-<a:theme xmlns:a="http://schemas.openxmlformats.org/drawingml/2006/main" xmlns:r="http://schemas.openxmlformats.org/officeDocument/2006/relationships" name="Streamline">
-  <a:themeElements>
-    <a:clrScheme name="Streamline">
-      <a:dk1>
-        <a:srgbClr val="1A9988"/>
-      </a:dk1>
-      <a:lt1>
-        <a:srgbClr val="FFFFFF"/>
-      </a:lt1>
-      <a:dk2>
-        <a:srgbClr val="1A1A1A"/>
-      </a:dk2>
-      <a:lt2>
-        <a:srgbClr val="E9EDEE"/>
-      </a:lt2>
-      <a:accent1>
-        <a:srgbClr val="595959"/>
-      </a:accent1>
-      <a:accent2>
-        <a:srgbClr val="6AA4C8"/>
-      </a:accent2>
-      <a:accent3>
-        <a:srgbClr val="EB5600"/>
-      </a:accent3>
-      <a:accent4>
-        <a:srgbClr val="A2FFE8"/>
-      </a:accent4>
-      <a:accent5>
-        <a:srgbClr val="1C3678"/>
-      </a:accent5>
-      <a:accent6>
-        <a:srgbClr val="FFB8A2"/>
-      </a:accent6>
-      <a:hlink>
-        <a:srgbClr val="1C3678"/>
-      </a:hlink>
-      <a:folHlink>
-        <a:srgbClr val="1C3678"/>
-      </a:folHlink>
-    </a:clrScheme>
-    <a:fontScheme name="Office">
-      <a:majorFont>
-        <a:latin typeface="Arial"/>
-        <a:ea typeface=""/>
-        <a:cs typeface=""/>
-        <a:font script="Jpan" typeface="ＭＳ Ｐゴシック"/>
-        <a:font script="Hang" typeface="맑은 고딕"/>
-        <a:font script="Hans" typeface="宋体"/>
-        <a:font script="Hant" typeface="新細明體"/>
-        <a:font script="Arab" typeface="Times New Roman"/>
-        <a:font script="Hebr" typeface="Times New Roman"/>
-        <a:font script="Thai" typeface="Angsana New"/>
-        <a:font script="Ethi" typeface="Nyala"/>
-        <a:font script="Beng" typeface="Vrinda"/>
-        <a:font script="Gujr" typeface="Shruti"/>
-        <a:font script="Khmr" typeface="MoolBoran"/>
-        <a:font script="Knda" typeface="Tunga"/>
-        <a:font script="Guru" typeface="Raavi"/>
-        <a:font script="Cans" typeface="Euphemia"/>
-        <a:font script="Cher" typeface="Plantagenet Cherokee"/>
-        <a:font script="Yiii" typeface="Microsoft Yi Baiti"/>
-        <a:font script="Tibt" typeface="Microsoft Himalaya"/>
-        <a:font script="Thaa" typeface="MV Boli"/>
-        <a:font script="Deva" typeface="Mangal"/>
-        <a:font script="Telu" typeface="Gautami"/>
-        <a:font script="Taml" typeface="Latha"/>
-        <a:font script="Syrc" typeface="Estrangelo Edessa"/>
-        <a:font script="Orya" typeface="Kalinga"/>
-        <a:font script="Mlym" typeface="Kartika"/>
-        <a:font script="Laoo" typeface="DokChampa"/>
-        <a:font script="Sinh" typeface="Iskoola Pota"/>
-        <a:font script="Mong" typeface="Mongolian Baiti"/>
-        <a:font script="Viet" typeface="Times New Roman"/>
-        <a:font script="Uigh" typeface="Microsoft Uighur"/>
-        <a:font script="Geor" typeface="Sylfaen"/>
-      </a:majorFont>
-      <a:minorFont>
-        <a:latin typeface="Arial"/>
-        <a:ea typeface=""/>
-        <a:cs typeface=""/>
-        <a:font script="Jpan" typeface="ＭＳ Ｐゴシック"/>
-        <a:font script="Hang" typeface="맑은 고딕"/>
-        <a:font script="Hans" typeface="宋体"/>
-        <a:font script="Hant" typeface="新細明體"/>
-        <a:font script="Arab" typeface="Arial"/>
-        <a:font script="Hebr" typeface="Arial"/>
-        <a:font script="Thai" typeface="Cordia New"/>
-        <a:font script="Ethi" typeface="Nyala"/>
-        <a:font script="Beng" typeface="Vrinda"/>
-        <a:font script="Gujr" typeface="Shruti"/>
-        <a:font script="Khmr" typeface="DaunPenh"/>
-        <a:font script="Knda" typeface="Tunga"/>
-        <a:font script="Guru" typeface="Raavi"/>
-        <a:font script="Cans" typeface="Euphemia"/>
-        <a:font script="Cher" typeface="Plantagenet Cherokee"/>
-        <a:font script="Yiii" typeface="Microsoft Yi Baiti"/>
-        <a:font script="Tibt" typeface="Microsoft Himalaya"/>
-        <a:font script="Thaa" typeface="MV Boli"/>
-        <a:font script="Deva" typeface="Mangal"/>
-        <a:font script="Telu" typeface="Gautami"/>
-        <a:font script="Taml" typeface="Latha"/>
-        <a:font script="Syrc" typeface="Estrangelo Edessa"/>
-        <a:font script="Orya" typeface="Kalinga"/>
-        <a:font script="Mlym" typeface="Kartika"/>
-        <a:font script="Laoo" typeface="DokChampa"/>
-        <a:font script="Sinh" typeface="Iskoola Pota"/>
-        <a:font script="Mong" typeface="Mongolian Baiti"/>
-        <a:font script="Viet" typeface="Arial"/>
-        <a:font script="Uigh" typeface="Microsoft Uighur"/>
-        <a:font script="Geor" typeface="Sylfaen"/>
-      </a:minorFont>
-    </a:fontScheme>
-    <a:fmtScheme name="Office">
-      <a:fillStyleLst>
-        <a:solidFill>
-          <a:schemeClr val="phClr"/>
-        </a:solidFill>
-        <a:gradFill rotWithShape="1">
-          <a:gsLst>
-            <a:gs pos="0">
-              <a:schemeClr val="phClr">
-                <a:tint val="50000"/>
-                <a:satMod val="300000"/>
-              </a:schemeClr>
-            </a:gs>
-            <a:gs pos="35000">
-              <a:schemeClr val="phClr">
-                <a:tint val="37000"/>
-                <a:satMod val="300000"/>
-              </a:schemeClr>
-            </a:gs>
-            <a:gs pos="100000">
-              <a:schemeClr val="phClr">
-                <a:tint val="15000"/>
-                <a:satMod val="350000"/>
-              </a:schemeClr>
-            </a:gs>
-          </a:gsLst>
-          <a:lin ang="16200000" scaled="1"/>
-        </a:gradFill>
-        <a:gradFill rotWithShape="1">
-          <a:gsLst>
-            <a:gs pos="0">
-              <a:schemeClr val="phClr">
-                <a:tint val="100000"/>
-                <a:shade val="100000"/>
-                <a:satMod val="130000"/>
-              </a:schemeClr>
-            </a:gs>
-            <a:gs pos="100000">
-              <a:schemeClr val="phClr">
-                <a:tint val="50000"/>
-                <a:shade val="100000"/>
-                <a:satMod val="350000"/>
-              </a:schemeClr>
-            </a:gs>
-          </a:gsLst>
-          <a:lin ang="16200000" scaled="0"/>
-        </a:gradFill>
-      </a:fillStyleLst>
-      <a:lnStyleLst>
-        <a:ln w="9525" cap="flat" cmpd="sng" algn="ctr">
-          <a:solidFill>
-            <a:schemeClr val="phClr">
-              <a:shade val="95000"/>
-              <a:satMod val="105000"/>
-            </a:schemeClr>
-          </a:solidFill>
-          <a:prstDash val="solid"/>
-        </a:ln>
-        <a:ln w="25400" cap="flat" cmpd="sng" algn="ctr">
-          <a:solidFill>
-            <a:schemeClr val="phClr"/>
-          </a:solidFill>
-          <a:prstDash val="solid"/>
-        </a:ln>
-        <a:ln w="38100" cap="flat" cmpd="sng" algn="ctr">
-          <a:solidFill>
-            <a:schemeClr val="phClr"/>
-          </a:solidFill>
-          <a:prstDash val="solid"/>
-        </a:ln>
-      </a:lnStyleLst>
-      <a:effectStyleLst>
-        <a:effectStyle>
-          <a:effectLst>
-            <a:outerShdw blurRad="40000" dist="20000" dir="5400000" rotWithShape="0">
-              <a:srgbClr val="000000">
-                <a:alpha val="38000"/>
-              </a:srgbClr>
-            </a:outerShdw>
-          </a:effectLst>
-        </a:effectStyle>
-        <a:effectStyle>
-          <a:effectLst>
-            <a:outerShdw blurRad="40000" dist="23000" dir="5400000" rotWithShape="0">
-              <a:srgbClr val="000000">
-                <a:alpha val="35000"/>
-              </a:srgbClr>
-            </a:outerShdw>
-          </a:effectLst>
-        </a:effectStyle>
-        <a:effectStyle>
-          <a:effectLst>
-            <a:outerShdw blurRad="40000" dist="23000" dir="5400000" rotWithShape="0">
-              <a:srgbClr val="000000">
-                <a:alpha val="35000"/>
-              </a:srgbClr>
-            </a:outerShdw>
-          </a:effectLst>
-          <a:scene3d>
-            <a:camera prst="orthographicFront">
-              <a:rot lat="0" lon="0" rev="0"/>
-            </a:camera>
-            <a:lightRig rig="threePt" dir="t">
-              <a:rot lat="0" lon="0" rev="1200000"/>
-            </a:lightRig>
-          </a:scene3d>
-          <a:sp3d>
-            <a:bevelT w="63500" h="25400"/>
-          </a:sp3d>
-        </a:effectStyle>
-      </a:effectStyleLst>
-      <a:bgFillStyleLst>
-        <a:solidFill>
-          <a:schemeClr val="phClr"/>
-        </a:solidFill>
-        <a:gradFill rotWithShape="1">
-          <a:gsLst>
-            <a:gs pos="0">
-              <a:schemeClr val="phClr">
-                <a:tint val="40000"/>
-                <a:satMod val="350000"/>
-              </a:schemeClr>
-            </a:gs>
-            <a:gs pos="40000">
-              <a:schemeClr val="phClr">
-                <a:tint val="45000"/>
-                <a:shade val="99000"/>
-                <a:satMod val="350000"/>
-              </a:schemeClr>
-            </a:gs>
-            <a:gs pos="100000">
-              <a:schemeClr val="phClr">
-                <a:shade val="20000"/>
-                <a:satMod val="255000"/>
-              </a:schemeClr>
-            </a:gs>
-          </a:gsLst>
-          <a:path path="circle">
-            <a:fillToRect l="50000" t="-80000" r="50000" b="180000"/>
-          </a:path>
-        </a:gradFill>
-        <a:gradFill rotWithShape="1">
-          <a:gsLst>
-            <a:gs pos="0">
-              <a:schemeClr val="phClr">
-                <a:tint val="80000"/>
-                <a:satMod val="300000"/>
-              </a:schemeClr>
-            </a:gs>
-            <a:gs pos="100000">
-              <a:schemeClr val="phClr">
-                <a:shade val="30000"/>
-                <a:satMod val="200000"/>
-              </a:schemeClr>
-            </a:gs>
-          </a:gsLst>
-          <a:path path="circle">
-            <a:fillToRect l="50000" t="50000" r="50000" b="50000"/>
-          </a:path>
-        </a:gradFill>
-      </a:bgFillStyleLst>
-    </a:fmtScheme>
-  </a:themeElements>
+  <a:objectDefaults/>
+  <a:extraClrSchemeLst/>
 </a:theme>
 </file>